--- a/Houston Tech Fest 2018/Think Like a Certification Exam - HTF 2018.pptx
+++ b/Houston Tech Fest 2018/Think Like a Certification Exam - HTF 2018.pptx
@@ -8,25 +8,25 @@
     <p:sldMasterId id="2147483692" r:id="rId4"/>
   </p:sldMasterIdLst>
   <p:notesMasterIdLst>
-    <p:notesMasterId r:id="rId52"/>
+    <p:notesMasterId r:id="rId53"/>
   </p:notesMasterIdLst>
   <p:sldIdLst>
     <p:sldId id="256" r:id="rId5"/>
     <p:sldId id="286" r:id="rId6"/>
     <p:sldId id="300" r:id="rId7"/>
     <p:sldId id="296" r:id="rId8"/>
-    <p:sldId id="301" r:id="rId9"/>
-    <p:sldId id="302" r:id="rId10"/>
-    <p:sldId id="292" r:id="rId11"/>
-    <p:sldId id="293" r:id="rId12"/>
-    <p:sldId id="287" r:id="rId13"/>
+    <p:sldId id="287" r:id="rId9"/>
+    <p:sldId id="301" r:id="rId10"/>
+    <p:sldId id="302" r:id="rId11"/>
+    <p:sldId id="292" r:id="rId12"/>
+    <p:sldId id="293" r:id="rId13"/>
     <p:sldId id="275" r:id="rId14"/>
-    <p:sldId id="290" r:id="rId15"/>
-    <p:sldId id="288" r:id="rId16"/>
-    <p:sldId id="294" r:id="rId17"/>
-    <p:sldId id="289" r:id="rId18"/>
-    <p:sldId id="261" r:id="rId19"/>
-    <p:sldId id="282" r:id="rId20"/>
+    <p:sldId id="288" r:id="rId15"/>
+    <p:sldId id="294" r:id="rId16"/>
+    <p:sldId id="289" r:id="rId17"/>
+    <p:sldId id="261" r:id="rId18"/>
+    <p:sldId id="282" r:id="rId19"/>
+    <p:sldId id="290" r:id="rId20"/>
     <p:sldId id="303" r:id="rId21"/>
     <p:sldId id="263" r:id="rId22"/>
     <p:sldId id="264" r:id="rId23"/>
@@ -37,27 +37,28 @@
     <p:sldId id="283" r:id="rId28"/>
     <p:sldId id="266" r:id="rId29"/>
     <p:sldId id="277" r:id="rId30"/>
-    <p:sldId id="267" r:id="rId31"/>
-    <p:sldId id="268" r:id="rId32"/>
-    <p:sldId id="269" r:id="rId33"/>
-    <p:sldId id="270" r:id="rId34"/>
-    <p:sldId id="271" r:id="rId35"/>
-    <p:sldId id="280" r:id="rId36"/>
-    <p:sldId id="272" r:id="rId37"/>
-    <p:sldId id="274" r:id="rId38"/>
-    <p:sldId id="273" r:id="rId39"/>
-    <p:sldId id="297" r:id="rId40"/>
-    <p:sldId id="305" r:id="rId41"/>
-    <p:sldId id="279" r:id="rId42"/>
-    <p:sldId id="299" r:id="rId43"/>
-    <p:sldId id="284" r:id="rId44"/>
-    <p:sldId id="285" r:id="rId45"/>
-    <p:sldId id="295" r:id="rId46"/>
-    <p:sldId id="298" r:id="rId47"/>
-    <p:sldId id="258" r:id="rId48"/>
-    <p:sldId id="309" r:id="rId49"/>
-    <p:sldId id="307" r:id="rId50"/>
-    <p:sldId id="308" r:id="rId51"/>
+    <p:sldId id="310" r:id="rId31"/>
+    <p:sldId id="267" r:id="rId32"/>
+    <p:sldId id="268" r:id="rId33"/>
+    <p:sldId id="269" r:id="rId34"/>
+    <p:sldId id="270" r:id="rId35"/>
+    <p:sldId id="271" r:id="rId36"/>
+    <p:sldId id="280" r:id="rId37"/>
+    <p:sldId id="272" r:id="rId38"/>
+    <p:sldId id="274" r:id="rId39"/>
+    <p:sldId id="273" r:id="rId40"/>
+    <p:sldId id="297" r:id="rId41"/>
+    <p:sldId id="305" r:id="rId42"/>
+    <p:sldId id="279" r:id="rId43"/>
+    <p:sldId id="299" r:id="rId44"/>
+    <p:sldId id="284" r:id="rId45"/>
+    <p:sldId id="285" r:id="rId46"/>
+    <p:sldId id="295" r:id="rId47"/>
+    <p:sldId id="298" r:id="rId48"/>
+    <p:sldId id="258" r:id="rId49"/>
+    <p:sldId id="309" r:id="rId50"/>
+    <p:sldId id="307" r:id="rId51"/>
+    <p:sldId id="308" r:id="rId52"/>
   </p:sldIdLst>
   <p:sldSz cx="12192000" cy="6858000"/>
   <p:notesSz cx="6858000" cy="9144000"/>
@@ -168,8 +169,8 @@
 <pc:chgInfo xmlns:a="http://schemas.openxmlformats.org/drawingml/2006/main" xmlns:r="http://schemas.openxmlformats.org/officeDocument/2006/relationships" xmlns:ac="http://schemas.microsoft.com/office/drawing/2013/main/command" xmlns:pc="http://schemas.microsoft.com/office/powerpoint/2013/main/command">
   <pc:docChgLst>
     <pc:chgData name="william a" userId="c66c7249b60d4ab2" providerId="LiveId" clId="{D1044673-1D8A-4183-BCEC-2ABC54B4F912}"/>
-    <pc:docChg chg="modSld">
-      <pc:chgData name="william a" userId="c66c7249b60d4ab2" providerId="LiveId" clId="{D1044673-1D8A-4183-BCEC-2ABC54B4F912}" dt="2018-05-04T19:58:00.693" v="18"/>
+    <pc:docChg chg="undo custSel addSld delSld modSld sldOrd">
+      <pc:chgData name="william a" userId="c66c7249b60d4ab2" providerId="LiveId" clId="{D1044673-1D8A-4183-BCEC-2ABC54B4F912}" dt="2018-05-18T18:07:01.220" v="485" actId="6549"/>
       <pc:docMkLst>
         <pc:docMk/>
       </pc:docMkLst>
@@ -188,14 +189,156 @@
           </ac:spMkLst>
         </pc:spChg>
       </pc:sldChg>
+      <pc:sldChg chg="modSp modAnim">
+        <pc:chgData name="william a" userId="c66c7249b60d4ab2" providerId="LiveId" clId="{D1044673-1D8A-4183-BCEC-2ABC54B4F912}" dt="2018-05-18T18:01:52.409" v="261" actId="20577"/>
+        <pc:sldMkLst>
+          <pc:docMk/>
+          <pc:sldMk cId="3208928583" sldId="261"/>
+        </pc:sldMkLst>
+        <pc:spChg chg="mod">
+          <ac:chgData name="william a" userId="c66c7249b60d4ab2" providerId="LiveId" clId="{D1044673-1D8A-4183-BCEC-2ABC54B4F912}" dt="2018-05-18T18:01:52.409" v="261" actId="20577"/>
+          <ac:spMkLst>
+            <pc:docMk/>
+            <pc:sldMk cId="3208928583" sldId="261"/>
+            <ac:spMk id="6" creationId="{00000000-0000-0000-0000-000000000000}"/>
+          </ac:spMkLst>
+        </pc:spChg>
+      </pc:sldChg>
       <pc:sldChg chg="modSp">
-        <pc:chgData name="william a" userId="c66c7249b60d4ab2" providerId="LiveId" clId="{D1044673-1D8A-4183-BCEC-2ABC54B4F912}" dt="2018-05-04T19:57:01.552" v="11" actId="14100"/>
+        <pc:chgData name="william a" userId="c66c7249b60d4ab2" providerId="LiveId" clId="{D1044673-1D8A-4183-BCEC-2ABC54B4F912}" dt="2018-05-18T18:02:31.829" v="271" actId="20577"/>
+        <pc:sldMkLst>
+          <pc:docMk/>
+          <pc:sldMk cId="2257559360" sldId="264"/>
+        </pc:sldMkLst>
+        <pc:spChg chg="mod">
+          <ac:chgData name="william a" userId="c66c7249b60d4ab2" providerId="LiveId" clId="{D1044673-1D8A-4183-BCEC-2ABC54B4F912}" dt="2018-05-18T18:02:31.829" v="271" actId="20577"/>
+          <ac:spMkLst>
+            <pc:docMk/>
+            <pc:sldMk cId="2257559360" sldId="264"/>
+            <ac:spMk id="6" creationId="{00000000-0000-0000-0000-000000000000}"/>
+          </ac:spMkLst>
+        </pc:spChg>
+      </pc:sldChg>
+      <pc:sldChg chg="modSp modAnim">
+        <pc:chgData name="william a" userId="c66c7249b60d4ab2" providerId="LiveId" clId="{D1044673-1D8A-4183-BCEC-2ABC54B4F912}" dt="2018-05-18T18:05:12.353" v="459" actId="20577"/>
+        <pc:sldMkLst>
+          <pc:docMk/>
+          <pc:sldMk cId="2221593577" sldId="266"/>
+        </pc:sldMkLst>
+        <pc:spChg chg="mod">
+          <ac:chgData name="william a" userId="c66c7249b60d4ab2" providerId="LiveId" clId="{D1044673-1D8A-4183-BCEC-2ABC54B4F912}" dt="2018-05-18T18:05:12.353" v="459" actId="20577"/>
+          <ac:spMkLst>
+            <pc:docMk/>
+            <pc:sldMk cId="2221593577" sldId="266"/>
+            <ac:spMk id="6" creationId="{00000000-0000-0000-0000-000000000000}"/>
+          </ac:spMkLst>
+        </pc:spChg>
+      </pc:sldChg>
+      <pc:sldChg chg="modSp modAnim">
+        <pc:chgData name="william a" userId="c66c7249b60d4ab2" providerId="LiveId" clId="{D1044673-1D8A-4183-BCEC-2ABC54B4F912}" dt="2018-05-18T18:05:33.567" v="463" actId="403"/>
+        <pc:sldMkLst>
+          <pc:docMk/>
+          <pc:sldMk cId="1528764240" sldId="277"/>
+        </pc:sldMkLst>
+        <pc:spChg chg="mod">
+          <ac:chgData name="william a" userId="c66c7249b60d4ab2" providerId="LiveId" clId="{D1044673-1D8A-4183-BCEC-2ABC54B4F912}" dt="2018-05-18T18:05:33.567" v="463" actId="403"/>
+          <ac:spMkLst>
+            <pc:docMk/>
+            <pc:sldMk cId="1528764240" sldId="277"/>
+            <ac:spMk id="5" creationId="{00000000-0000-0000-0000-000000000000}"/>
+          </ac:spMkLst>
+        </pc:spChg>
+      </pc:sldChg>
+      <pc:sldChg chg="ord">
+        <pc:chgData name="william a" userId="c66c7249b60d4ab2" providerId="LiveId" clId="{D1044673-1D8A-4183-BCEC-2ABC54B4F912}" dt="2018-05-18T17:56:12.523" v="20"/>
+        <pc:sldMkLst>
+          <pc:docMk/>
+          <pc:sldMk cId="3090163752" sldId="287"/>
+        </pc:sldMkLst>
+      </pc:sldChg>
+      <pc:sldChg chg="modSp modAnim">
+        <pc:chgData name="william a" userId="c66c7249b60d4ab2" providerId="LiveId" clId="{D1044673-1D8A-4183-BCEC-2ABC54B4F912}" dt="2018-05-18T18:00:20.645" v="181" actId="20577"/>
+        <pc:sldMkLst>
+          <pc:docMk/>
+          <pc:sldMk cId="1681239636" sldId="288"/>
+        </pc:sldMkLst>
+        <pc:spChg chg="mod">
+          <ac:chgData name="william a" userId="c66c7249b60d4ab2" providerId="LiveId" clId="{D1044673-1D8A-4183-BCEC-2ABC54B4F912}" dt="2018-05-18T18:00:20.645" v="181" actId="20577"/>
+          <ac:spMkLst>
+            <pc:docMk/>
+            <pc:sldMk cId="1681239636" sldId="288"/>
+            <ac:spMk id="3" creationId="{00000000-0000-0000-0000-000000000000}"/>
+          </ac:spMkLst>
+        </pc:spChg>
+      </pc:sldChg>
+      <pc:sldChg chg="modSp modAnim">
+        <pc:chgData name="william a" userId="c66c7249b60d4ab2" providerId="LiveId" clId="{D1044673-1D8A-4183-BCEC-2ABC54B4F912}" dt="2018-05-18T18:01:35.682" v="248" actId="27636"/>
+        <pc:sldMkLst>
+          <pc:docMk/>
+          <pc:sldMk cId="3615589645" sldId="289"/>
+        </pc:sldMkLst>
+        <pc:spChg chg="mod">
+          <ac:chgData name="william a" userId="c66c7249b60d4ab2" providerId="LiveId" clId="{D1044673-1D8A-4183-BCEC-2ABC54B4F912}" dt="2018-05-18T18:01:35.682" v="248" actId="27636"/>
+          <ac:spMkLst>
+            <pc:docMk/>
+            <pc:sldMk cId="3615589645" sldId="289"/>
+            <ac:spMk id="3" creationId="{00000000-0000-0000-0000-000000000000}"/>
+          </ac:spMkLst>
+        </pc:spChg>
+      </pc:sldChg>
+      <pc:sldChg chg="modSp add del ord modAnim">
+        <pc:chgData name="william a" userId="c66c7249b60d4ab2" providerId="LiveId" clId="{D1044673-1D8A-4183-BCEC-2ABC54B4F912}" dt="2018-05-18T18:02:10.832" v="263"/>
+        <pc:sldMkLst>
+          <pc:docMk/>
+          <pc:sldMk cId="2448650221" sldId="290"/>
+        </pc:sldMkLst>
+        <pc:spChg chg="mod">
+          <ac:chgData name="william a" userId="c66c7249b60d4ab2" providerId="LiveId" clId="{D1044673-1D8A-4183-BCEC-2ABC54B4F912}" dt="2018-05-18T17:59:21.205" v="74" actId="20577"/>
+          <ac:spMkLst>
+            <pc:docMk/>
+            <pc:sldMk cId="2448650221" sldId="290"/>
+            <ac:spMk id="6" creationId="{00000000-0000-0000-0000-000000000000}"/>
+          </ac:spMkLst>
+        </pc:spChg>
+      </pc:sldChg>
+      <pc:sldChg chg="modSp">
+        <pc:chgData name="william a" userId="c66c7249b60d4ab2" providerId="LiveId" clId="{D1044673-1D8A-4183-BCEC-2ABC54B4F912}" dt="2018-05-18T18:03:23.157" v="298" actId="6549"/>
+        <pc:sldMkLst>
+          <pc:docMk/>
+          <pc:sldMk cId="2077756835" sldId="291"/>
+        </pc:sldMkLst>
+        <pc:spChg chg="mod">
+          <ac:chgData name="william a" userId="c66c7249b60d4ab2" providerId="LiveId" clId="{D1044673-1D8A-4183-BCEC-2ABC54B4F912}" dt="2018-05-18T18:03:23.157" v="298" actId="6549"/>
+          <ac:spMkLst>
+            <pc:docMk/>
+            <pc:sldMk cId="2077756835" sldId="291"/>
+            <ac:spMk id="3" creationId="{00000000-0000-0000-0000-000000000000}"/>
+          </ac:spMkLst>
+        </pc:spChg>
+      </pc:sldChg>
+      <pc:sldChg chg="modSp">
+        <pc:chgData name="william a" userId="c66c7249b60d4ab2" providerId="LiveId" clId="{D1044673-1D8A-4183-BCEC-2ABC54B4F912}" dt="2018-05-18T18:00:38.138" v="188" actId="20577"/>
+        <pc:sldMkLst>
+          <pc:docMk/>
+          <pc:sldMk cId="3397736390" sldId="294"/>
+        </pc:sldMkLst>
+        <pc:spChg chg="mod">
+          <ac:chgData name="william a" userId="c66c7249b60d4ab2" providerId="LiveId" clId="{D1044673-1D8A-4183-BCEC-2ABC54B4F912}" dt="2018-05-18T18:00:38.138" v="188" actId="20577"/>
+          <ac:spMkLst>
+            <pc:docMk/>
+            <pc:sldMk cId="3397736390" sldId="294"/>
+            <ac:spMk id="3" creationId="{00000000-0000-0000-0000-000000000000}"/>
+          </ac:spMkLst>
+        </pc:spChg>
+      </pc:sldChg>
+      <pc:sldChg chg="modSp">
+        <pc:chgData name="william a" userId="c66c7249b60d4ab2" providerId="LiveId" clId="{D1044673-1D8A-4183-BCEC-2ABC54B4F912}" dt="2018-05-18T18:07:01.220" v="485" actId="6549"/>
         <pc:sldMkLst>
           <pc:docMk/>
           <pc:sldMk cId="3852866341" sldId="295"/>
         </pc:sldMkLst>
         <pc:spChg chg="mod">
-          <ac:chgData name="william a" userId="c66c7249b60d4ab2" providerId="LiveId" clId="{D1044673-1D8A-4183-BCEC-2ABC54B4F912}" dt="2018-05-04T19:56:47.298" v="8" actId="6549"/>
+          <ac:chgData name="william a" userId="c66c7249b60d4ab2" providerId="LiveId" clId="{D1044673-1D8A-4183-BCEC-2ABC54B4F912}" dt="2018-05-18T18:07:01.220" v="485" actId="6549"/>
           <ac:spMkLst>
             <pc:docMk/>
             <pc:sldMk cId="3852866341" sldId="295"/>
@@ -227,6 +370,96 @@
           </ac:cxnSpMkLst>
         </pc:cxnChg>
       </pc:sldChg>
+      <pc:sldChg chg="modSp">
+        <pc:chgData name="william a" userId="c66c7249b60d4ab2" providerId="LiveId" clId="{D1044673-1D8A-4183-BCEC-2ABC54B4F912}" dt="2018-05-18T18:06:09.676" v="484" actId="1076"/>
+        <pc:sldMkLst>
+          <pc:docMk/>
+          <pc:sldMk cId="1548315392" sldId="299"/>
+        </pc:sldMkLst>
+        <pc:cxnChg chg="mod">
+          <ac:chgData name="william a" userId="c66c7249b60d4ab2" providerId="LiveId" clId="{D1044673-1D8A-4183-BCEC-2ABC54B4F912}" dt="2018-05-18T18:06:09.676" v="484" actId="1076"/>
+          <ac:cxnSpMkLst>
+            <pc:docMk/>
+            <pc:sldMk cId="1548315392" sldId="299"/>
+            <ac:cxnSpMk id="14" creationId="{00000000-0000-0000-0000-000000000000}"/>
+          </ac:cxnSpMkLst>
+        </pc:cxnChg>
+      </pc:sldChg>
+      <pc:sldChg chg="modSp ord">
+        <pc:chgData name="william a" userId="c66c7249b60d4ab2" providerId="LiveId" clId="{D1044673-1D8A-4183-BCEC-2ABC54B4F912}" dt="2018-05-18T17:57:22.273" v="61" actId="20577"/>
+        <pc:sldMkLst>
+          <pc:docMk/>
+          <pc:sldMk cId="4255154783" sldId="301"/>
+        </pc:sldMkLst>
+        <pc:spChg chg="mod">
+          <ac:chgData name="william a" userId="c66c7249b60d4ab2" providerId="LiveId" clId="{D1044673-1D8A-4183-BCEC-2ABC54B4F912}" dt="2018-05-18T17:57:22.273" v="61" actId="20577"/>
+          <ac:spMkLst>
+            <pc:docMk/>
+            <pc:sldMk cId="4255154783" sldId="301"/>
+            <ac:spMk id="3" creationId="{FDC8B2BB-F0F2-481C-8DA0-098CADBB7296}"/>
+          </ac:spMkLst>
+        </pc:spChg>
+      </pc:sldChg>
+      <pc:sldChg chg="modSp ord">
+        <pc:chgData name="william a" userId="c66c7249b60d4ab2" providerId="LiveId" clId="{D1044673-1D8A-4183-BCEC-2ABC54B4F912}" dt="2018-05-18T17:56:47.506" v="27"/>
+        <pc:sldMkLst>
+          <pc:docMk/>
+          <pc:sldMk cId="3924733039" sldId="302"/>
+        </pc:sldMkLst>
+        <pc:spChg chg="mod">
+          <ac:chgData name="william a" userId="c66c7249b60d4ab2" providerId="LiveId" clId="{D1044673-1D8A-4183-BCEC-2ABC54B4F912}" dt="2018-05-18T17:56:35.781" v="26" actId="6549"/>
+          <ac:spMkLst>
+            <pc:docMk/>
+            <pc:sldMk cId="3924733039" sldId="302"/>
+            <ac:spMk id="3" creationId="{FDC8B2BB-F0F2-481C-8DA0-098CADBB7296}"/>
+          </ac:spMkLst>
+        </pc:spChg>
+      </pc:sldChg>
+      <pc:sldChg chg="modSp">
+        <pc:chgData name="william a" userId="c66c7249b60d4ab2" providerId="LiveId" clId="{D1044673-1D8A-4183-BCEC-2ABC54B4F912}" dt="2018-05-18T18:04:10.031" v="425" actId="403"/>
+        <pc:sldMkLst>
+          <pc:docMk/>
+          <pc:sldMk cId="2737845932" sldId="304"/>
+        </pc:sldMkLst>
+        <pc:spChg chg="mod">
+          <ac:chgData name="william a" userId="c66c7249b60d4ab2" providerId="LiveId" clId="{D1044673-1D8A-4183-BCEC-2ABC54B4F912}" dt="2018-05-18T18:04:10.031" v="425" actId="403"/>
+          <ac:spMkLst>
+            <pc:docMk/>
+            <pc:sldMk cId="2737845932" sldId="304"/>
+            <ac:spMk id="3" creationId="{00000000-0000-0000-0000-000000000000}"/>
+          </ac:spMkLst>
+        </pc:spChg>
+      </pc:sldChg>
+      <pc:sldChg chg="modSp">
+        <pc:chgData name="william a" userId="c66c7249b60d4ab2" providerId="LiveId" clId="{D1044673-1D8A-4183-BCEC-2ABC54B4F912}" dt="2018-05-18T18:05:59.448" v="483" actId="20577"/>
+        <pc:sldMkLst>
+          <pc:docMk/>
+          <pc:sldMk cId="1315544819" sldId="305"/>
+        </pc:sldMkLst>
+        <pc:spChg chg="mod">
+          <ac:chgData name="william a" userId="c66c7249b60d4ab2" providerId="LiveId" clId="{D1044673-1D8A-4183-BCEC-2ABC54B4F912}" dt="2018-05-18T18:05:59.448" v="483" actId="20577"/>
+          <ac:spMkLst>
+            <pc:docMk/>
+            <pc:sldMk cId="1315544819" sldId="305"/>
+            <ac:spMk id="5" creationId="{00000000-0000-0000-0000-000000000000}"/>
+          </ac:spMkLst>
+        </pc:spChg>
+      </pc:sldChg>
+      <pc:sldChg chg="modSp add modAnim">
+        <pc:chgData name="william a" userId="c66c7249b60d4ab2" providerId="LiveId" clId="{D1044673-1D8A-4183-BCEC-2ABC54B4F912}" dt="2018-05-18T18:05:42.283" v="469" actId="5793"/>
+        <pc:sldMkLst>
+          <pc:docMk/>
+          <pc:sldMk cId="2441585666" sldId="310"/>
+        </pc:sldMkLst>
+        <pc:spChg chg="mod">
+          <ac:chgData name="william a" userId="c66c7249b60d4ab2" providerId="LiveId" clId="{D1044673-1D8A-4183-BCEC-2ABC54B4F912}" dt="2018-05-18T18:05:42.283" v="469" actId="5793"/>
+          <ac:spMkLst>
+            <pc:docMk/>
+            <pc:sldMk cId="2441585666" sldId="310"/>
+            <ac:spMk id="5" creationId="{00000000-0000-0000-0000-000000000000}"/>
+          </ac:spMkLst>
+        </pc:spChg>
+      </pc:sldChg>
     </pc:docChg>
   </pc:docChgLst>
 </pc:chgInfo>
@@ -314,7 +547,7 @@
           <a:p>
             <a:fld id="{6CD4ABDE-846B-4F2E-A91E-CE2D55B6EF91}" type="datetimeFigureOut">
               <a:rPr lang="en-US" smtClean="0"/>
-              <a:t>5/4/2018</a:t>
+              <a:t>5/18/2018</a:t>
             </a:fld>
             <a:endParaRPr lang="en-US"/>
           </a:p>
@@ -649,7 +882,7 @@
           <a:p>
             <a:fld id="{966FAD78-1551-4070-85DE-2E0D872D5203}" type="slidenum">
               <a:rPr lang="en-US" smtClean="0"/>
-              <a:t>15</a:t>
+              <a:t>14</a:t>
             </a:fld>
             <a:endParaRPr lang="en-US"/>
           </a:p>
@@ -799,7 +1032,7 @@
           <a:p>
             <a:fld id="{DF1B7059-9994-452B-97D3-B9424BDCF679}" type="datetimeFigureOut">
               <a:rPr lang="en-US" smtClean="0"/>
-              <a:t>5/4/2018</a:t>
+              <a:t>5/18/2018</a:t>
             </a:fld>
             <a:endParaRPr lang="en-US" dirty="0"/>
           </a:p>
@@ -969,7 +1202,7 @@
           <a:p>
             <a:fld id="{DF1B7059-9994-452B-97D3-B9424BDCF679}" type="datetimeFigureOut">
               <a:rPr lang="en-US" smtClean="0"/>
-              <a:t>5/4/2018</a:t>
+              <a:t>5/18/2018</a:t>
             </a:fld>
             <a:endParaRPr lang="en-US" dirty="0"/>
           </a:p>
@@ -1149,7 +1382,7 @@
           <a:p>
             <a:fld id="{DF1B7059-9994-452B-97D3-B9424BDCF679}" type="datetimeFigureOut">
               <a:rPr lang="en-US" smtClean="0"/>
-              <a:t>5/4/2018</a:t>
+              <a:t>5/18/2018</a:t>
             </a:fld>
             <a:endParaRPr lang="en-US" dirty="0"/>
           </a:p>
@@ -2503,7 +2736,7 @@
           <a:p>
             <a:fld id="{DF1B7059-9994-452B-97D3-B9424BDCF679}" type="datetimeFigureOut">
               <a:rPr lang="en-US" smtClean="0"/>
-              <a:t>5/4/2018</a:t>
+              <a:t>5/18/2018</a:t>
             </a:fld>
             <a:endParaRPr lang="en-US" dirty="0"/>
           </a:p>
@@ -3148,7 +3381,7 @@
                 </a:solidFill>
               </a:rPr>
               <a:pPr/>
-              <a:t>5/4/2018</a:t>
+              <a:t>5/18/2018</a:t>
             </a:fld>
             <a:endParaRPr lang="en-US" dirty="0">
               <a:solidFill>
@@ -3395,7 +3628,7 @@
           <a:p>
             <a:fld id="{DF1B7059-9994-452B-97D3-B9424BDCF679}" type="datetimeFigureOut">
               <a:rPr lang="en-US" smtClean="0"/>
-              <a:t>5/4/2018</a:t>
+              <a:t>5/18/2018</a:t>
             </a:fld>
             <a:endParaRPr lang="en-US" dirty="0"/>
           </a:p>
@@ -3530,7 +3763,7 @@
                 </a:solidFill>
               </a:rPr>
               <a:pPr/>
-              <a:t>5/4/2018</a:t>
+              <a:t>5/18/2018</a:t>
             </a:fld>
             <a:endParaRPr lang="en-US" dirty="0">
               <a:solidFill>
@@ -3777,7 +4010,7 @@
           <a:p>
             <a:fld id="{DF1B7059-9994-452B-97D3-B9424BDCF679}" type="datetimeFigureOut">
               <a:rPr lang="en-US" smtClean="0"/>
-              <a:t>5/4/2018</a:t>
+              <a:t>5/18/2018</a:t>
             </a:fld>
             <a:endParaRPr lang="en-US" dirty="0"/>
           </a:p>
@@ -4021,7 +4254,7 @@
           <a:p>
             <a:fld id="{DF1B7059-9994-452B-97D3-B9424BDCF679}" type="datetimeFigureOut">
               <a:rPr lang="en-US" smtClean="0"/>
-              <a:t>5/4/2018</a:t>
+              <a:t>5/18/2018</a:t>
             </a:fld>
             <a:endParaRPr lang="en-US" dirty="0"/>
           </a:p>
@@ -4211,7 +4444,7 @@
           <a:p>
             <a:fld id="{3FAA6659-066F-4E7F-BD92-0981E5430CBE}" type="datetimeFigureOut">
               <a:rPr lang="en-US" smtClean="0"/>
-              <a:t>5/4/2018</a:t>
+              <a:t>5/18/2018</a:t>
             </a:fld>
             <a:endParaRPr lang="en-US"/>
           </a:p>
@@ -4379,7 +4612,7 @@
           <a:p>
             <a:fld id="{3FAA6659-066F-4E7F-BD92-0981E5430CBE}" type="datetimeFigureOut">
               <a:rPr lang="en-US" smtClean="0"/>
-              <a:t>5/4/2018</a:t>
+              <a:t>5/18/2018</a:t>
             </a:fld>
             <a:endParaRPr lang="en-US"/>
           </a:p>
@@ -4624,7 +4857,7 @@
           <a:p>
             <a:fld id="{3FAA6659-066F-4E7F-BD92-0981E5430CBE}" type="datetimeFigureOut">
               <a:rPr lang="en-US" smtClean="0"/>
-              <a:t>5/4/2018</a:t>
+              <a:t>5/18/2018</a:t>
             </a:fld>
             <a:endParaRPr lang="en-US"/>
           </a:p>
@@ -4853,7 +5086,7 @@
           <a:p>
             <a:fld id="{3FAA6659-066F-4E7F-BD92-0981E5430CBE}" type="datetimeFigureOut">
               <a:rPr lang="en-US" smtClean="0"/>
-              <a:t>5/4/2018</a:t>
+              <a:t>5/18/2018</a:t>
             </a:fld>
             <a:endParaRPr lang="en-US"/>
           </a:p>
@@ -5217,7 +5450,7 @@
           <a:p>
             <a:fld id="{3FAA6659-066F-4E7F-BD92-0981E5430CBE}" type="datetimeFigureOut">
               <a:rPr lang="en-US" smtClean="0"/>
-              <a:t>5/4/2018</a:t>
+              <a:t>5/18/2018</a:t>
             </a:fld>
             <a:endParaRPr lang="en-US"/>
           </a:p>
@@ -5334,7 +5567,7 @@
           <a:p>
             <a:fld id="{3FAA6659-066F-4E7F-BD92-0981E5430CBE}" type="datetimeFigureOut">
               <a:rPr lang="en-US" smtClean="0"/>
-              <a:t>5/4/2018</a:t>
+              <a:t>5/18/2018</a:t>
             </a:fld>
             <a:endParaRPr lang="en-US"/>
           </a:p>
@@ -5429,7 +5662,7 @@
           <a:p>
             <a:fld id="{3FAA6659-066F-4E7F-BD92-0981E5430CBE}" type="datetimeFigureOut">
               <a:rPr lang="en-US" smtClean="0"/>
-              <a:t>5/4/2018</a:t>
+              <a:t>5/18/2018</a:t>
             </a:fld>
             <a:endParaRPr lang="en-US"/>
           </a:p>
@@ -5704,7 +5937,7 @@
           <a:p>
             <a:fld id="{3FAA6659-066F-4E7F-BD92-0981E5430CBE}" type="datetimeFigureOut">
               <a:rPr lang="en-US" smtClean="0"/>
-              <a:t>5/4/2018</a:t>
+              <a:t>5/18/2018</a:t>
             </a:fld>
             <a:endParaRPr lang="en-US"/>
           </a:p>
@@ -5956,7 +6189,7 @@
           <a:p>
             <a:fld id="{3FAA6659-066F-4E7F-BD92-0981E5430CBE}" type="datetimeFigureOut">
               <a:rPr lang="en-US" smtClean="0"/>
-              <a:t>5/4/2018</a:t>
+              <a:t>5/18/2018</a:t>
             </a:fld>
             <a:endParaRPr lang="en-US"/>
           </a:p>
@@ -6124,7 +6357,7 @@
           <a:p>
             <a:fld id="{3FAA6659-066F-4E7F-BD92-0981E5430CBE}" type="datetimeFigureOut">
               <a:rPr lang="en-US" smtClean="0"/>
-              <a:t>5/4/2018</a:t>
+              <a:t>5/18/2018</a:t>
             </a:fld>
             <a:endParaRPr lang="en-US"/>
           </a:p>
@@ -6356,7 +6589,7 @@
           <a:p>
             <a:fld id="{DF1B7059-9994-452B-97D3-B9424BDCF679}" type="datetimeFigureOut">
               <a:rPr lang="en-US" smtClean="0"/>
-              <a:t>5/4/2018</a:t>
+              <a:t>5/18/2018</a:t>
             </a:fld>
             <a:endParaRPr lang="en-US" dirty="0"/>
           </a:p>
@@ -6534,7 +6767,7 @@
           <a:p>
             <a:fld id="{3FAA6659-066F-4E7F-BD92-0981E5430CBE}" type="datetimeFigureOut">
               <a:rPr lang="en-US" smtClean="0"/>
-              <a:t>5/4/2018</a:t>
+              <a:t>5/18/2018</a:t>
             </a:fld>
             <a:endParaRPr lang="en-US"/>
           </a:p>
@@ -6967,7 +7200,7 @@
           <a:p>
             <a:fld id="{DF1B7059-9994-452B-97D3-B9424BDCF679}" type="datetimeFigureOut">
               <a:rPr lang="en-US" smtClean="0"/>
-              <a:t>5/4/2018</a:t>
+              <a:t>5/18/2018</a:t>
             </a:fld>
             <a:endParaRPr lang="en-US" dirty="0"/>
           </a:p>
@@ -7085,7 +7318,7 @@
           <a:p>
             <a:fld id="{DF1B7059-9994-452B-97D3-B9424BDCF679}" type="datetimeFigureOut">
               <a:rPr lang="en-US" smtClean="0"/>
-              <a:t>5/4/2018</a:t>
+              <a:t>5/18/2018</a:t>
             </a:fld>
             <a:endParaRPr lang="en-US" dirty="0"/>
           </a:p>
@@ -7180,7 +7413,7 @@
           <a:p>
             <a:fld id="{DF1B7059-9994-452B-97D3-B9424BDCF679}" type="datetimeFigureOut">
               <a:rPr lang="en-US" smtClean="0"/>
-              <a:t>5/4/2018</a:t>
+              <a:t>5/18/2018</a:t>
             </a:fld>
             <a:endParaRPr lang="en-US" dirty="0"/>
           </a:p>
@@ -7457,7 +7690,7 @@
           <a:p>
             <a:fld id="{DF1B7059-9994-452B-97D3-B9424BDCF679}" type="datetimeFigureOut">
               <a:rPr lang="en-US" smtClean="0"/>
-              <a:t>5/4/2018</a:t>
+              <a:t>5/18/2018</a:t>
             </a:fld>
             <a:endParaRPr lang="en-US" dirty="0"/>
           </a:p>
@@ -7713,7 +7946,7 @@
           <a:p>
             <a:fld id="{DF1B7059-9994-452B-97D3-B9424BDCF679}" type="datetimeFigureOut">
               <a:rPr lang="en-US" smtClean="0"/>
-              <a:t>5/4/2018</a:t>
+              <a:t>5/18/2018</a:t>
             </a:fld>
             <a:endParaRPr lang="en-US" dirty="0"/>
           </a:p>
@@ -7926,7 +8159,7 @@
           <a:p>
             <a:fld id="{DF1B7059-9994-452B-97D3-B9424BDCF679}" type="datetimeFigureOut">
               <a:rPr lang="en-US" smtClean="0"/>
-              <a:t>5/4/2018</a:t>
+              <a:t>5/18/2018</a:t>
             </a:fld>
             <a:endParaRPr lang="en-US" dirty="0"/>
           </a:p>
@@ -8521,7 +8754,7 @@
                 </a:solidFill>
               </a:rPr>
               <a:pPr/>
-              <a:t>5/4/2018</a:t>
+              <a:t>5/18/2018</a:t>
             </a:fld>
             <a:endParaRPr lang="en-US" dirty="0">
               <a:solidFill>
@@ -9084,7 +9317,7 @@
                 </a:solidFill>
               </a:rPr>
               <a:pPr/>
-              <a:t>5/4/2018</a:t>
+              <a:t>5/18/2018</a:t>
             </a:fld>
             <a:endParaRPr lang="en-US" dirty="0">
               <a:solidFill>
@@ -9602,7 +9835,7 @@
           <a:p>
             <a:fld id="{3FAA6659-066F-4E7F-BD92-0981E5430CBE}" type="datetimeFigureOut">
               <a:rPr lang="en-US" smtClean="0"/>
-              <a:t>5/4/2018</a:t>
+              <a:t>5/18/2018</a:t>
             </a:fld>
             <a:endParaRPr lang="en-US"/>
           </a:p>
@@ -10275,450 +10508,6 @@
       </p:grpSpPr>
       <p:sp>
         <p:nvSpPr>
-          <p:cNvPr id="5" name="Title 4"/>
-          <p:cNvSpPr>
-            <a:spLocks noGrp="1"/>
-          </p:cNvSpPr>
-          <p:nvPr>
-            <p:ph type="title"/>
-          </p:nvPr>
-        </p:nvSpPr>
-        <p:spPr/>
-        <p:txBody>
-          <a:bodyPr>
-            <a:normAutofit/>
-          </a:bodyPr>
-          <a:lstStyle/>
-          <a:p>
-            <a:r>
-              <a:rPr lang="en-US" dirty="0"/>
-              <a:t>Solutions Providers, Not Exam Takers</a:t>
-            </a:r>
-          </a:p>
-        </p:txBody>
-      </p:sp>
-      <p:sp>
-        <p:nvSpPr>
-          <p:cNvPr id="4" name="Slide Number Placeholder 3"/>
-          <p:cNvSpPr>
-            <a:spLocks noGrp="1"/>
-          </p:cNvSpPr>
-          <p:nvPr>
-            <p:ph type="sldNum" sz="quarter" idx="4294967295"/>
-          </p:nvPr>
-        </p:nvSpPr>
-        <p:spPr>
-          <a:xfrm>
-            <a:off x="9347200" y="6356350"/>
-            <a:ext cx="2844800" cy="365125"/>
-          </a:xfrm>
-        </p:spPr>
-        <p:txBody>
-          <a:bodyPr/>
-          <a:lstStyle/>
-          <a:p>
-            <a:fld id="{CC077DB7-DE37-4EA7-B5C7-4FE1B440C5DB}" type="slidenum">
-              <a:rPr lang="en-US" smtClean="0"/>
-              <a:t>11</a:t>
-            </a:fld>
-            <a:endParaRPr lang="en-US" dirty="0"/>
-          </a:p>
-        </p:txBody>
-      </p:sp>
-      <p:sp>
-        <p:nvSpPr>
-          <p:cNvPr id="6" name="Title 4"/>
-          <p:cNvSpPr txBox="1">
-            <a:spLocks/>
-          </p:cNvSpPr>
-          <p:nvPr/>
-        </p:nvSpPr>
-        <p:spPr>
-          <a:xfrm>
-            <a:off x="381674" y="938677"/>
-            <a:ext cx="10972800" cy="5700248"/>
-          </a:xfrm>
-          <a:prstGeom prst="rect">
-            <a:avLst/>
-          </a:prstGeom>
-        </p:spPr>
-        <p:txBody>
-          <a:bodyPr vert="horz" lIns="91440" tIns="45720" rIns="91440" bIns="45720" rtlCol="0" anchor="t">
-            <a:noAutofit/>
-          </a:bodyPr>
-          <a:lstStyle>
-            <a:lvl1pPr algn="l" defTabSz="914400" rtl="0" eaLnBrk="1" latinLnBrk="0" hangingPunct="1">
-              <a:spcBef>
-                <a:spcPct val="0"/>
-              </a:spcBef>
-              <a:buNone/>
-              <a:defRPr sz="4000" b="1" kern="1200" baseline="0">
-                <a:solidFill>
-                  <a:srgbClr val="4F2683"/>
-                </a:solidFill>
-                <a:latin typeface="+mj-lt"/>
-                <a:ea typeface="+mj-ea"/>
-                <a:cs typeface="+mj-cs"/>
-              </a:defRPr>
-            </a:lvl1pPr>
-          </a:lstStyle>
-          <a:p>
-            <a:r>
-              <a:rPr lang="en-US" sz="3600" b="0" dirty="0">
-                <a:solidFill>
-                  <a:schemeClr val="tx1"/>
-                </a:solidFill>
-                <a:latin typeface="+mn-lt"/>
-              </a:rPr>
-              <a:t>Microsoft subcontracts out SME’s globally. They are brought in for a Item Selection and Standard Setting Sessions (IS/SS) session to set the exam Domain.</a:t>
-            </a:r>
-          </a:p>
-          <a:p>
-            <a:r>
-              <a:rPr lang="en-US" sz="3600" b="0" dirty="0">
-                <a:solidFill>
-                  <a:schemeClr val="tx1"/>
-                </a:solidFill>
-                <a:latin typeface="+mn-lt"/>
-              </a:rPr>
-              <a:t> </a:t>
-            </a:r>
-          </a:p>
-          <a:p>
-            <a:r>
-              <a:rPr lang="en-US" sz="3600" b="0" dirty="0">
-                <a:solidFill>
-                  <a:schemeClr val="tx1"/>
-                </a:solidFill>
-                <a:latin typeface="+mn-lt"/>
-              </a:rPr>
-              <a:t>Focus on practicality and actual usage: topics are removed from the exam’s </a:t>
-            </a:r>
-            <a:r>
-              <a:rPr lang="en-US" sz="3600" b="0" i="1" dirty="0">
-                <a:solidFill>
-                  <a:schemeClr val="tx1"/>
-                </a:solidFill>
-                <a:latin typeface="+mn-lt"/>
-              </a:rPr>
-              <a:t>domain </a:t>
-            </a:r>
-            <a:r>
-              <a:rPr lang="en-US" sz="3600" b="0" dirty="0">
-                <a:solidFill>
-                  <a:schemeClr val="tx1"/>
-                </a:solidFill>
-                <a:latin typeface="+mn-lt"/>
-              </a:rPr>
-              <a:t>if none of the SME’s present could say they use it in real life.</a:t>
-            </a:r>
-          </a:p>
-          <a:p>
-            <a:endParaRPr lang="en-US" sz="3600" b="0" dirty="0">
-              <a:solidFill>
-                <a:schemeClr val="tx1"/>
-              </a:solidFill>
-              <a:latin typeface="+mn-lt"/>
-            </a:endParaRPr>
-          </a:p>
-          <a:p>
-            <a:r>
-              <a:rPr lang="en-US" sz="3600" b="0" dirty="0">
-                <a:solidFill>
-                  <a:schemeClr val="tx1"/>
-                </a:solidFill>
-                <a:latin typeface="+mn-lt"/>
-              </a:rPr>
-              <a:t>Then, how </a:t>
-            </a:r>
-            <a:r>
-              <a:rPr lang="en-US" sz="3600" b="0" i="1" dirty="0">
-                <a:solidFill>
-                  <a:schemeClr val="tx1"/>
-                </a:solidFill>
-                <a:latin typeface="+mn-lt"/>
-              </a:rPr>
-              <a:t>many</a:t>
-            </a:r>
-            <a:r>
-              <a:rPr lang="en-US" sz="3600" b="0" dirty="0">
-                <a:solidFill>
-                  <a:schemeClr val="tx1"/>
-                </a:solidFill>
-                <a:latin typeface="+mn-lt"/>
-              </a:rPr>
-              <a:t> of each domain should be there? </a:t>
-            </a:r>
-          </a:p>
-          <a:p>
-            <a:r>
-              <a:rPr lang="en-US" sz="3600" b="0" dirty="0">
-                <a:solidFill>
-                  <a:schemeClr val="tx1"/>
-                </a:solidFill>
-                <a:latin typeface="+mn-lt"/>
-              </a:rPr>
-              <a:t>Then, provide some sample topics for the item writers.</a:t>
-            </a:r>
-          </a:p>
-        </p:txBody>
-      </p:sp>
-    </p:spTree>
-    <p:extLst>
-      <p:ext uri="{BB962C8B-B14F-4D97-AF65-F5344CB8AC3E}">
-        <p14:creationId xmlns:p14="http://schemas.microsoft.com/office/powerpoint/2010/main" val="2448650221"/>
-      </p:ext>
-    </p:extLst>
-  </p:cSld>
-  <p:clrMapOvr>
-    <a:masterClrMapping/>
-  </p:clrMapOvr>
-  <p:timing>
-    <p:tnLst>
-      <p:par>
-        <p:cTn id="1" dur="indefinite" restart="never" nodeType="tmRoot">
-          <p:childTnLst>
-            <p:seq concurrent="1" nextAc="seek">
-              <p:cTn id="2" dur="indefinite" nodeType="mainSeq">
-                <p:childTnLst>
-                  <p:par>
-                    <p:cTn id="3" fill="hold">
-                      <p:stCondLst>
-                        <p:cond delay="indefinite"/>
-                      </p:stCondLst>
-                      <p:childTnLst>
-                        <p:par>
-                          <p:cTn id="4" fill="hold">
-                            <p:stCondLst>
-                              <p:cond delay="0"/>
-                            </p:stCondLst>
-                            <p:childTnLst>
-                              <p:par>
-                                <p:cTn id="5" presetID="1" presetClass="entr" presetSubtype="0" fill="hold" grpId="0" nodeType="clickEffect">
-                                  <p:stCondLst>
-                                    <p:cond delay="0"/>
-                                  </p:stCondLst>
-                                  <p:childTnLst>
-                                    <p:set>
-                                      <p:cBhvr>
-                                        <p:cTn id="6" dur="1" fill="hold">
-                                          <p:stCondLst>
-                                            <p:cond delay="0"/>
-                                          </p:stCondLst>
-                                        </p:cTn>
-                                        <p:tgtEl>
-                                          <p:spTgt spid="6">
-                                            <p:txEl>
-                                              <p:pRg st="0" end="0"/>
-                                            </p:txEl>
-                                          </p:spTgt>
-                                        </p:tgtEl>
-                                        <p:attrNameLst>
-                                          <p:attrName>style.visibility</p:attrName>
-                                        </p:attrNameLst>
-                                      </p:cBhvr>
-                                      <p:to>
-                                        <p:strVal val="visible"/>
-                                      </p:to>
-                                    </p:set>
-                                  </p:childTnLst>
-                                </p:cTn>
-                              </p:par>
-                            </p:childTnLst>
-                          </p:cTn>
-                        </p:par>
-                      </p:childTnLst>
-                    </p:cTn>
-                  </p:par>
-                  <p:par>
-                    <p:cTn id="7" fill="hold">
-                      <p:stCondLst>
-                        <p:cond delay="indefinite"/>
-                      </p:stCondLst>
-                      <p:childTnLst>
-                        <p:par>
-                          <p:cTn id="8" fill="hold">
-                            <p:stCondLst>
-                              <p:cond delay="0"/>
-                            </p:stCondLst>
-                            <p:childTnLst>
-                              <p:par>
-                                <p:cTn id="9" presetID="1" presetClass="entr" presetSubtype="0" fill="hold" grpId="0" nodeType="clickEffect">
-                                  <p:stCondLst>
-                                    <p:cond delay="0"/>
-                                  </p:stCondLst>
-                                  <p:childTnLst>
-                                    <p:set>
-                                      <p:cBhvr>
-                                        <p:cTn id="10" dur="1" fill="hold">
-                                          <p:stCondLst>
-                                            <p:cond delay="0"/>
-                                          </p:stCondLst>
-                                        </p:cTn>
-                                        <p:tgtEl>
-                                          <p:spTgt spid="6">
-                                            <p:txEl>
-                                              <p:pRg st="1" end="1"/>
-                                            </p:txEl>
-                                          </p:spTgt>
-                                        </p:tgtEl>
-                                        <p:attrNameLst>
-                                          <p:attrName>style.visibility</p:attrName>
-                                        </p:attrNameLst>
-                                      </p:cBhvr>
-                                      <p:to>
-                                        <p:strVal val="visible"/>
-                                      </p:to>
-                                    </p:set>
-                                  </p:childTnLst>
-                                </p:cTn>
-                              </p:par>
-                              <p:par>
-                                <p:cTn id="11" presetID="1" presetClass="entr" presetSubtype="0" fill="hold" grpId="0" nodeType="withEffect">
-                                  <p:stCondLst>
-                                    <p:cond delay="0"/>
-                                  </p:stCondLst>
-                                  <p:childTnLst>
-                                    <p:set>
-                                      <p:cBhvr>
-                                        <p:cTn id="12" dur="1" fill="hold">
-                                          <p:stCondLst>
-                                            <p:cond delay="0"/>
-                                          </p:stCondLst>
-                                        </p:cTn>
-                                        <p:tgtEl>
-                                          <p:spTgt spid="6">
-                                            <p:txEl>
-                                              <p:pRg st="2" end="2"/>
-                                            </p:txEl>
-                                          </p:spTgt>
-                                        </p:tgtEl>
-                                        <p:attrNameLst>
-                                          <p:attrName>style.visibility</p:attrName>
-                                        </p:attrNameLst>
-                                      </p:cBhvr>
-                                      <p:to>
-                                        <p:strVal val="visible"/>
-                                      </p:to>
-                                    </p:set>
-                                  </p:childTnLst>
-                                </p:cTn>
-                              </p:par>
-                              <p:par>
-                                <p:cTn id="13" presetID="1" presetClass="entr" presetSubtype="0" fill="hold" grpId="0" nodeType="withEffect">
-                                  <p:stCondLst>
-                                    <p:cond delay="0"/>
-                                  </p:stCondLst>
-                                  <p:childTnLst>
-                                    <p:set>
-                                      <p:cBhvr>
-                                        <p:cTn id="14" dur="1" fill="hold">
-                                          <p:stCondLst>
-                                            <p:cond delay="0"/>
-                                          </p:stCondLst>
-                                        </p:cTn>
-                                        <p:tgtEl>
-                                          <p:spTgt spid="6">
-                                            <p:txEl>
-                                              <p:pRg st="4" end="4"/>
-                                            </p:txEl>
-                                          </p:spTgt>
-                                        </p:tgtEl>
-                                        <p:attrNameLst>
-                                          <p:attrName>style.visibility</p:attrName>
-                                        </p:attrNameLst>
-                                      </p:cBhvr>
-                                      <p:to>
-                                        <p:strVal val="visible"/>
-                                      </p:to>
-                                    </p:set>
-                                  </p:childTnLst>
-                                </p:cTn>
-                              </p:par>
-                              <p:par>
-                                <p:cTn id="15" presetID="1" presetClass="entr" presetSubtype="0" fill="hold" grpId="0" nodeType="withEffect">
-                                  <p:stCondLst>
-                                    <p:cond delay="0"/>
-                                  </p:stCondLst>
-                                  <p:childTnLst>
-                                    <p:set>
-                                      <p:cBhvr>
-                                        <p:cTn id="16" dur="1" fill="hold">
-                                          <p:stCondLst>
-                                            <p:cond delay="0"/>
-                                          </p:stCondLst>
-                                        </p:cTn>
-                                        <p:tgtEl>
-                                          <p:spTgt spid="6">
-                                            <p:txEl>
-                                              <p:pRg st="5" end="5"/>
-                                            </p:txEl>
-                                          </p:spTgt>
-                                        </p:tgtEl>
-                                        <p:attrNameLst>
-                                          <p:attrName>style.visibility</p:attrName>
-                                        </p:attrNameLst>
-                                      </p:cBhvr>
-                                      <p:to>
-                                        <p:strVal val="visible"/>
-                                      </p:to>
-                                    </p:set>
-                                  </p:childTnLst>
-                                </p:cTn>
-                              </p:par>
-                            </p:childTnLst>
-                          </p:cTn>
-                        </p:par>
-                      </p:childTnLst>
-                    </p:cTn>
-                  </p:par>
-                </p:childTnLst>
-              </p:cTn>
-              <p:prevCondLst>
-                <p:cond evt="onPrev" delay="0">
-                  <p:tgtEl>
-                    <p:sldTgt/>
-                  </p:tgtEl>
-                </p:cond>
-              </p:prevCondLst>
-              <p:nextCondLst>
-                <p:cond evt="onNext" delay="0">
-                  <p:tgtEl>
-                    <p:sldTgt/>
-                  </p:tgtEl>
-                </p:cond>
-              </p:nextCondLst>
-            </p:seq>
-          </p:childTnLst>
-        </p:cTn>
-      </p:par>
-    </p:tnLst>
-    <p:bldLst>
-      <p:bldP spid="6" grpId="0" uiExpand="1" build="allAtOnce"/>
-    </p:bldLst>
-  </p:timing>
-</p:sld>
-</file>
-
-<file path=ppt/slides/slide12.xml><?xml version="1.0" encoding="utf-8"?>
-<p:sld xmlns:a="http://schemas.openxmlformats.org/drawingml/2006/main" xmlns:r="http://schemas.openxmlformats.org/officeDocument/2006/relationships" xmlns:p="http://schemas.openxmlformats.org/presentationml/2006/main">
-  <p:cSld>
-    <p:spTree>
-      <p:nvGrpSpPr>
-        <p:cNvPr id="1" name=""/>
-        <p:cNvGrpSpPr/>
-        <p:nvPr/>
-      </p:nvGrpSpPr>
-      <p:grpSpPr>
-        <a:xfrm>
-          <a:off x="0" y="0"/>
-          <a:ext cx="0" cy="0"/>
-          <a:chOff x="0" y="0"/>
-          <a:chExt cx="0" cy="0"/>
-        </a:xfrm>
-      </p:grpSpPr>
-      <p:sp>
-        <p:nvSpPr>
           <p:cNvPr id="2" name="Title 1"/>
           <p:cNvSpPr>
             <a:spLocks noGrp="1"/>
@@ -10772,7 +10561,14 @@
             <a:pPr lvl="1"/>
             <a:r>
               <a:rPr lang="en-US" sz="3600" dirty="0"/>
-              <a:t>Take a practice exam, or look at the review questions on a book, or use the syllabus.</a:t>
+              <a:t>If you have a book, take a practice exam</a:t>
+            </a:r>
+          </a:p>
+          <a:p>
+            <a:pPr lvl="1"/>
+            <a:r>
+              <a:rPr lang="en-US" sz="3600" dirty="0"/>
+              <a:t>Look at the review questions on a book, or use the syllabus, test unfamiliar product features for yourself.</a:t>
             </a:r>
           </a:p>
           <a:p>
@@ -10938,6 +10734,37 @@
                                   </p:childTnLst>
                                 </p:cTn>
                               </p:par>
+                              <p:par>
+                                <p:cTn id="13" presetID="1" presetClass="entr" presetSubtype="0" fill="hold" grpId="0" nodeType="withEffect">
+                                  <p:stCondLst>
+                                    <p:cond delay="0"/>
+                                  </p:stCondLst>
+                                  <p:childTnLst>
+                                    <p:set>
+                                      <p:cBhvr>
+                                        <p:cTn id="14" dur="1" fill="hold">
+                                          <p:stCondLst>
+                                            <p:cond delay="0"/>
+                                          </p:stCondLst>
+                                        </p:cTn>
+                                        <p:tgtEl>
+                                          <p:spTgt spid="3">
+                                            <p:txEl>
+                                              <p:pRg st="4" end="4"/>
+                                            </p:txEl>
+                                          </p:spTgt>
+                                        </p:tgtEl>
+                                        <p:attrNameLst>
+                                          <p:attrName>style.visibility</p:attrName>
+                                        </p:attrNameLst>
+                                      </p:cBhvr>
+                                      <p:to>
+                                        <p:strVal val="visible"/>
+                                      </p:to>
+                                    </p:set>
+                                  </p:childTnLst>
+                                </p:cTn>
+                              </p:par>
                             </p:childTnLst>
                           </p:cTn>
                         </p:par>
@@ -10972,7 +10799,7 @@
 </p:sld>
 </file>
 
-<file path=ppt/slides/slide13.xml><?xml version="1.0" encoding="utf-8"?>
+<file path=ppt/slides/slide12.xml><?xml version="1.0" encoding="utf-8"?>
 <p:sld xmlns:a="http://schemas.openxmlformats.org/drawingml/2006/main" xmlns:r="http://schemas.openxmlformats.org/officeDocument/2006/relationships" xmlns:p="http://schemas.openxmlformats.org/presentationml/2006/main">
   <p:cSld>
     <p:spTree>
@@ -11029,7 +10856,7 @@
         </p:spPr>
         <p:txBody>
           <a:bodyPr>
-            <a:normAutofit fontScale="92500" lnSpcReduction="20000"/>
+            <a:normAutofit fontScale="92500"/>
           </a:bodyPr>
           <a:lstStyle/>
           <a:p>
@@ -11049,14 +10876,14 @@
             <a:pPr lvl="1"/>
             <a:r>
               <a:rPr lang="en-US" sz="4000" dirty="0"/>
-              <a:t>Don’t have a test lab? Build/install one, it’s very educational.</a:t>
+              <a:t>Don’t have a test lab? Build one, it’s educational.</a:t>
             </a:r>
           </a:p>
           <a:p>
             <a:pPr lvl="1"/>
             <a:r>
               <a:rPr lang="en-US" sz="4000" dirty="0"/>
-              <a:t>Have a lab environment installed on your work/home PC’s, or use Azure. (Free credits out there for students, new account signups, MSDN subs, etc.)</a:t>
+              <a:t>Have a lab environment installed on your work/home PC’s, or use Azure. (Free credits out there for students, new accounts, MSDN subs, etc.)</a:t>
             </a:r>
           </a:p>
           <a:p>
@@ -11312,7 +11139,7 @@
 </p:sld>
 </file>
 
-<file path=ppt/slides/slide14.xml><?xml version="1.0" encoding="utf-8"?>
+<file path=ppt/slides/slide13.xml><?xml version="1.0" encoding="utf-8"?>
 <p:sld xmlns:a="http://schemas.openxmlformats.org/drawingml/2006/main" xmlns:r="http://schemas.openxmlformats.org/officeDocument/2006/relationships" xmlns:p="http://schemas.openxmlformats.org/presentationml/2006/main">
   <p:cSld>
     <p:spTree>
@@ -11361,10 +11188,15 @@
             <p:ph idx="1"/>
           </p:nvPr>
         </p:nvSpPr>
-        <p:spPr/>
+        <p:spPr>
+          <a:xfrm>
+            <a:off x="609600" y="990603"/>
+            <a:ext cx="10972800" cy="5543547"/>
+          </a:xfrm>
+        </p:spPr>
         <p:txBody>
           <a:bodyPr>
-            <a:normAutofit fontScale="92500"/>
+            <a:normAutofit/>
           </a:bodyPr>
           <a:lstStyle/>
           <a:p>
@@ -11397,20 +11229,8 @@
             <a:pPr lvl="1"/>
             <a:r>
               <a:rPr lang="en-US" sz="4000" dirty="0"/>
-              <a:t>Code samples-type questions are more likely to test completion and tactic, not syntax.</a:t>
-            </a:r>
-          </a:p>
-          <a:p>
-            <a:pPr lvl="1"/>
-            <a:r>
-              <a:rPr lang="en-US" sz="3600" dirty="0"/>
-              <a:t>"</a:t>
-            </a:r>
-            <a:r>
-              <a:rPr lang="en-US" sz="3900" dirty="0"/>
-              <a:t>Why are you testing this? I'd look this up!"</a:t>
-            </a:r>
-            <a:endParaRPr lang="en-US" sz="3600" dirty="0"/>
+              <a:t>Code sample questions are likely to test order of operations and correct tactic choice, not syntax.</a:t>
+            </a:r>
           </a:p>
         </p:txBody>
       </p:sp>
@@ -11677,55 +11497,6 @@
                       </p:childTnLst>
                     </p:cTn>
                   </p:par>
-                  <p:par>
-                    <p:cTn id="23" fill="hold">
-                      <p:stCondLst>
-                        <p:cond delay="indefinite"/>
-                      </p:stCondLst>
-                      <p:childTnLst>
-                        <p:par>
-                          <p:cTn id="24" fill="hold">
-                            <p:stCondLst>
-                              <p:cond delay="0"/>
-                            </p:stCondLst>
-                            <p:childTnLst>
-                              <p:par>
-                                <p:cTn id="25" presetID="1" presetClass="entr" presetSubtype="0" fill="hold" grpId="0" nodeType="clickEffect">
-                                  <p:stCondLst>
-                                    <p:cond delay="0"/>
-                                  </p:stCondLst>
-                                  <p:childTnLst>
-                                    <p:set>
-                                      <p:cBhvr>
-                                        <p:cTn id="26" dur="1" fill="hold">
-                                          <p:stCondLst>
-                                            <p:cond delay="0"/>
-                                          </p:stCondLst>
-                                        </p:cTn>
-                                        <p:tgtEl>
-                                          <p:spTgt spid="3">
-                                            <p:txEl>
-                                              <p:pRg st="5" end="5"/>
-                                            </p:txEl>
-                                          </p:spTgt>
-                                        </p:tgtEl>
-                                        <p:attrNameLst>
-                                          <p:attrName>style.visibility</p:attrName>
-                                        </p:attrNameLst>
-                                      </p:cBhvr>
-                                      <p:to>
-                                        <p:strVal val="visible"/>
-                                      </p:to>
-                                    </p:set>
-                                  </p:childTnLst>
-                                </p:cTn>
-                              </p:par>
-                            </p:childTnLst>
-                          </p:cTn>
-                        </p:par>
-                      </p:childTnLst>
-                    </p:cTn>
-                  </p:par>
                 </p:childTnLst>
               </p:cTn>
               <p:prevCondLst>
@@ -11754,7 +11525,7 @@
 </p:sld>
 </file>
 
-<file path=ppt/slides/slide15.xml><?xml version="1.0" encoding="utf-8"?>
+<file path=ppt/slides/slide14.xml><?xml version="1.0" encoding="utf-8"?>
 <p:sld xmlns:a="http://schemas.openxmlformats.org/drawingml/2006/main" xmlns:r="http://schemas.openxmlformats.org/officeDocument/2006/relationships" xmlns:p="http://schemas.openxmlformats.org/presentationml/2006/main">
   <p:cSld>
     <p:spTree>
@@ -11817,7 +11588,7 @@
           <a:p>
             <a:fld id="{CC077DB7-DE37-4EA7-B5C7-4FE1B440C5DB}" type="slidenum">
               <a:rPr lang="en-US" smtClean="0"/>
-              <a:t>15</a:t>
+              <a:t>14</a:t>
             </a:fld>
             <a:endParaRPr lang="en-US" dirty="0"/>
           </a:p>
@@ -11906,7 +11677,18 @@
                 </a:solidFill>
                 <a:latin typeface="+mn-lt"/>
               </a:rPr>
-              <a:t>There is no such thing as a one-dimensional certification any more. This is intentional and raises the value of a certification – a certification should mean you have broad experience to an employer.</a:t>
+              <a:t>There is no such thing as a one-dimensional certification. </a:t>
+            </a:r>
+          </a:p>
+          <a:p>
+            <a:r>
+              <a:rPr lang="en-US" sz="3200" b="0" dirty="0">
+                <a:solidFill>
+                  <a:schemeClr val="tx1"/>
+                </a:solidFill>
+                <a:latin typeface="+mn-lt"/>
+              </a:rPr>
+              <a:t>This is intentional and raises the value of a certification – a certification should mean you have broad experience.</a:t>
             </a:r>
           </a:p>
         </p:txBody>
@@ -12076,6 +11858,55 @@
                       </p:childTnLst>
                     </p:cTn>
                   </p:par>
+                  <p:par>
+                    <p:cTn id="15" fill="hold">
+                      <p:stCondLst>
+                        <p:cond delay="indefinite"/>
+                      </p:stCondLst>
+                      <p:childTnLst>
+                        <p:par>
+                          <p:cTn id="16" fill="hold">
+                            <p:stCondLst>
+                              <p:cond delay="0"/>
+                            </p:stCondLst>
+                            <p:childTnLst>
+                              <p:par>
+                                <p:cTn id="17" presetID="1" presetClass="entr" presetSubtype="0" fill="hold" grpId="0" nodeType="clickEffect">
+                                  <p:stCondLst>
+                                    <p:cond delay="0"/>
+                                  </p:stCondLst>
+                                  <p:childTnLst>
+                                    <p:set>
+                                      <p:cBhvr>
+                                        <p:cTn id="18" dur="1" fill="hold">
+                                          <p:stCondLst>
+                                            <p:cond delay="0"/>
+                                          </p:stCondLst>
+                                        </p:cTn>
+                                        <p:tgtEl>
+                                          <p:spTgt spid="6">
+                                            <p:txEl>
+                                              <p:pRg st="5" end="5"/>
+                                            </p:txEl>
+                                          </p:spTgt>
+                                        </p:tgtEl>
+                                        <p:attrNameLst>
+                                          <p:attrName>style.visibility</p:attrName>
+                                        </p:attrNameLst>
+                                      </p:cBhvr>
+                                      <p:to>
+                                        <p:strVal val="visible"/>
+                                      </p:to>
+                                    </p:set>
+                                  </p:childTnLst>
+                                </p:cTn>
+                              </p:par>
+                            </p:childTnLst>
+                          </p:cTn>
+                        </p:par>
+                      </p:childTnLst>
+                    </p:cTn>
+                  </p:par>
                 </p:childTnLst>
               </p:cTn>
               <p:prevCondLst>
@@ -12104,7 +11935,7 @@
 </p:sld>
 </file>
 
-<file path=ppt/slides/slide16.xml><?xml version="1.0" encoding="utf-8"?>
+<file path=ppt/slides/slide15.xml><?xml version="1.0" encoding="utf-8"?>
 <p:sld xmlns:a="http://schemas.openxmlformats.org/drawingml/2006/main" xmlns:r="http://schemas.openxmlformats.org/officeDocument/2006/relationships" xmlns:p="http://schemas.openxmlformats.org/presentationml/2006/main">
   <p:cSld>
     <p:spTree>
@@ -12240,6 +12071,510 @@
     </p:tnLst>
     <p:bldLst>
       <p:bldP spid="5" grpId="0" build="allAtOnce"/>
+    </p:bldLst>
+  </p:timing>
+</p:sld>
+</file>
+
+<file path=ppt/slides/slide16.xml><?xml version="1.0" encoding="utf-8"?>
+<p:sld xmlns:a="http://schemas.openxmlformats.org/drawingml/2006/main" xmlns:r="http://schemas.openxmlformats.org/officeDocument/2006/relationships" xmlns:p="http://schemas.openxmlformats.org/presentationml/2006/main">
+  <p:cSld>
+    <p:spTree>
+      <p:nvGrpSpPr>
+        <p:cNvPr id="1" name=""/>
+        <p:cNvGrpSpPr/>
+        <p:nvPr/>
+      </p:nvGrpSpPr>
+      <p:grpSpPr>
+        <a:xfrm>
+          <a:off x="0" y="0"/>
+          <a:ext cx="0" cy="0"/>
+          <a:chOff x="0" y="0"/>
+          <a:chExt cx="0" cy="0"/>
+        </a:xfrm>
+      </p:grpSpPr>
+      <p:sp>
+        <p:nvSpPr>
+          <p:cNvPr id="5" name="Title 4"/>
+          <p:cNvSpPr>
+            <a:spLocks noGrp="1"/>
+          </p:cNvSpPr>
+          <p:nvPr>
+            <p:ph type="title"/>
+          </p:nvPr>
+        </p:nvSpPr>
+        <p:spPr/>
+        <p:txBody>
+          <a:bodyPr>
+            <a:normAutofit/>
+          </a:bodyPr>
+          <a:lstStyle/>
+          <a:p>
+            <a:r>
+              <a:rPr lang="en-US" dirty="0"/>
+              <a:t>Solutions Providers, Not Exam Takers</a:t>
+            </a:r>
+          </a:p>
+        </p:txBody>
+      </p:sp>
+      <p:sp>
+        <p:nvSpPr>
+          <p:cNvPr id="4" name="Slide Number Placeholder 3"/>
+          <p:cNvSpPr>
+            <a:spLocks noGrp="1"/>
+          </p:cNvSpPr>
+          <p:nvPr>
+            <p:ph type="sldNum" sz="quarter" idx="4294967295"/>
+          </p:nvPr>
+        </p:nvSpPr>
+        <p:spPr>
+          <a:xfrm>
+            <a:off x="9347200" y="6356350"/>
+            <a:ext cx="2844800" cy="365125"/>
+          </a:xfrm>
+        </p:spPr>
+        <p:txBody>
+          <a:bodyPr/>
+          <a:lstStyle/>
+          <a:p>
+            <a:fld id="{CC077DB7-DE37-4EA7-B5C7-4FE1B440C5DB}" type="slidenum">
+              <a:rPr lang="en-US" smtClean="0"/>
+              <a:t>16</a:t>
+            </a:fld>
+            <a:endParaRPr lang="en-US" dirty="0"/>
+          </a:p>
+        </p:txBody>
+      </p:sp>
+      <p:sp>
+        <p:nvSpPr>
+          <p:cNvPr id="6" name="Title 4"/>
+          <p:cNvSpPr txBox="1">
+            <a:spLocks/>
+          </p:cNvSpPr>
+          <p:nvPr/>
+        </p:nvSpPr>
+        <p:spPr>
+          <a:xfrm>
+            <a:off x="381674" y="938677"/>
+            <a:ext cx="10972800" cy="5700248"/>
+          </a:xfrm>
+          <a:prstGeom prst="rect">
+            <a:avLst/>
+          </a:prstGeom>
+        </p:spPr>
+        <p:txBody>
+          <a:bodyPr vert="horz" lIns="91440" tIns="45720" rIns="91440" bIns="45720" rtlCol="0" anchor="t">
+            <a:noAutofit/>
+          </a:bodyPr>
+          <a:lstStyle>
+            <a:lvl1pPr algn="l" defTabSz="914400" rtl="0" eaLnBrk="1" latinLnBrk="0" hangingPunct="1">
+              <a:spcBef>
+                <a:spcPct val="0"/>
+              </a:spcBef>
+              <a:buNone/>
+              <a:defRPr sz="4000" b="1" kern="1200" baseline="0">
+                <a:solidFill>
+                  <a:srgbClr val="4F2683"/>
+                </a:solidFill>
+                <a:latin typeface="+mj-lt"/>
+                <a:ea typeface="+mj-ea"/>
+                <a:cs typeface="+mj-cs"/>
+              </a:defRPr>
+            </a:lvl1pPr>
+          </a:lstStyle>
+          <a:p>
+            <a:r>
+              <a:rPr lang="en-US" sz="3600" b="0" dirty="0">
+                <a:solidFill>
+                  <a:schemeClr val="tx1"/>
+                </a:solidFill>
+                <a:latin typeface="+mn-lt"/>
+              </a:rPr>
+              <a:t>Microsoft subcontracts out SME’s globally. </a:t>
+            </a:r>
+          </a:p>
+          <a:p>
+            <a:r>
+              <a:rPr lang="en-US" sz="3600" b="0" dirty="0">
+                <a:solidFill>
+                  <a:schemeClr val="tx1"/>
+                </a:solidFill>
+                <a:latin typeface="+mn-lt"/>
+              </a:rPr>
+              <a:t>	Item Selection and Standard Setting Sessions (IS/SS) 	to set the exam Domain.</a:t>
+            </a:r>
+          </a:p>
+          <a:p>
+            <a:r>
+              <a:rPr lang="en-US" sz="3600" b="0" dirty="0">
+                <a:solidFill>
+                  <a:schemeClr val="tx1"/>
+                </a:solidFill>
+                <a:latin typeface="+mn-lt"/>
+              </a:rPr>
+              <a:t> </a:t>
+            </a:r>
+          </a:p>
+          <a:p>
+            <a:r>
+              <a:rPr lang="en-US" sz="3600" b="0" dirty="0">
+                <a:solidFill>
+                  <a:schemeClr val="tx1"/>
+                </a:solidFill>
+                <a:latin typeface="+mn-lt"/>
+              </a:rPr>
+              <a:t>Focus on practicality and actual usage: topics are removed from the exam’s </a:t>
+            </a:r>
+            <a:r>
+              <a:rPr lang="en-US" sz="3600" b="0" i="1" dirty="0">
+                <a:solidFill>
+                  <a:schemeClr val="tx1"/>
+                </a:solidFill>
+                <a:latin typeface="+mn-lt"/>
+              </a:rPr>
+              <a:t>domain </a:t>
+            </a:r>
+            <a:r>
+              <a:rPr lang="en-US" sz="3600" b="0" dirty="0">
+                <a:solidFill>
+                  <a:schemeClr val="tx1"/>
+                </a:solidFill>
+                <a:latin typeface="+mn-lt"/>
+              </a:rPr>
+              <a:t>if none of the SME’s present could say they use it in real life.</a:t>
+            </a:r>
+          </a:p>
+          <a:p>
+            <a:endParaRPr lang="en-US" sz="3600" b="0" dirty="0">
+              <a:solidFill>
+                <a:schemeClr val="tx1"/>
+              </a:solidFill>
+              <a:latin typeface="+mn-lt"/>
+            </a:endParaRPr>
+          </a:p>
+          <a:p>
+            <a:r>
+              <a:rPr lang="en-US" sz="3600" b="0" dirty="0">
+                <a:solidFill>
+                  <a:schemeClr val="tx1"/>
+                </a:solidFill>
+                <a:latin typeface="+mn-lt"/>
+              </a:rPr>
+              <a:t>Then, how </a:t>
+            </a:r>
+            <a:r>
+              <a:rPr lang="en-US" sz="3600" b="0" i="1" dirty="0">
+                <a:solidFill>
+                  <a:schemeClr val="tx1"/>
+                </a:solidFill>
+                <a:latin typeface="+mn-lt"/>
+              </a:rPr>
+              <a:t>many</a:t>
+            </a:r>
+            <a:r>
+              <a:rPr lang="en-US" sz="3600" b="0" dirty="0">
+                <a:solidFill>
+                  <a:schemeClr val="tx1"/>
+                </a:solidFill>
+                <a:latin typeface="+mn-lt"/>
+              </a:rPr>
+              <a:t> of each domain should be there? </a:t>
+            </a:r>
+          </a:p>
+          <a:p>
+            <a:r>
+              <a:rPr lang="en-US" sz="3600" b="0" dirty="0">
+                <a:solidFill>
+                  <a:schemeClr val="tx1"/>
+                </a:solidFill>
+                <a:latin typeface="+mn-lt"/>
+              </a:rPr>
+              <a:t>Then, provide some sample topics for the item writers.</a:t>
+            </a:r>
+          </a:p>
+        </p:txBody>
+      </p:sp>
+    </p:spTree>
+    <p:extLst>
+      <p:ext uri="{BB962C8B-B14F-4D97-AF65-F5344CB8AC3E}">
+        <p14:creationId xmlns:p14="http://schemas.microsoft.com/office/powerpoint/2010/main" val="2448650221"/>
+      </p:ext>
+    </p:extLst>
+  </p:cSld>
+  <p:clrMapOvr>
+    <a:masterClrMapping/>
+  </p:clrMapOvr>
+  <p:timing>
+    <p:tnLst>
+      <p:par>
+        <p:cTn id="1" dur="indefinite" restart="never" nodeType="tmRoot">
+          <p:childTnLst>
+            <p:seq concurrent="1" nextAc="seek">
+              <p:cTn id="2" dur="indefinite" nodeType="mainSeq">
+                <p:childTnLst>
+                  <p:par>
+                    <p:cTn id="3" fill="hold">
+                      <p:stCondLst>
+                        <p:cond delay="indefinite"/>
+                      </p:stCondLst>
+                      <p:childTnLst>
+                        <p:par>
+                          <p:cTn id="4" fill="hold">
+                            <p:stCondLst>
+                              <p:cond delay="0"/>
+                            </p:stCondLst>
+                            <p:childTnLst>
+                              <p:par>
+                                <p:cTn id="5" presetID="1" presetClass="entr" presetSubtype="0" fill="hold" grpId="0" nodeType="clickEffect">
+                                  <p:stCondLst>
+                                    <p:cond delay="0"/>
+                                  </p:stCondLst>
+                                  <p:childTnLst>
+                                    <p:set>
+                                      <p:cBhvr>
+                                        <p:cTn id="6" dur="1" fill="hold">
+                                          <p:stCondLst>
+                                            <p:cond delay="0"/>
+                                          </p:stCondLst>
+                                        </p:cTn>
+                                        <p:tgtEl>
+                                          <p:spTgt spid="6">
+                                            <p:txEl>
+                                              <p:pRg st="0" end="0"/>
+                                            </p:txEl>
+                                          </p:spTgt>
+                                        </p:tgtEl>
+                                        <p:attrNameLst>
+                                          <p:attrName>style.visibility</p:attrName>
+                                        </p:attrNameLst>
+                                      </p:cBhvr>
+                                      <p:to>
+                                        <p:strVal val="visible"/>
+                                      </p:to>
+                                    </p:set>
+                                  </p:childTnLst>
+                                </p:cTn>
+                              </p:par>
+                            </p:childTnLst>
+                          </p:cTn>
+                        </p:par>
+                      </p:childTnLst>
+                    </p:cTn>
+                  </p:par>
+                  <p:par>
+                    <p:cTn id="7" fill="hold">
+                      <p:stCondLst>
+                        <p:cond delay="indefinite"/>
+                      </p:stCondLst>
+                      <p:childTnLst>
+                        <p:par>
+                          <p:cTn id="8" fill="hold">
+                            <p:stCondLst>
+                              <p:cond delay="0"/>
+                            </p:stCondLst>
+                            <p:childTnLst>
+                              <p:par>
+                                <p:cTn id="9" presetID="1" presetClass="entr" presetSubtype="0" fill="hold" grpId="0" nodeType="clickEffect">
+                                  <p:stCondLst>
+                                    <p:cond delay="0"/>
+                                  </p:stCondLst>
+                                  <p:childTnLst>
+                                    <p:set>
+                                      <p:cBhvr>
+                                        <p:cTn id="10" dur="1" fill="hold">
+                                          <p:stCondLst>
+                                            <p:cond delay="0"/>
+                                          </p:stCondLst>
+                                        </p:cTn>
+                                        <p:tgtEl>
+                                          <p:spTgt spid="6">
+                                            <p:txEl>
+                                              <p:pRg st="1" end="1"/>
+                                            </p:txEl>
+                                          </p:spTgt>
+                                        </p:tgtEl>
+                                        <p:attrNameLst>
+                                          <p:attrName>style.visibility</p:attrName>
+                                        </p:attrNameLst>
+                                      </p:cBhvr>
+                                      <p:to>
+                                        <p:strVal val="visible"/>
+                                      </p:to>
+                                    </p:set>
+                                  </p:childTnLst>
+                                </p:cTn>
+                              </p:par>
+                            </p:childTnLst>
+                          </p:cTn>
+                        </p:par>
+                      </p:childTnLst>
+                    </p:cTn>
+                  </p:par>
+                  <p:par>
+                    <p:cTn id="11" fill="hold">
+                      <p:stCondLst>
+                        <p:cond delay="indefinite"/>
+                      </p:stCondLst>
+                      <p:childTnLst>
+                        <p:par>
+                          <p:cTn id="12" fill="hold">
+                            <p:stCondLst>
+                              <p:cond delay="0"/>
+                            </p:stCondLst>
+                            <p:childTnLst>
+                              <p:par>
+                                <p:cTn id="13" presetID="1" presetClass="entr" presetSubtype="0" fill="hold" grpId="0" nodeType="clickEffect">
+                                  <p:stCondLst>
+                                    <p:cond delay="0"/>
+                                  </p:stCondLst>
+                                  <p:childTnLst>
+                                    <p:set>
+                                      <p:cBhvr>
+                                        <p:cTn id="14" dur="1" fill="hold">
+                                          <p:stCondLst>
+                                            <p:cond delay="0"/>
+                                          </p:stCondLst>
+                                        </p:cTn>
+                                        <p:tgtEl>
+                                          <p:spTgt spid="6">
+                                            <p:txEl>
+                                              <p:pRg st="2" end="2"/>
+                                            </p:txEl>
+                                          </p:spTgt>
+                                        </p:tgtEl>
+                                        <p:attrNameLst>
+                                          <p:attrName>style.visibility</p:attrName>
+                                        </p:attrNameLst>
+                                      </p:cBhvr>
+                                      <p:to>
+                                        <p:strVal val="visible"/>
+                                      </p:to>
+                                    </p:set>
+                                  </p:childTnLst>
+                                </p:cTn>
+                              </p:par>
+                              <p:par>
+                                <p:cTn id="15" presetID="1" presetClass="entr" presetSubtype="0" fill="hold" grpId="0" nodeType="withEffect">
+                                  <p:stCondLst>
+                                    <p:cond delay="0"/>
+                                  </p:stCondLst>
+                                  <p:childTnLst>
+                                    <p:set>
+                                      <p:cBhvr>
+                                        <p:cTn id="16" dur="1" fill="hold">
+                                          <p:stCondLst>
+                                            <p:cond delay="0"/>
+                                          </p:stCondLst>
+                                        </p:cTn>
+                                        <p:tgtEl>
+                                          <p:spTgt spid="6">
+                                            <p:txEl>
+                                              <p:pRg st="3" end="3"/>
+                                            </p:txEl>
+                                          </p:spTgt>
+                                        </p:tgtEl>
+                                        <p:attrNameLst>
+                                          <p:attrName>style.visibility</p:attrName>
+                                        </p:attrNameLst>
+                                      </p:cBhvr>
+                                      <p:to>
+                                        <p:strVal val="visible"/>
+                                      </p:to>
+                                    </p:set>
+                                  </p:childTnLst>
+                                </p:cTn>
+                              </p:par>
+                              <p:par>
+                                <p:cTn id="17" presetID="1" presetClass="entr" presetSubtype="0" fill="hold" grpId="0" nodeType="withEffect">
+                                  <p:stCondLst>
+                                    <p:cond delay="0"/>
+                                  </p:stCondLst>
+                                  <p:childTnLst>
+                                    <p:set>
+                                      <p:cBhvr>
+                                        <p:cTn id="18" dur="1" fill="hold">
+                                          <p:stCondLst>
+                                            <p:cond delay="0"/>
+                                          </p:stCondLst>
+                                        </p:cTn>
+                                        <p:tgtEl>
+                                          <p:spTgt spid="6">
+                                            <p:txEl>
+                                              <p:pRg st="5" end="5"/>
+                                            </p:txEl>
+                                          </p:spTgt>
+                                        </p:tgtEl>
+                                        <p:attrNameLst>
+                                          <p:attrName>style.visibility</p:attrName>
+                                        </p:attrNameLst>
+                                      </p:cBhvr>
+                                      <p:to>
+                                        <p:strVal val="visible"/>
+                                      </p:to>
+                                    </p:set>
+                                  </p:childTnLst>
+                                </p:cTn>
+                              </p:par>
+                              <p:par>
+                                <p:cTn id="19" presetID="1" presetClass="entr" presetSubtype="0" fill="hold" grpId="0" nodeType="withEffect">
+                                  <p:stCondLst>
+                                    <p:cond delay="0"/>
+                                  </p:stCondLst>
+                                  <p:childTnLst>
+                                    <p:set>
+                                      <p:cBhvr>
+                                        <p:cTn id="20" dur="1" fill="hold">
+                                          <p:stCondLst>
+                                            <p:cond delay="0"/>
+                                          </p:stCondLst>
+                                        </p:cTn>
+                                        <p:tgtEl>
+                                          <p:spTgt spid="6">
+                                            <p:txEl>
+                                              <p:pRg st="6" end="6"/>
+                                            </p:txEl>
+                                          </p:spTgt>
+                                        </p:tgtEl>
+                                        <p:attrNameLst>
+                                          <p:attrName>style.visibility</p:attrName>
+                                        </p:attrNameLst>
+                                      </p:cBhvr>
+                                      <p:to>
+                                        <p:strVal val="visible"/>
+                                      </p:to>
+                                    </p:set>
+                                  </p:childTnLst>
+                                </p:cTn>
+                              </p:par>
+                            </p:childTnLst>
+                          </p:cTn>
+                        </p:par>
+                      </p:childTnLst>
+                    </p:cTn>
+                  </p:par>
+                </p:childTnLst>
+              </p:cTn>
+              <p:prevCondLst>
+                <p:cond evt="onPrev" delay="0">
+                  <p:tgtEl>
+                    <p:sldTgt/>
+                  </p:tgtEl>
+                </p:cond>
+              </p:prevCondLst>
+              <p:nextCondLst>
+                <p:cond evt="onNext" delay="0">
+                  <p:tgtEl>
+                    <p:sldTgt/>
+                  </p:tgtEl>
+                </p:cond>
+              </p:nextCondLst>
+            </p:seq>
+          </p:childTnLst>
+        </p:cTn>
+      </p:par>
+    </p:tnLst>
+    <p:bldLst>
+      <p:bldP spid="6" grpId="0" uiExpand="1" build="allAtOnce"/>
     </p:bldLst>
   </p:timing>
 </p:sld>
@@ -13539,7 +13874,7 @@
                 </a:solidFill>
                 <a:latin typeface="+mn-lt"/>
               </a:rPr>
-              <a:t>" is a pain in the ass. It has to be used exactly.</a:t>
+              <a:t>" is a pain. It has to be used exactly.</a:t>
             </a:r>
           </a:p>
           <a:p>
@@ -15084,7 +15419,12 @@
             <p:ph idx="1"/>
           </p:nvPr>
         </p:nvSpPr>
-        <p:spPr/>
+        <p:spPr>
+          <a:xfrm>
+            <a:off x="609600" y="990603"/>
+            <a:ext cx="10972800" cy="5648322"/>
+          </a:xfrm>
+        </p:spPr>
         <p:txBody>
           <a:bodyPr>
             <a:noAutofit/>
@@ -15092,62 +15432,62 @@
           <a:lstStyle/>
           <a:p>
             <a:r>
+              <a:rPr lang="en-US" sz="3600" dirty="0"/>
+              <a:t>Question success is statistically analyzed by a </a:t>
+            </a:r>
+            <a:r>
+              <a:rPr lang="en-US" sz="3600" i="1" dirty="0"/>
+              <a:t>psychometrician</a:t>
+            </a:r>
+          </a:p>
+          <a:p>
+            <a:pPr lvl="1"/>
+            <a:r>
               <a:rPr lang="en-US" sz="3200" dirty="0"/>
-              <a:t>Question success is statistically analyzed by a </a:t>
-            </a:r>
-            <a:r>
-              <a:rPr lang="en-US" sz="3200" i="1" dirty="0"/>
-              <a:t>psychometrician</a:t>
+              <a:t>Do candidates who pass get this question right? Good.</a:t>
             </a:r>
           </a:p>
           <a:p>
             <a:pPr lvl="1"/>
             <a:r>
+              <a:rPr lang="en-US" sz="3200" dirty="0"/>
+              <a:t>Do candidates who pass get this question wrong? Not good.</a:t>
+            </a:r>
+          </a:p>
+          <a:p>
+            <a:pPr lvl="1"/>
+            <a:r>
+              <a:rPr lang="en-US" sz="3200" dirty="0"/>
+              <a:t>Is success unrelated to this question’s success? They’re guessing.</a:t>
+            </a:r>
+          </a:p>
+          <a:p>
+            <a:r>
+              <a:rPr lang="en-US" sz="3600" dirty="0"/>
+              <a:t>Your comments on the exam are reviewed, by name.</a:t>
+            </a:r>
+          </a:p>
+          <a:p>
+            <a:pPr lvl="1"/>
+            <a:r>
+              <a:rPr lang="en-US" sz="3200" dirty="0"/>
+              <a:t>Be professional. </a:t>
+            </a:r>
+          </a:p>
+          <a:p>
+            <a:pPr lvl="1"/>
+            <a:r>
+              <a:rPr lang="en-US" sz="3200" dirty="0"/>
+              <a:t>Your comments can contribute to changing/abandoning a question.</a:t>
+            </a:r>
+          </a:p>
+          <a:p>
+            <a:pPr lvl="2"/>
+            <a:r>
               <a:rPr lang="en-US" sz="2800" dirty="0"/>
-              <a:t>Do candidates who pass this exam get this question right? Good.</a:t>
-            </a:r>
-          </a:p>
-          <a:p>
-            <a:pPr lvl="1"/>
-            <a:r>
-              <a:rPr lang="en-US" sz="2800" dirty="0"/>
-              <a:t>Do candidates who pass this exam get this question wrong? Not good.</a:t>
-            </a:r>
-          </a:p>
-          <a:p>
-            <a:pPr lvl="1"/>
-            <a:r>
-              <a:rPr lang="en-US" sz="2800" dirty="0"/>
-              <a:t>Is exam success unrelated to this question’s success? May be guessing.</a:t>
-            </a:r>
-          </a:p>
-          <a:p>
-            <a:r>
-              <a:rPr lang="en-US" sz="3200" dirty="0"/>
-              <a:t>Your comments on the exam are definitely reviewed, by name.</a:t>
-            </a:r>
-          </a:p>
-          <a:p>
-            <a:pPr lvl="1"/>
-            <a:r>
-              <a:rPr lang="en-US" sz="2800" dirty="0"/>
-              <a:t>Be professional. Don’t be an ass on item comments on the exam.</a:t>
-            </a:r>
-          </a:p>
-          <a:p>
-            <a:pPr lvl="1"/>
-            <a:r>
-              <a:rPr lang="en-US" sz="2800" dirty="0"/>
-              <a:t>Your comments can contribute to changing/abandoning a question.</a:t>
-            </a:r>
-          </a:p>
-          <a:p>
-            <a:pPr lvl="2"/>
-            <a:r>
-              <a:rPr lang="en-US" sz="2400" dirty="0"/>
               <a:t>"Why are you testing this? I'd look this up!"</a:t>
             </a:r>
-            <a:endParaRPr lang="en-US" sz="3200" dirty="0"/>
+            <a:endParaRPr lang="en-US" sz="3600" dirty="0"/>
           </a:p>
         </p:txBody>
       </p:sp>
@@ -15221,15 +15561,21 @@
           <a:lstStyle/>
           <a:p>
             <a:r>
+              <a:rPr lang="en-US" sz="4000" dirty="0"/>
+              <a:t>Exams can be refreshed for new content.</a:t>
+            </a:r>
+          </a:p>
+          <a:p>
+            <a:pPr lvl="1"/>
+            <a:r>
               <a:rPr lang="en-US" sz="3600" dirty="0"/>
-              <a:t>Exams can be refreshed for new content.</a:t>
-            </a:r>
-          </a:p>
-          <a:p>
-            <a:pPr lvl="1"/>
-            <a:r>
-              <a:rPr lang="en-US" sz="3200" dirty="0"/>
               <a:t>For example, the SQL 2012 exams were updated with 2014 content. The SQL 2016 exams were written from scratch, updated this year for new content in SQL 2017 and in Azure.</a:t>
+            </a:r>
+          </a:p>
+          <a:p>
+            <a:r>
+              <a:rPr lang="en-US" sz="4000" dirty="0"/>
+              <a:t>New product capabilities/features often get a special focus on exams.</a:t>
             </a:r>
           </a:p>
         </p:txBody>
@@ -16033,8 +16379,8 @@
         </p:nvSpPr>
         <p:spPr>
           <a:xfrm>
-            <a:off x="285981" y="839973"/>
-            <a:ext cx="10972800" cy="2118326"/>
+            <a:off x="285980" y="839973"/>
+            <a:ext cx="11658369" cy="2118326"/>
           </a:xfrm>
           <a:prstGeom prst="rect">
             <a:avLst/>
@@ -16087,18 +16433,7 @@
                 </a:solidFill>
                 <a:latin typeface="+mn-lt"/>
               </a:rPr>
-              <a:t>The wrong answers are more difficult to perfect than the correct answer, </a:t>
-            </a:r>
-          </a:p>
-          <a:p>
-            <a:r>
-              <a:rPr lang="en-US" sz="3600" b="0" dirty="0">
-                <a:solidFill>
-                  <a:schemeClr val="tx1"/>
-                </a:solidFill>
-                <a:latin typeface="+mn-lt"/>
-              </a:rPr>
-              <a:t>to make them difficult for the unqualified candidate.</a:t>
+              <a:t>Writing wrong answers is more difficult than correct answers!</a:t>
             </a:r>
           </a:p>
           <a:p>
@@ -16291,56 +16626,7 @@
                                         <p:tgtEl>
                                           <p:spTgt spid="6">
                                             <p:txEl>
-                                              <p:pRg st="3" end="3"/>
-                                            </p:txEl>
-                                          </p:spTgt>
-                                        </p:tgtEl>
-                                        <p:attrNameLst>
-                                          <p:attrName>style.visibility</p:attrName>
-                                        </p:attrNameLst>
-                                      </p:cBhvr>
-                                      <p:to>
-                                        <p:strVal val="visible"/>
-                                      </p:to>
-                                    </p:set>
-                                  </p:childTnLst>
-                                </p:cTn>
-                              </p:par>
-                            </p:childTnLst>
-                          </p:cTn>
-                        </p:par>
-                      </p:childTnLst>
-                    </p:cTn>
-                  </p:par>
-                  <p:par>
-                    <p:cTn id="15" fill="hold">
-                      <p:stCondLst>
-                        <p:cond delay="indefinite"/>
-                      </p:stCondLst>
-                      <p:childTnLst>
-                        <p:par>
-                          <p:cTn id="16" fill="hold">
-                            <p:stCondLst>
-                              <p:cond delay="0"/>
-                            </p:stCondLst>
-                            <p:childTnLst>
-                              <p:par>
-                                <p:cTn id="17" presetID="1" presetClass="entr" presetSubtype="0" fill="hold" grpId="0" nodeType="clickEffect">
-                                  <p:stCondLst>
-                                    <p:cond delay="0"/>
-                                  </p:stCondLst>
-                                  <p:childTnLst>
-                                    <p:set>
-                                      <p:cBhvr>
-                                        <p:cTn id="18" dur="1" fill="hold">
-                                          <p:stCondLst>
-                                            <p:cond delay="0"/>
-                                          </p:stCondLst>
-                                        </p:cTn>
-                                        <p:tgtEl>
-                                          <p:spTgt spid="6">
-                                            <p:txEl>
-                                              <p:pRg st="5" end="5"/>
+                                              <p:pRg st="4" end="4"/>
                                             </p:txEl>
                                           </p:spTgt>
                                         </p:tgtEl>
@@ -16451,32 +16737,23 @@
           <a:lstStyle/>
           <a:p>
             <a:r>
-              <a:rPr lang="en-US" sz="3200" dirty="0"/>
+              <a:rPr lang="en-US" sz="4000" dirty="0"/>
               <a:t>“Domain Drift” is when your question became so complicated,</a:t>
             </a:r>
           </a:p>
           <a:p>
             <a:r>
-              <a:rPr lang="en-US" sz="3200" dirty="0"/>
+              <a:rPr lang="en-US" sz="4000" dirty="0"/>
               <a:t>you end up having formulated a question that tests on a different topic. </a:t>
             </a:r>
           </a:p>
           <a:p>
-            <a:endParaRPr lang="en-US" sz="3200" dirty="0"/>
-          </a:p>
-          <a:p>
-            <a:r>
-              <a:rPr lang="en-US" sz="3200" dirty="0"/>
+            <a:endParaRPr lang="en-US" sz="4000" dirty="0"/>
+          </a:p>
+          <a:p>
+            <a:r>
+              <a:rPr lang="en-US" sz="4000" dirty="0"/>
               <a:t>This happens if you’re not careful with you how keep changing your answers and scenario to invent more wrong answers.</a:t>
-            </a:r>
-          </a:p>
-          <a:p>
-            <a:endParaRPr lang="en-US" sz="3200" dirty="0"/>
-          </a:p>
-          <a:p>
-            <a:r>
-              <a:rPr lang="en-US" sz="3200" dirty="0"/>
-              <a:t>For example, if you were supposed to ask a question about peanut butter sandwiches, and ended up asking a question about which whether utensils can spread creamy peanut butter.</a:t>
             </a:r>
           </a:p>
         </p:txBody>
@@ -16610,27 +16887,141 @@
                       </p:childTnLst>
                     </p:cTn>
                   </p:par>
+                </p:childTnLst>
+              </p:cTn>
+              <p:prevCondLst>
+                <p:cond evt="onPrev" delay="0">
+                  <p:tgtEl>
+                    <p:sldTgt/>
+                  </p:tgtEl>
+                </p:cond>
+              </p:prevCondLst>
+              <p:nextCondLst>
+                <p:cond evt="onNext" delay="0">
+                  <p:tgtEl>
+                    <p:sldTgt/>
+                  </p:tgtEl>
+                </p:cond>
+              </p:nextCondLst>
+            </p:seq>
+          </p:childTnLst>
+        </p:cTn>
+      </p:par>
+    </p:tnLst>
+    <p:bldLst>
+      <p:bldP spid="5" grpId="0" build="allAtOnce"/>
+    </p:bldLst>
+  </p:timing>
+</p:sld>
+</file>
+
+<file path=ppt/slides/slide27.xml><?xml version="1.0" encoding="utf-8"?>
+<p:sld xmlns:a="http://schemas.openxmlformats.org/drawingml/2006/main" xmlns:r="http://schemas.openxmlformats.org/officeDocument/2006/relationships" xmlns:p="http://schemas.openxmlformats.org/presentationml/2006/main">
+  <p:cSld>
+    <p:spTree>
+      <p:nvGrpSpPr>
+        <p:cNvPr id="1" name=""/>
+        <p:cNvGrpSpPr/>
+        <p:nvPr/>
+      </p:nvGrpSpPr>
+      <p:grpSpPr>
+        <a:xfrm>
+          <a:off x="0" y="0"/>
+          <a:ext cx="0" cy="0"/>
+          <a:chOff x="0" y="0"/>
+          <a:chExt cx="0" cy="0"/>
+        </a:xfrm>
+      </p:grpSpPr>
+      <p:sp>
+        <p:nvSpPr>
+          <p:cNvPr id="2" name="Title 1"/>
+          <p:cNvSpPr>
+            <a:spLocks noGrp="1"/>
+          </p:cNvSpPr>
+          <p:nvPr>
+            <p:ph type="title"/>
+          </p:nvPr>
+        </p:nvSpPr>
+        <p:spPr/>
+        <p:txBody>
+          <a:bodyPr/>
+          <a:lstStyle/>
+          <a:p>
+            <a:r>
+              <a:rPr lang="en-US" dirty="0"/>
+              <a:t>Item Writer - Question Drifting</a:t>
+            </a:r>
+          </a:p>
+        </p:txBody>
+      </p:sp>
+      <p:sp>
+        <p:nvSpPr>
+          <p:cNvPr id="5" name="TextBox 4"/>
+          <p:cNvSpPr txBox="1"/>
+          <p:nvPr/>
+        </p:nvSpPr>
+        <p:spPr>
+          <a:xfrm>
+            <a:off x="233916" y="1073886"/>
+            <a:ext cx="11292799" cy="3477875"/>
+          </a:xfrm>
+          <a:prstGeom prst="rect">
+            <a:avLst/>
+          </a:prstGeom>
+          <a:noFill/>
+        </p:spPr>
+        <p:txBody>
+          <a:bodyPr wrap="square" rtlCol="0">
+            <a:spAutoFit/>
+          </a:bodyPr>
+          <a:lstStyle/>
+          <a:p>
+            <a:r>
+              <a:rPr lang="en-US" sz="4400" dirty="0"/>
+              <a:t>For example, if you were supposed to ask a question about peanut butter sandwiches, and ended up asking a question about which whether utensils can spread creamy peanut butter…</a:t>
+            </a:r>
+          </a:p>
+        </p:txBody>
+      </p:sp>
+    </p:spTree>
+    <p:extLst>
+      <p:ext uri="{BB962C8B-B14F-4D97-AF65-F5344CB8AC3E}">
+        <p14:creationId xmlns:p14="http://schemas.microsoft.com/office/powerpoint/2010/main" val="2441585666"/>
+      </p:ext>
+    </p:extLst>
+  </p:cSld>
+  <p:clrMapOvr>
+    <a:masterClrMapping/>
+  </p:clrMapOvr>
+  <p:timing>
+    <p:tnLst>
+      <p:par>
+        <p:cTn id="1" dur="indefinite" restart="never" nodeType="tmRoot">
+          <p:childTnLst>
+            <p:seq concurrent="1" nextAc="seek">
+              <p:cTn id="2" dur="indefinite" nodeType="mainSeq">
+                <p:childTnLst>
                   <p:par>
-                    <p:cTn id="11" fill="hold">
+                    <p:cTn id="3" fill="hold">
                       <p:stCondLst>
                         <p:cond delay="indefinite"/>
                       </p:stCondLst>
                       <p:childTnLst>
                         <p:par>
-                          <p:cTn id="12" fill="hold">
+                          <p:cTn id="4" fill="hold">
                             <p:stCondLst>
                               <p:cond delay="0"/>
                             </p:stCondLst>
                             <p:childTnLst>
                               <p:par>
-                                <p:cTn id="13" presetID="1" presetClass="entr" presetSubtype="0" fill="hold" grpId="0" nodeType="clickEffect">
+                                <p:cTn id="5" presetID="1" presetClass="entr" presetSubtype="0" fill="hold" grpId="0" nodeType="clickEffect">
                                   <p:stCondLst>
                                     <p:cond delay="0"/>
                                   </p:stCondLst>
                                   <p:childTnLst>
                                     <p:set>
                                       <p:cBhvr>
-                                        <p:cTn id="14" dur="1" fill="hold">
+                                        <p:cTn id="6" dur="1" fill="hold">
                                           <p:stCondLst>
                                             <p:cond delay="0"/>
                                           </p:stCondLst>
@@ -16638,7 +17029,7 @@
                                         <p:tgtEl>
                                           <p:spTgt spid="5">
                                             <p:txEl>
-                                              <p:pRg st="5" end="5"/>
+                                              <p:pRg st="0" end="0"/>
                                             </p:txEl>
                                           </p:spTgt>
                                         </p:tgtEl>
@@ -16687,7 +17078,7 @@
 </p:sld>
 </file>
 
-<file path=ppt/slides/slide27.xml><?xml version="1.0" encoding="utf-8"?>
+<file path=ppt/slides/slide28.xml><?xml version="1.0" encoding="utf-8"?>
 <p:sld xmlns:a="http://schemas.openxmlformats.org/drawingml/2006/main" xmlns:r="http://schemas.openxmlformats.org/officeDocument/2006/relationships" xmlns:p="http://schemas.openxmlformats.org/presentationml/2006/main">
   <p:cSld>
     <p:spTree>
@@ -16750,7 +17141,7 @@
           <a:p>
             <a:fld id="{CC077DB7-DE37-4EA7-B5C7-4FE1B440C5DB}" type="slidenum">
               <a:rPr lang="en-US" smtClean="0"/>
-              <a:t>27</a:t>
+              <a:t>28</a:t>
             </a:fld>
             <a:endParaRPr lang="en-US"/>
           </a:p>
@@ -17651,7 +18042,7 @@
 </p:sld>
 </file>
 
-<file path=ppt/slides/slide28.xml><?xml version="1.0" encoding="utf-8"?>
+<file path=ppt/slides/slide29.xml><?xml version="1.0" encoding="utf-8"?>
 <p:sld xmlns:a="http://schemas.openxmlformats.org/drawingml/2006/main" xmlns:r="http://schemas.openxmlformats.org/officeDocument/2006/relationships" xmlns:p="http://schemas.openxmlformats.org/presentationml/2006/main">
   <p:cSld>
     <p:spTree>
@@ -17714,7 +18105,7 @@
           <a:p>
             <a:fld id="{CC077DB7-DE37-4EA7-B5C7-4FE1B440C5DB}" type="slidenum">
               <a:rPr lang="en-US" smtClean="0"/>
-              <a:t>28</a:t>
+              <a:t>29</a:t>
             </a:fld>
             <a:endParaRPr lang="en-US"/>
           </a:p>
@@ -18278,507 +18669,6 @@
     </p:tnLst>
     <p:bldLst>
       <p:bldP spid="6" grpId="0" uiExpand="1" build="allAtOnce"/>
-    </p:bldLst>
-  </p:timing>
-</p:sld>
-</file>
-
-<file path=ppt/slides/slide29.xml><?xml version="1.0" encoding="utf-8"?>
-<p:sld xmlns:a="http://schemas.openxmlformats.org/drawingml/2006/main" xmlns:r="http://schemas.openxmlformats.org/officeDocument/2006/relationships" xmlns:p="http://schemas.openxmlformats.org/presentationml/2006/main">
-  <p:cSld>
-    <p:spTree>
-      <p:nvGrpSpPr>
-        <p:cNvPr id="1" name=""/>
-        <p:cNvGrpSpPr/>
-        <p:nvPr/>
-      </p:nvGrpSpPr>
-      <p:grpSpPr>
-        <a:xfrm>
-          <a:off x="0" y="0"/>
-          <a:ext cx="0" cy="0"/>
-          <a:chOff x="0" y="0"/>
-          <a:chExt cx="0" cy="0"/>
-        </a:xfrm>
-      </p:grpSpPr>
-      <p:sp>
-        <p:nvSpPr>
-          <p:cNvPr id="5" name="Title 4"/>
-          <p:cNvSpPr>
-            <a:spLocks noGrp="1"/>
-          </p:cNvSpPr>
-          <p:nvPr>
-            <p:ph type="title"/>
-          </p:nvPr>
-        </p:nvSpPr>
-        <p:spPr/>
-        <p:txBody>
-          <a:bodyPr>
-            <a:normAutofit/>
-          </a:bodyPr>
-          <a:lstStyle/>
-          <a:p>
-            <a:r>
-              <a:rPr lang="en-US" dirty="0"/>
-              <a:t>Writing the Wrong Answers Is Most Difficult</a:t>
-            </a:r>
-          </a:p>
-        </p:txBody>
-      </p:sp>
-      <p:sp>
-        <p:nvSpPr>
-          <p:cNvPr id="4" name="Slide Number Placeholder 3"/>
-          <p:cNvSpPr>
-            <a:spLocks noGrp="1"/>
-          </p:cNvSpPr>
-          <p:nvPr>
-            <p:ph type="sldNum" sz="quarter" idx="4294967295"/>
-          </p:nvPr>
-        </p:nvSpPr>
-        <p:spPr>
-          <a:xfrm>
-            <a:off x="9347200" y="6356350"/>
-            <a:ext cx="2844800" cy="365125"/>
-          </a:xfrm>
-        </p:spPr>
-        <p:txBody>
-          <a:bodyPr/>
-          <a:lstStyle/>
-          <a:p>
-            <a:fld id="{CC077DB7-DE37-4EA7-B5C7-4FE1B440C5DB}" type="slidenum">
-              <a:rPr lang="en-US" smtClean="0"/>
-              <a:t>29</a:t>
-            </a:fld>
-            <a:endParaRPr lang="en-US"/>
-          </a:p>
-        </p:txBody>
-      </p:sp>
-      <p:sp>
-        <p:nvSpPr>
-          <p:cNvPr id="6" name="Title 4"/>
-          <p:cNvSpPr txBox="1">
-            <a:spLocks/>
-          </p:cNvSpPr>
-          <p:nvPr/>
-        </p:nvSpPr>
-        <p:spPr>
-          <a:xfrm>
-            <a:off x="296613" y="839973"/>
-            <a:ext cx="5157889" cy="4444408"/>
-          </a:xfrm>
-          <a:prstGeom prst="rect">
-            <a:avLst/>
-          </a:prstGeom>
-        </p:spPr>
-        <p:txBody>
-          <a:bodyPr vert="horz" lIns="91440" tIns="45720" rIns="91440" bIns="45720" rtlCol="0" anchor="t">
-            <a:noAutofit/>
-          </a:bodyPr>
-          <a:lstStyle>
-            <a:lvl1pPr algn="l" defTabSz="914400" rtl="0" eaLnBrk="1" latinLnBrk="0" hangingPunct="1">
-              <a:spcBef>
-                <a:spcPct val="0"/>
-              </a:spcBef>
-              <a:buNone/>
-              <a:defRPr sz="4000" b="1" kern="1200" baseline="0">
-                <a:solidFill>
-                  <a:srgbClr val="4F2683"/>
-                </a:solidFill>
-                <a:latin typeface="+mj-lt"/>
-                <a:ea typeface="+mj-ea"/>
-                <a:cs typeface="+mj-cs"/>
-              </a:defRPr>
-            </a:lvl1pPr>
-          </a:lstStyle>
-          <a:p>
-            <a:r>
-              <a:rPr lang="en-US" sz="3600" b="0" dirty="0">
-                <a:solidFill>
-                  <a:srgbClr val="C00000"/>
-                </a:solidFill>
-                <a:latin typeface="+mn-lt"/>
-              </a:rPr>
-              <a:t>But you can probably spread peanut butter with any of those, if you try hard enough. You cannot test “Best Practices” or “Industry Standards” for peanut butter distribution. So you change your Goal Statement.</a:t>
-            </a:r>
-          </a:p>
-        </p:txBody>
-      </p:sp>
-      <p:sp>
-        <p:nvSpPr>
-          <p:cNvPr id="7" name="Title 4"/>
-          <p:cNvSpPr txBox="1">
-            <a:spLocks/>
-          </p:cNvSpPr>
-          <p:nvPr/>
-        </p:nvSpPr>
-        <p:spPr>
-          <a:xfrm>
-            <a:off x="5454502" y="839973"/>
-            <a:ext cx="6453963" cy="4444408"/>
-          </a:xfrm>
-          <a:prstGeom prst="rect">
-            <a:avLst/>
-          </a:prstGeom>
-        </p:spPr>
-        <p:txBody>
-          <a:bodyPr vert="horz" lIns="91440" tIns="45720" rIns="91440" bIns="45720" rtlCol="0" anchor="t">
-            <a:noAutofit/>
-          </a:bodyPr>
-          <a:lstStyle>
-            <a:lvl1pPr algn="l" defTabSz="914400" rtl="0" eaLnBrk="1" latinLnBrk="0" hangingPunct="1">
-              <a:spcBef>
-                <a:spcPct val="0"/>
-              </a:spcBef>
-              <a:buNone/>
-              <a:defRPr sz="4000" b="1" kern="1200" baseline="0">
-                <a:solidFill>
-                  <a:srgbClr val="4F2683"/>
-                </a:solidFill>
-                <a:latin typeface="+mj-lt"/>
-                <a:ea typeface="+mj-ea"/>
-                <a:cs typeface="+mj-cs"/>
-              </a:defRPr>
-            </a:lvl1pPr>
-          </a:lstStyle>
-          <a:p>
-            <a:r>
-              <a:rPr lang="en-US" sz="3600" b="0" dirty="0">
-                <a:solidFill>
-                  <a:schemeClr val="tx1"/>
-                </a:solidFill>
-                <a:latin typeface="+mn-lt"/>
-              </a:rPr>
-              <a:t>For example:</a:t>
-            </a:r>
-          </a:p>
-          <a:p>
-            <a:r>
-              <a:rPr lang="en-US" sz="3600" b="0" dirty="0">
-                <a:solidFill>
-                  <a:schemeClr val="tx1"/>
-                </a:solidFill>
-                <a:latin typeface="+mn-lt"/>
-              </a:rPr>
-              <a:t>You are making a sandwich.</a:t>
-            </a:r>
-          </a:p>
-          <a:p>
-            <a:r>
-              <a:rPr lang="en-US" sz="3600" b="0" dirty="0">
-                <a:solidFill>
-                  <a:schemeClr val="tx1"/>
-                </a:solidFill>
-                <a:latin typeface="+mn-lt"/>
-              </a:rPr>
-              <a:t>You must make the sandwich with peanut butter.</a:t>
-            </a:r>
-          </a:p>
-          <a:p>
-            <a:r>
-              <a:rPr lang="en-US" sz="3600" b="0" dirty="0">
-                <a:solidFill>
-                  <a:srgbClr val="C00000"/>
-                </a:solidFill>
-                <a:latin typeface="+mn-lt"/>
-              </a:rPr>
-              <a:t>You need to choose a utensil</a:t>
-            </a:r>
-            <a:r>
-              <a:rPr lang="en-US" sz="3600" dirty="0">
-                <a:solidFill>
-                  <a:srgbClr val="C00000"/>
-                </a:solidFill>
-                <a:latin typeface="+mn-lt"/>
-              </a:rPr>
-              <a:t> that will spread the peanut butter by using the least amount of administrative effort.</a:t>
-            </a:r>
-          </a:p>
-          <a:p>
-            <a:r>
-              <a:rPr lang="en-US" sz="3600" b="0" dirty="0">
-                <a:solidFill>
-                  <a:schemeClr val="tx1"/>
-                </a:solidFill>
-                <a:latin typeface="+mn-lt"/>
-              </a:rPr>
-              <a:t>Which do you choose?</a:t>
-            </a:r>
-          </a:p>
-          <a:p>
-            <a:endParaRPr lang="en-US" sz="3600" b="0" dirty="0">
-              <a:solidFill>
-                <a:schemeClr val="tx1"/>
-              </a:solidFill>
-              <a:latin typeface="+mn-lt"/>
-            </a:endParaRPr>
-          </a:p>
-          <a:p>
-            <a:endParaRPr lang="en-US" sz="3600" b="0" dirty="0">
-              <a:solidFill>
-                <a:schemeClr val="tx1"/>
-              </a:solidFill>
-              <a:latin typeface="+mn-lt"/>
-            </a:endParaRPr>
-          </a:p>
-          <a:p>
-            <a:endParaRPr lang="en-US" sz="3600" b="0" dirty="0">
-              <a:solidFill>
-                <a:schemeClr val="tx1"/>
-              </a:solidFill>
-              <a:latin typeface="+mn-lt"/>
-            </a:endParaRPr>
-          </a:p>
-        </p:txBody>
-      </p:sp>
-    </p:spTree>
-    <p:extLst>
-      <p:ext uri="{BB962C8B-B14F-4D97-AF65-F5344CB8AC3E}">
-        <p14:creationId xmlns:p14="http://schemas.microsoft.com/office/powerpoint/2010/main" val="1505754665"/>
-      </p:ext>
-    </p:extLst>
-  </p:cSld>
-  <p:clrMapOvr>
-    <a:masterClrMapping/>
-  </p:clrMapOvr>
-  <p:timing>
-    <p:tnLst>
-      <p:par>
-        <p:cTn id="1" dur="indefinite" restart="never" nodeType="tmRoot">
-          <p:childTnLst>
-            <p:seq concurrent="1" nextAc="seek">
-              <p:cTn id="2" dur="indefinite" nodeType="mainSeq">
-                <p:childTnLst>
-                  <p:par>
-                    <p:cTn id="3" fill="hold">
-                      <p:stCondLst>
-                        <p:cond delay="indefinite"/>
-                      </p:stCondLst>
-                      <p:childTnLst>
-                        <p:par>
-                          <p:cTn id="4" fill="hold">
-                            <p:stCondLst>
-                              <p:cond delay="0"/>
-                            </p:stCondLst>
-                            <p:childTnLst>
-                              <p:par>
-                                <p:cTn id="5" presetID="1" presetClass="entr" presetSubtype="0" fill="hold" grpId="0" nodeType="clickEffect">
-                                  <p:stCondLst>
-                                    <p:cond delay="0"/>
-                                  </p:stCondLst>
-                                  <p:childTnLst>
-                                    <p:set>
-                                      <p:cBhvr>
-                                        <p:cTn id="6" dur="1" fill="hold">
-                                          <p:stCondLst>
-                                            <p:cond delay="0"/>
-                                          </p:stCondLst>
-                                        </p:cTn>
-                                        <p:tgtEl>
-                                          <p:spTgt spid="7">
-                                            <p:txEl>
-                                              <p:pRg st="0" end="0"/>
-                                            </p:txEl>
-                                          </p:spTgt>
-                                        </p:tgtEl>
-                                        <p:attrNameLst>
-                                          <p:attrName>style.visibility</p:attrName>
-                                        </p:attrNameLst>
-                                      </p:cBhvr>
-                                      <p:to>
-                                        <p:strVal val="visible"/>
-                                      </p:to>
-                                    </p:set>
-                                  </p:childTnLst>
-                                </p:cTn>
-                              </p:par>
-                              <p:par>
-                                <p:cTn id="7" presetID="1" presetClass="entr" presetSubtype="0" fill="hold" grpId="0" nodeType="withEffect">
-                                  <p:stCondLst>
-                                    <p:cond delay="0"/>
-                                  </p:stCondLst>
-                                  <p:childTnLst>
-                                    <p:set>
-                                      <p:cBhvr>
-                                        <p:cTn id="8" dur="1" fill="hold">
-                                          <p:stCondLst>
-                                            <p:cond delay="0"/>
-                                          </p:stCondLst>
-                                        </p:cTn>
-                                        <p:tgtEl>
-                                          <p:spTgt spid="7">
-                                            <p:txEl>
-                                              <p:pRg st="1" end="1"/>
-                                            </p:txEl>
-                                          </p:spTgt>
-                                        </p:tgtEl>
-                                        <p:attrNameLst>
-                                          <p:attrName>style.visibility</p:attrName>
-                                        </p:attrNameLst>
-                                      </p:cBhvr>
-                                      <p:to>
-                                        <p:strVal val="visible"/>
-                                      </p:to>
-                                    </p:set>
-                                  </p:childTnLst>
-                                </p:cTn>
-                              </p:par>
-                              <p:par>
-                                <p:cTn id="9" presetID="1" presetClass="entr" presetSubtype="0" fill="hold" grpId="0" nodeType="withEffect">
-                                  <p:stCondLst>
-                                    <p:cond delay="0"/>
-                                  </p:stCondLst>
-                                  <p:childTnLst>
-                                    <p:set>
-                                      <p:cBhvr>
-                                        <p:cTn id="10" dur="1" fill="hold">
-                                          <p:stCondLst>
-                                            <p:cond delay="0"/>
-                                          </p:stCondLst>
-                                        </p:cTn>
-                                        <p:tgtEl>
-                                          <p:spTgt spid="7">
-                                            <p:txEl>
-                                              <p:pRg st="2" end="2"/>
-                                            </p:txEl>
-                                          </p:spTgt>
-                                        </p:tgtEl>
-                                        <p:attrNameLst>
-                                          <p:attrName>style.visibility</p:attrName>
-                                        </p:attrNameLst>
-                                      </p:cBhvr>
-                                      <p:to>
-                                        <p:strVal val="visible"/>
-                                      </p:to>
-                                    </p:set>
-                                  </p:childTnLst>
-                                </p:cTn>
-                              </p:par>
-                            </p:childTnLst>
-                          </p:cTn>
-                        </p:par>
-                      </p:childTnLst>
-                    </p:cTn>
-                  </p:par>
-                  <p:par>
-                    <p:cTn id="11" fill="hold">
-                      <p:stCondLst>
-                        <p:cond delay="indefinite"/>
-                      </p:stCondLst>
-                      <p:childTnLst>
-                        <p:par>
-                          <p:cTn id="12" fill="hold">
-                            <p:stCondLst>
-                              <p:cond delay="0"/>
-                            </p:stCondLst>
-                            <p:childTnLst>
-                              <p:par>
-                                <p:cTn id="13" presetID="1" presetClass="entr" presetSubtype="0" fill="hold" grpId="0" nodeType="clickEffect">
-                                  <p:stCondLst>
-                                    <p:cond delay="0"/>
-                                  </p:stCondLst>
-                                  <p:childTnLst>
-                                    <p:set>
-                                      <p:cBhvr>
-                                        <p:cTn id="14" dur="1" fill="hold">
-                                          <p:stCondLst>
-                                            <p:cond delay="0"/>
-                                          </p:stCondLst>
-                                        </p:cTn>
-                                        <p:tgtEl>
-                                          <p:spTgt spid="7">
-                                            <p:txEl>
-                                              <p:pRg st="3" end="3"/>
-                                            </p:txEl>
-                                          </p:spTgt>
-                                        </p:tgtEl>
-                                        <p:attrNameLst>
-                                          <p:attrName>style.visibility</p:attrName>
-                                        </p:attrNameLst>
-                                      </p:cBhvr>
-                                      <p:to>
-                                        <p:strVal val="visible"/>
-                                      </p:to>
-                                    </p:set>
-                                  </p:childTnLst>
-                                </p:cTn>
-                              </p:par>
-                            </p:childTnLst>
-                          </p:cTn>
-                        </p:par>
-                      </p:childTnLst>
-                    </p:cTn>
-                  </p:par>
-                  <p:par>
-                    <p:cTn id="15" fill="hold">
-                      <p:stCondLst>
-                        <p:cond delay="indefinite"/>
-                      </p:stCondLst>
-                      <p:childTnLst>
-                        <p:par>
-                          <p:cTn id="16" fill="hold">
-                            <p:stCondLst>
-                              <p:cond delay="0"/>
-                            </p:stCondLst>
-                            <p:childTnLst>
-                              <p:par>
-                                <p:cTn id="17" presetID="1" presetClass="entr" presetSubtype="0" fill="hold" grpId="0" nodeType="clickEffect">
-                                  <p:stCondLst>
-                                    <p:cond delay="0"/>
-                                  </p:stCondLst>
-                                  <p:childTnLst>
-                                    <p:set>
-                                      <p:cBhvr>
-                                        <p:cTn id="18" dur="1" fill="hold">
-                                          <p:stCondLst>
-                                            <p:cond delay="0"/>
-                                          </p:stCondLst>
-                                        </p:cTn>
-                                        <p:tgtEl>
-                                          <p:spTgt spid="7">
-                                            <p:txEl>
-                                              <p:pRg st="4" end="4"/>
-                                            </p:txEl>
-                                          </p:spTgt>
-                                        </p:tgtEl>
-                                        <p:attrNameLst>
-                                          <p:attrName>style.visibility</p:attrName>
-                                        </p:attrNameLst>
-                                      </p:cBhvr>
-                                      <p:to>
-                                        <p:strVal val="visible"/>
-                                      </p:to>
-                                    </p:set>
-                                  </p:childTnLst>
-                                </p:cTn>
-                              </p:par>
-                            </p:childTnLst>
-                          </p:cTn>
-                        </p:par>
-                      </p:childTnLst>
-                    </p:cTn>
-                  </p:par>
-                </p:childTnLst>
-              </p:cTn>
-              <p:prevCondLst>
-                <p:cond evt="onPrev" delay="0">
-                  <p:tgtEl>
-                    <p:sldTgt/>
-                  </p:tgtEl>
-                </p:cond>
-              </p:prevCondLst>
-              <p:nextCondLst>
-                <p:cond evt="onNext" delay="0">
-                  <p:tgtEl>
-                    <p:sldTgt/>
-                  </p:tgtEl>
-                </p:cond>
-              </p:nextCondLst>
-            </p:seq>
-          </p:childTnLst>
-        </p:cTn>
-      </p:par>
-    </p:tnLst>
-    <p:bldLst>
-      <p:bldP spid="7" grpId="0" uiExpand="1" build="allAtOnce"/>
     </p:bldLst>
   </p:timing>
 </p:sld>
@@ -19370,6 +19260,507 @@
         </p:nvSpPr>
         <p:spPr>
           <a:xfrm>
+            <a:off x="296613" y="839973"/>
+            <a:ext cx="5157889" cy="4444408"/>
+          </a:xfrm>
+          <a:prstGeom prst="rect">
+            <a:avLst/>
+          </a:prstGeom>
+        </p:spPr>
+        <p:txBody>
+          <a:bodyPr vert="horz" lIns="91440" tIns="45720" rIns="91440" bIns="45720" rtlCol="0" anchor="t">
+            <a:noAutofit/>
+          </a:bodyPr>
+          <a:lstStyle>
+            <a:lvl1pPr algn="l" defTabSz="914400" rtl="0" eaLnBrk="1" latinLnBrk="0" hangingPunct="1">
+              <a:spcBef>
+                <a:spcPct val="0"/>
+              </a:spcBef>
+              <a:buNone/>
+              <a:defRPr sz="4000" b="1" kern="1200" baseline="0">
+                <a:solidFill>
+                  <a:srgbClr val="4F2683"/>
+                </a:solidFill>
+                <a:latin typeface="+mj-lt"/>
+                <a:ea typeface="+mj-ea"/>
+                <a:cs typeface="+mj-cs"/>
+              </a:defRPr>
+            </a:lvl1pPr>
+          </a:lstStyle>
+          <a:p>
+            <a:r>
+              <a:rPr lang="en-US" sz="3600" b="0" dirty="0">
+                <a:solidFill>
+                  <a:srgbClr val="C00000"/>
+                </a:solidFill>
+                <a:latin typeface="+mn-lt"/>
+              </a:rPr>
+              <a:t>But you can probably spread peanut butter with any of those, if you try hard enough. You cannot test “Best Practices” or “Industry Standards” for peanut butter distribution. So you change your Goal Statement.</a:t>
+            </a:r>
+          </a:p>
+        </p:txBody>
+      </p:sp>
+      <p:sp>
+        <p:nvSpPr>
+          <p:cNvPr id="7" name="Title 4"/>
+          <p:cNvSpPr txBox="1">
+            <a:spLocks/>
+          </p:cNvSpPr>
+          <p:nvPr/>
+        </p:nvSpPr>
+        <p:spPr>
+          <a:xfrm>
+            <a:off x="5454502" y="839973"/>
+            <a:ext cx="6453963" cy="4444408"/>
+          </a:xfrm>
+          <a:prstGeom prst="rect">
+            <a:avLst/>
+          </a:prstGeom>
+        </p:spPr>
+        <p:txBody>
+          <a:bodyPr vert="horz" lIns="91440" tIns="45720" rIns="91440" bIns="45720" rtlCol="0" anchor="t">
+            <a:noAutofit/>
+          </a:bodyPr>
+          <a:lstStyle>
+            <a:lvl1pPr algn="l" defTabSz="914400" rtl="0" eaLnBrk="1" latinLnBrk="0" hangingPunct="1">
+              <a:spcBef>
+                <a:spcPct val="0"/>
+              </a:spcBef>
+              <a:buNone/>
+              <a:defRPr sz="4000" b="1" kern="1200" baseline="0">
+                <a:solidFill>
+                  <a:srgbClr val="4F2683"/>
+                </a:solidFill>
+                <a:latin typeface="+mj-lt"/>
+                <a:ea typeface="+mj-ea"/>
+                <a:cs typeface="+mj-cs"/>
+              </a:defRPr>
+            </a:lvl1pPr>
+          </a:lstStyle>
+          <a:p>
+            <a:r>
+              <a:rPr lang="en-US" sz="3600" b="0" dirty="0">
+                <a:solidFill>
+                  <a:schemeClr val="tx1"/>
+                </a:solidFill>
+                <a:latin typeface="+mn-lt"/>
+              </a:rPr>
+              <a:t>For example:</a:t>
+            </a:r>
+          </a:p>
+          <a:p>
+            <a:r>
+              <a:rPr lang="en-US" sz="3600" b="0" dirty="0">
+                <a:solidFill>
+                  <a:schemeClr val="tx1"/>
+                </a:solidFill>
+                <a:latin typeface="+mn-lt"/>
+              </a:rPr>
+              <a:t>You are making a sandwich.</a:t>
+            </a:r>
+          </a:p>
+          <a:p>
+            <a:r>
+              <a:rPr lang="en-US" sz="3600" b="0" dirty="0">
+                <a:solidFill>
+                  <a:schemeClr val="tx1"/>
+                </a:solidFill>
+                <a:latin typeface="+mn-lt"/>
+              </a:rPr>
+              <a:t>You must make the sandwich with peanut butter.</a:t>
+            </a:r>
+          </a:p>
+          <a:p>
+            <a:r>
+              <a:rPr lang="en-US" sz="3600" b="0" dirty="0">
+                <a:solidFill>
+                  <a:srgbClr val="C00000"/>
+                </a:solidFill>
+                <a:latin typeface="+mn-lt"/>
+              </a:rPr>
+              <a:t>You need to choose a utensil</a:t>
+            </a:r>
+            <a:r>
+              <a:rPr lang="en-US" sz="3600" dirty="0">
+                <a:solidFill>
+                  <a:srgbClr val="C00000"/>
+                </a:solidFill>
+                <a:latin typeface="+mn-lt"/>
+              </a:rPr>
+              <a:t> that will spread the peanut butter by using the least amount of administrative effort.</a:t>
+            </a:r>
+          </a:p>
+          <a:p>
+            <a:r>
+              <a:rPr lang="en-US" sz="3600" b="0" dirty="0">
+                <a:solidFill>
+                  <a:schemeClr val="tx1"/>
+                </a:solidFill>
+                <a:latin typeface="+mn-lt"/>
+              </a:rPr>
+              <a:t>Which do you choose?</a:t>
+            </a:r>
+          </a:p>
+          <a:p>
+            <a:endParaRPr lang="en-US" sz="3600" b="0" dirty="0">
+              <a:solidFill>
+                <a:schemeClr val="tx1"/>
+              </a:solidFill>
+              <a:latin typeface="+mn-lt"/>
+            </a:endParaRPr>
+          </a:p>
+          <a:p>
+            <a:endParaRPr lang="en-US" sz="3600" b="0" dirty="0">
+              <a:solidFill>
+                <a:schemeClr val="tx1"/>
+              </a:solidFill>
+              <a:latin typeface="+mn-lt"/>
+            </a:endParaRPr>
+          </a:p>
+          <a:p>
+            <a:endParaRPr lang="en-US" sz="3600" b="0" dirty="0">
+              <a:solidFill>
+                <a:schemeClr val="tx1"/>
+              </a:solidFill>
+              <a:latin typeface="+mn-lt"/>
+            </a:endParaRPr>
+          </a:p>
+        </p:txBody>
+      </p:sp>
+    </p:spTree>
+    <p:extLst>
+      <p:ext uri="{BB962C8B-B14F-4D97-AF65-F5344CB8AC3E}">
+        <p14:creationId xmlns:p14="http://schemas.microsoft.com/office/powerpoint/2010/main" val="1505754665"/>
+      </p:ext>
+    </p:extLst>
+  </p:cSld>
+  <p:clrMapOvr>
+    <a:masterClrMapping/>
+  </p:clrMapOvr>
+  <p:timing>
+    <p:tnLst>
+      <p:par>
+        <p:cTn id="1" dur="indefinite" restart="never" nodeType="tmRoot">
+          <p:childTnLst>
+            <p:seq concurrent="1" nextAc="seek">
+              <p:cTn id="2" dur="indefinite" nodeType="mainSeq">
+                <p:childTnLst>
+                  <p:par>
+                    <p:cTn id="3" fill="hold">
+                      <p:stCondLst>
+                        <p:cond delay="indefinite"/>
+                      </p:stCondLst>
+                      <p:childTnLst>
+                        <p:par>
+                          <p:cTn id="4" fill="hold">
+                            <p:stCondLst>
+                              <p:cond delay="0"/>
+                            </p:stCondLst>
+                            <p:childTnLst>
+                              <p:par>
+                                <p:cTn id="5" presetID="1" presetClass="entr" presetSubtype="0" fill="hold" grpId="0" nodeType="clickEffect">
+                                  <p:stCondLst>
+                                    <p:cond delay="0"/>
+                                  </p:stCondLst>
+                                  <p:childTnLst>
+                                    <p:set>
+                                      <p:cBhvr>
+                                        <p:cTn id="6" dur="1" fill="hold">
+                                          <p:stCondLst>
+                                            <p:cond delay="0"/>
+                                          </p:stCondLst>
+                                        </p:cTn>
+                                        <p:tgtEl>
+                                          <p:spTgt spid="7">
+                                            <p:txEl>
+                                              <p:pRg st="0" end="0"/>
+                                            </p:txEl>
+                                          </p:spTgt>
+                                        </p:tgtEl>
+                                        <p:attrNameLst>
+                                          <p:attrName>style.visibility</p:attrName>
+                                        </p:attrNameLst>
+                                      </p:cBhvr>
+                                      <p:to>
+                                        <p:strVal val="visible"/>
+                                      </p:to>
+                                    </p:set>
+                                  </p:childTnLst>
+                                </p:cTn>
+                              </p:par>
+                              <p:par>
+                                <p:cTn id="7" presetID="1" presetClass="entr" presetSubtype="0" fill="hold" grpId="0" nodeType="withEffect">
+                                  <p:stCondLst>
+                                    <p:cond delay="0"/>
+                                  </p:stCondLst>
+                                  <p:childTnLst>
+                                    <p:set>
+                                      <p:cBhvr>
+                                        <p:cTn id="8" dur="1" fill="hold">
+                                          <p:stCondLst>
+                                            <p:cond delay="0"/>
+                                          </p:stCondLst>
+                                        </p:cTn>
+                                        <p:tgtEl>
+                                          <p:spTgt spid="7">
+                                            <p:txEl>
+                                              <p:pRg st="1" end="1"/>
+                                            </p:txEl>
+                                          </p:spTgt>
+                                        </p:tgtEl>
+                                        <p:attrNameLst>
+                                          <p:attrName>style.visibility</p:attrName>
+                                        </p:attrNameLst>
+                                      </p:cBhvr>
+                                      <p:to>
+                                        <p:strVal val="visible"/>
+                                      </p:to>
+                                    </p:set>
+                                  </p:childTnLst>
+                                </p:cTn>
+                              </p:par>
+                              <p:par>
+                                <p:cTn id="9" presetID="1" presetClass="entr" presetSubtype="0" fill="hold" grpId="0" nodeType="withEffect">
+                                  <p:stCondLst>
+                                    <p:cond delay="0"/>
+                                  </p:stCondLst>
+                                  <p:childTnLst>
+                                    <p:set>
+                                      <p:cBhvr>
+                                        <p:cTn id="10" dur="1" fill="hold">
+                                          <p:stCondLst>
+                                            <p:cond delay="0"/>
+                                          </p:stCondLst>
+                                        </p:cTn>
+                                        <p:tgtEl>
+                                          <p:spTgt spid="7">
+                                            <p:txEl>
+                                              <p:pRg st="2" end="2"/>
+                                            </p:txEl>
+                                          </p:spTgt>
+                                        </p:tgtEl>
+                                        <p:attrNameLst>
+                                          <p:attrName>style.visibility</p:attrName>
+                                        </p:attrNameLst>
+                                      </p:cBhvr>
+                                      <p:to>
+                                        <p:strVal val="visible"/>
+                                      </p:to>
+                                    </p:set>
+                                  </p:childTnLst>
+                                </p:cTn>
+                              </p:par>
+                            </p:childTnLst>
+                          </p:cTn>
+                        </p:par>
+                      </p:childTnLst>
+                    </p:cTn>
+                  </p:par>
+                  <p:par>
+                    <p:cTn id="11" fill="hold">
+                      <p:stCondLst>
+                        <p:cond delay="indefinite"/>
+                      </p:stCondLst>
+                      <p:childTnLst>
+                        <p:par>
+                          <p:cTn id="12" fill="hold">
+                            <p:stCondLst>
+                              <p:cond delay="0"/>
+                            </p:stCondLst>
+                            <p:childTnLst>
+                              <p:par>
+                                <p:cTn id="13" presetID="1" presetClass="entr" presetSubtype="0" fill="hold" grpId="0" nodeType="clickEffect">
+                                  <p:stCondLst>
+                                    <p:cond delay="0"/>
+                                  </p:stCondLst>
+                                  <p:childTnLst>
+                                    <p:set>
+                                      <p:cBhvr>
+                                        <p:cTn id="14" dur="1" fill="hold">
+                                          <p:stCondLst>
+                                            <p:cond delay="0"/>
+                                          </p:stCondLst>
+                                        </p:cTn>
+                                        <p:tgtEl>
+                                          <p:spTgt spid="7">
+                                            <p:txEl>
+                                              <p:pRg st="3" end="3"/>
+                                            </p:txEl>
+                                          </p:spTgt>
+                                        </p:tgtEl>
+                                        <p:attrNameLst>
+                                          <p:attrName>style.visibility</p:attrName>
+                                        </p:attrNameLst>
+                                      </p:cBhvr>
+                                      <p:to>
+                                        <p:strVal val="visible"/>
+                                      </p:to>
+                                    </p:set>
+                                  </p:childTnLst>
+                                </p:cTn>
+                              </p:par>
+                            </p:childTnLst>
+                          </p:cTn>
+                        </p:par>
+                      </p:childTnLst>
+                    </p:cTn>
+                  </p:par>
+                  <p:par>
+                    <p:cTn id="15" fill="hold">
+                      <p:stCondLst>
+                        <p:cond delay="indefinite"/>
+                      </p:stCondLst>
+                      <p:childTnLst>
+                        <p:par>
+                          <p:cTn id="16" fill="hold">
+                            <p:stCondLst>
+                              <p:cond delay="0"/>
+                            </p:stCondLst>
+                            <p:childTnLst>
+                              <p:par>
+                                <p:cTn id="17" presetID="1" presetClass="entr" presetSubtype="0" fill="hold" grpId="0" nodeType="clickEffect">
+                                  <p:stCondLst>
+                                    <p:cond delay="0"/>
+                                  </p:stCondLst>
+                                  <p:childTnLst>
+                                    <p:set>
+                                      <p:cBhvr>
+                                        <p:cTn id="18" dur="1" fill="hold">
+                                          <p:stCondLst>
+                                            <p:cond delay="0"/>
+                                          </p:stCondLst>
+                                        </p:cTn>
+                                        <p:tgtEl>
+                                          <p:spTgt spid="7">
+                                            <p:txEl>
+                                              <p:pRg st="4" end="4"/>
+                                            </p:txEl>
+                                          </p:spTgt>
+                                        </p:tgtEl>
+                                        <p:attrNameLst>
+                                          <p:attrName>style.visibility</p:attrName>
+                                        </p:attrNameLst>
+                                      </p:cBhvr>
+                                      <p:to>
+                                        <p:strVal val="visible"/>
+                                      </p:to>
+                                    </p:set>
+                                  </p:childTnLst>
+                                </p:cTn>
+                              </p:par>
+                            </p:childTnLst>
+                          </p:cTn>
+                        </p:par>
+                      </p:childTnLst>
+                    </p:cTn>
+                  </p:par>
+                </p:childTnLst>
+              </p:cTn>
+              <p:prevCondLst>
+                <p:cond evt="onPrev" delay="0">
+                  <p:tgtEl>
+                    <p:sldTgt/>
+                  </p:tgtEl>
+                </p:cond>
+              </p:prevCondLst>
+              <p:nextCondLst>
+                <p:cond evt="onNext" delay="0">
+                  <p:tgtEl>
+                    <p:sldTgt/>
+                  </p:tgtEl>
+                </p:cond>
+              </p:nextCondLst>
+            </p:seq>
+          </p:childTnLst>
+        </p:cTn>
+      </p:par>
+    </p:tnLst>
+    <p:bldLst>
+      <p:bldP spid="7" grpId="0" uiExpand="1" build="allAtOnce"/>
+    </p:bldLst>
+  </p:timing>
+</p:sld>
+</file>
+
+<file path=ppt/slides/slide31.xml><?xml version="1.0" encoding="utf-8"?>
+<p:sld xmlns:a="http://schemas.openxmlformats.org/drawingml/2006/main" xmlns:r="http://schemas.openxmlformats.org/officeDocument/2006/relationships" xmlns:p="http://schemas.openxmlformats.org/presentationml/2006/main">
+  <p:cSld>
+    <p:spTree>
+      <p:nvGrpSpPr>
+        <p:cNvPr id="1" name=""/>
+        <p:cNvGrpSpPr/>
+        <p:nvPr/>
+      </p:nvGrpSpPr>
+      <p:grpSpPr>
+        <a:xfrm>
+          <a:off x="0" y="0"/>
+          <a:ext cx="0" cy="0"/>
+          <a:chOff x="0" y="0"/>
+          <a:chExt cx="0" cy="0"/>
+        </a:xfrm>
+      </p:grpSpPr>
+      <p:sp>
+        <p:nvSpPr>
+          <p:cNvPr id="5" name="Title 4"/>
+          <p:cNvSpPr>
+            <a:spLocks noGrp="1"/>
+          </p:cNvSpPr>
+          <p:nvPr>
+            <p:ph type="title"/>
+          </p:nvPr>
+        </p:nvSpPr>
+        <p:spPr/>
+        <p:txBody>
+          <a:bodyPr>
+            <a:normAutofit/>
+          </a:bodyPr>
+          <a:lstStyle/>
+          <a:p>
+            <a:r>
+              <a:rPr lang="en-US" dirty="0"/>
+              <a:t>Writing the Wrong Answers Is Most Difficult</a:t>
+            </a:r>
+          </a:p>
+        </p:txBody>
+      </p:sp>
+      <p:sp>
+        <p:nvSpPr>
+          <p:cNvPr id="4" name="Slide Number Placeholder 3"/>
+          <p:cNvSpPr>
+            <a:spLocks noGrp="1"/>
+          </p:cNvSpPr>
+          <p:nvPr>
+            <p:ph type="sldNum" sz="quarter" idx="4294967295"/>
+          </p:nvPr>
+        </p:nvSpPr>
+        <p:spPr>
+          <a:xfrm>
+            <a:off x="9347200" y="6356350"/>
+            <a:ext cx="2844800" cy="365125"/>
+          </a:xfrm>
+        </p:spPr>
+        <p:txBody>
+          <a:bodyPr/>
+          <a:lstStyle/>
+          <a:p>
+            <a:fld id="{CC077DB7-DE37-4EA7-B5C7-4FE1B440C5DB}" type="slidenum">
+              <a:rPr lang="en-US" smtClean="0"/>
+              <a:t>31</a:t>
+            </a:fld>
+            <a:endParaRPr lang="en-US"/>
+          </a:p>
+        </p:txBody>
+      </p:sp>
+      <p:sp>
+        <p:nvSpPr>
+          <p:cNvPr id="6" name="Title 4"/>
+          <p:cNvSpPr txBox="1">
+            <a:spLocks/>
+          </p:cNvSpPr>
+          <p:nvPr/>
+        </p:nvSpPr>
+        <p:spPr>
+          <a:xfrm>
             <a:off x="296614" y="839973"/>
             <a:ext cx="4890848" cy="4444408"/>
           </a:xfrm>
@@ -19752,7 +20143,7 @@
 </p:sld>
 </file>
 
-<file path=ppt/slides/slide31.xml><?xml version="1.0" encoding="utf-8"?>
+<file path=ppt/slides/slide32.xml><?xml version="1.0" encoding="utf-8"?>
 <p:sld xmlns:a="http://schemas.openxmlformats.org/drawingml/2006/main" xmlns:r="http://schemas.openxmlformats.org/officeDocument/2006/relationships" xmlns:p="http://schemas.openxmlformats.org/presentationml/2006/main">
   <p:cSld>
     <p:spTree>
@@ -19815,7 +20206,7 @@
           <a:p>
             <a:fld id="{CC077DB7-DE37-4EA7-B5C7-4FE1B440C5DB}" type="slidenum">
               <a:rPr lang="en-US" smtClean="0"/>
-              <a:t>31</a:t>
+              <a:t>32</a:t>
             </a:fld>
             <a:endParaRPr lang="en-US"/>
           </a:p>
@@ -20288,7 +20679,7 @@
 </p:sld>
 </file>
 
-<file path=ppt/slides/slide32.xml><?xml version="1.0" encoding="utf-8"?>
+<file path=ppt/slides/slide33.xml><?xml version="1.0" encoding="utf-8"?>
 <p:sld xmlns:a="http://schemas.openxmlformats.org/drawingml/2006/main" xmlns:r="http://schemas.openxmlformats.org/officeDocument/2006/relationships" xmlns:p="http://schemas.openxmlformats.org/presentationml/2006/main">
   <p:cSld>
     <p:spTree>
@@ -20351,7 +20742,7 @@
           <a:p>
             <a:fld id="{CC077DB7-DE37-4EA7-B5C7-4FE1B440C5DB}" type="slidenum">
               <a:rPr lang="en-US" smtClean="0"/>
-              <a:t>32</a:t>
+              <a:t>33</a:t>
             </a:fld>
             <a:endParaRPr lang="en-US"/>
           </a:p>
@@ -20826,7 +21217,7 @@
 </p:sld>
 </file>
 
-<file path=ppt/slides/slide33.xml><?xml version="1.0" encoding="utf-8"?>
+<file path=ppt/slides/slide34.xml><?xml version="1.0" encoding="utf-8"?>
 <p:sld xmlns:a="http://schemas.openxmlformats.org/drawingml/2006/main" xmlns:r="http://schemas.openxmlformats.org/officeDocument/2006/relationships" xmlns:p="http://schemas.openxmlformats.org/presentationml/2006/main">
   <p:cSld>
     <p:spTree>
@@ -20889,7 +21280,7 @@
           <a:p>
             <a:fld id="{CC077DB7-DE37-4EA7-B5C7-4FE1B440C5DB}" type="slidenum">
               <a:rPr lang="en-US" smtClean="0"/>
-              <a:t>33</a:t>
+              <a:t>34</a:t>
             </a:fld>
             <a:endParaRPr lang="en-US"/>
           </a:p>
@@ -21395,318 +21786,6 @@
 </p:sld>
 </file>
 
-<file path=ppt/slides/slide34.xml><?xml version="1.0" encoding="utf-8"?>
-<p:sld xmlns:a="http://schemas.openxmlformats.org/drawingml/2006/main" xmlns:r="http://schemas.openxmlformats.org/officeDocument/2006/relationships" xmlns:p="http://schemas.openxmlformats.org/presentationml/2006/main">
-  <p:cSld>
-    <p:spTree>
-      <p:nvGrpSpPr>
-        <p:cNvPr id="1" name=""/>
-        <p:cNvGrpSpPr/>
-        <p:nvPr/>
-      </p:nvGrpSpPr>
-      <p:grpSpPr>
-        <a:xfrm>
-          <a:off x="0" y="0"/>
-          <a:ext cx="0" cy="0"/>
-          <a:chOff x="0" y="0"/>
-          <a:chExt cx="0" cy="0"/>
-        </a:xfrm>
-      </p:grpSpPr>
-      <p:sp>
-        <p:nvSpPr>
-          <p:cNvPr id="5" name="Title 4"/>
-          <p:cNvSpPr>
-            <a:spLocks noGrp="1"/>
-          </p:cNvSpPr>
-          <p:nvPr>
-            <p:ph type="title"/>
-          </p:nvPr>
-        </p:nvSpPr>
-        <p:spPr/>
-        <p:txBody>
-          <a:bodyPr>
-            <a:normAutofit/>
-          </a:bodyPr>
-          <a:lstStyle/>
-          <a:p>
-            <a:r>
-              <a:rPr lang="en-US" dirty="0"/>
-              <a:t>Writing the Wrong Answers Is Most Difficult</a:t>
-            </a:r>
-          </a:p>
-        </p:txBody>
-      </p:sp>
-      <p:sp>
-        <p:nvSpPr>
-          <p:cNvPr id="4" name="Slide Number Placeholder 3"/>
-          <p:cNvSpPr>
-            <a:spLocks noGrp="1"/>
-          </p:cNvSpPr>
-          <p:nvPr>
-            <p:ph type="sldNum" sz="quarter" idx="4294967295"/>
-          </p:nvPr>
-        </p:nvSpPr>
-        <p:spPr>
-          <a:xfrm>
-            <a:off x="9347200" y="6356350"/>
-            <a:ext cx="2844800" cy="365125"/>
-          </a:xfrm>
-        </p:spPr>
-        <p:txBody>
-          <a:bodyPr/>
-          <a:lstStyle/>
-          <a:p>
-            <a:fld id="{CC077DB7-DE37-4EA7-B5C7-4FE1B440C5DB}" type="slidenum">
-              <a:rPr lang="en-US" smtClean="0"/>
-              <a:t>34</a:t>
-            </a:fld>
-            <a:endParaRPr lang="en-US"/>
-          </a:p>
-        </p:txBody>
-      </p:sp>
-      <p:sp>
-        <p:nvSpPr>
-          <p:cNvPr id="6" name="Title 4"/>
-          <p:cNvSpPr txBox="1">
-            <a:spLocks/>
-          </p:cNvSpPr>
-          <p:nvPr/>
-        </p:nvSpPr>
-        <p:spPr>
-          <a:xfrm>
-            <a:off x="296613" y="839973"/>
-            <a:ext cx="4556741" cy="4444408"/>
-          </a:xfrm>
-          <a:prstGeom prst="rect">
-            <a:avLst/>
-          </a:prstGeom>
-        </p:spPr>
-        <p:txBody>
-          <a:bodyPr vert="horz" lIns="91440" tIns="45720" rIns="91440" bIns="45720" rtlCol="0" anchor="t">
-            <a:noAutofit/>
-          </a:bodyPr>
-          <a:lstStyle>
-            <a:lvl1pPr algn="l" defTabSz="914400" rtl="0" eaLnBrk="1" latinLnBrk="0" hangingPunct="1">
-              <a:spcBef>
-                <a:spcPct val="0"/>
-              </a:spcBef>
-              <a:buNone/>
-              <a:defRPr sz="4000" b="1" kern="1200" baseline="0">
-                <a:solidFill>
-                  <a:srgbClr val="4F2683"/>
-                </a:solidFill>
-                <a:latin typeface="+mj-lt"/>
-                <a:ea typeface="+mj-ea"/>
-                <a:cs typeface="+mj-cs"/>
-              </a:defRPr>
-            </a:lvl1pPr>
-          </a:lstStyle>
-          <a:p>
-            <a:r>
-              <a:rPr lang="en-US" sz="3600" b="0" dirty="0">
-                <a:solidFill>
-                  <a:srgbClr val="C00000"/>
-                </a:solidFill>
-                <a:latin typeface="+mn-lt"/>
-              </a:rPr>
-              <a:t>Boom, now Sporks are CLEARLY not allowed (for no good real-life reason, only one made up for this question). </a:t>
-            </a:r>
-            <a:br>
-              <a:rPr lang="en-US" sz="3600" b="0" dirty="0">
-                <a:solidFill>
-                  <a:srgbClr val="C00000"/>
-                </a:solidFill>
-                <a:latin typeface="+mn-lt"/>
-              </a:rPr>
-            </a:br>
-            <a:r>
-              <a:rPr lang="en-US" sz="3600" b="0" dirty="0">
-                <a:solidFill>
-                  <a:srgbClr val="C00000"/>
-                </a:solidFill>
-                <a:latin typeface="+mn-lt"/>
-              </a:rPr>
-              <a:t>An answer is made 100% wrong.</a:t>
-            </a:r>
-          </a:p>
-          <a:p>
-            <a:endParaRPr lang="en-US" sz="3600" b="0" dirty="0">
-              <a:solidFill>
-                <a:srgbClr val="C00000"/>
-              </a:solidFill>
-              <a:latin typeface="+mn-lt"/>
-            </a:endParaRPr>
-          </a:p>
-          <a:p>
-            <a:r>
-              <a:rPr lang="en-US" sz="3600" b="0" dirty="0">
-                <a:solidFill>
-                  <a:srgbClr val="C00000"/>
-                </a:solidFill>
-                <a:latin typeface="+mn-lt"/>
-              </a:rPr>
-              <a:t>But forks remain a problem…</a:t>
-            </a:r>
-          </a:p>
-        </p:txBody>
-      </p:sp>
-      <p:sp>
-        <p:nvSpPr>
-          <p:cNvPr id="7" name="Title 4"/>
-          <p:cNvSpPr txBox="1">
-            <a:spLocks/>
-          </p:cNvSpPr>
-          <p:nvPr/>
-        </p:nvSpPr>
-        <p:spPr>
-          <a:xfrm>
-            <a:off x="5454502" y="839973"/>
-            <a:ext cx="6453963" cy="4444408"/>
-          </a:xfrm>
-          <a:prstGeom prst="rect">
-            <a:avLst/>
-          </a:prstGeom>
-        </p:spPr>
-        <p:txBody>
-          <a:bodyPr vert="horz" lIns="91440" tIns="45720" rIns="91440" bIns="45720" rtlCol="0" anchor="t">
-            <a:noAutofit/>
-          </a:bodyPr>
-          <a:lstStyle>
-            <a:lvl1pPr algn="l" defTabSz="914400" rtl="0" eaLnBrk="1" latinLnBrk="0" hangingPunct="1">
-              <a:spcBef>
-                <a:spcPct val="0"/>
-              </a:spcBef>
-              <a:buNone/>
-              <a:defRPr sz="4000" b="1" kern="1200" baseline="0">
-                <a:solidFill>
-                  <a:srgbClr val="4F2683"/>
-                </a:solidFill>
-                <a:latin typeface="+mj-lt"/>
-                <a:ea typeface="+mj-ea"/>
-                <a:cs typeface="+mj-cs"/>
-              </a:defRPr>
-            </a:lvl1pPr>
-          </a:lstStyle>
-          <a:p>
-            <a:r>
-              <a:rPr lang="en-US" sz="3600" b="0" dirty="0">
-                <a:solidFill>
-                  <a:schemeClr val="tx1"/>
-                </a:solidFill>
-                <a:latin typeface="+mn-lt"/>
-              </a:rPr>
-              <a:t>For example:</a:t>
-            </a:r>
-          </a:p>
-          <a:p>
-            <a:r>
-              <a:rPr lang="en-US" sz="3600" b="0" dirty="0">
-                <a:solidFill>
-                  <a:schemeClr val="tx1"/>
-                </a:solidFill>
-                <a:latin typeface="+mn-lt"/>
-              </a:rPr>
-              <a:t>You are making a sandwich.</a:t>
-            </a:r>
-          </a:p>
-          <a:p>
-            <a:r>
-              <a:rPr lang="en-US" sz="3200" b="0" dirty="0">
-                <a:solidFill>
-                  <a:schemeClr val="tx1"/>
-                </a:solidFill>
-                <a:latin typeface="+mn-lt"/>
-              </a:rPr>
-              <a:t>You must make the sandwich with peanut butter and cut the </a:t>
-            </a:r>
-            <a:br>
-              <a:rPr lang="en-US" sz="3200" b="0" dirty="0">
-                <a:solidFill>
-                  <a:schemeClr val="tx1"/>
-                </a:solidFill>
-                <a:latin typeface="+mn-lt"/>
-              </a:rPr>
-            </a:br>
-            <a:r>
-              <a:rPr lang="en-US" sz="3200" b="0" dirty="0">
-                <a:solidFill>
-                  <a:schemeClr val="tx1"/>
-                </a:solidFill>
-                <a:latin typeface="+mn-lt"/>
-              </a:rPr>
-              <a:t>sandwich in half using the same utensil. </a:t>
-            </a:r>
-            <a:r>
-              <a:rPr lang="en-US" sz="3200" dirty="0">
-                <a:solidFill>
-                  <a:schemeClr val="tx1"/>
-                </a:solidFill>
-                <a:latin typeface="+mn-lt"/>
-              </a:rPr>
-              <a:t>You do not have access to a hybrid utensil environment.</a:t>
-            </a:r>
-          </a:p>
-          <a:p>
-            <a:r>
-              <a:rPr lang="en-US" sz="3200" b="0" dirty="0">
-                <a:solidFill>
-                  <a:schemeClr val="tx1"/>
-                </a:solidFill>
-                <a:latin typeface="+mn-lt"/>
-              </a:rPr>
-              <a:t>You need to choose a utensil that will spread the peanut butter by using the least amount of administrative effort.</a:t>
-            </a:r>
-          </a:p>
-          <a:p>
-            <a:r>
-              <a:rPr lang="en-US" sz="3200" b="0" dirty="0">
-                <a:solidFill>
-                  <a:schemeClr val="tx1"/>
-                </a:solidFill>
-                <a:latin typeface="+mn-lt"/>
-              </a:rPr>
-              <a:t>Which do you choose?</a:t>
-            </a:r>
-          </a:p>
-          <a:p>
-            <a:endParaRPr lang="en-US" sz="3600" b="0" dirty="0">
-              <a:solidFill>
-                <a:schemeClr val="tx1"/>
-              </a:solidFill>
-              <a:latin typeface="+mn-lt"/>
-            </a:endParaRPr>
-          </a:p>
-          <a:p>
-            <a:endParaRPr lang="en-US" sz="3600" b="0" dirty="0">
-              <a:solidFill>
-                <a:schemeClr val="tx1"/>
-              </a:solidFill>
-              <a:latin typeface="+mn-lt"/>
-            </a:endParaRPr>
-          </a:p>
-          <a:p>
-            <a:endParaRPr lang="en-US" sz="3600" b="0" dirty="0">
-              <a:solidFill>
-                <a:schemeClr val="tx1"/>
-              </a:solidFill>
-              <a:latin typeface="+mn-lt"/>
-            </a:endParaRPr>
-          </a:p>
-        </p:txBody>
-      </p:sp>
-    </p:spTree>
-    <p:extLst>
-      <p:ext uri="{BB962C8B-B14F-4D97-AF65-F5344CB8AC3E}">
-        <p14:creationId xmlns:p14="http://schemas.microsoft.com/office/powerpoint/2010/main" val="1917163484"/>
-      </p:ext>
-    </p:extLst>
-  </p:cSld>
-  <p:clrMapOvr>
-    <a:masterClrMapping/>
-  </p:clrMapOvr>
-</p:sld>
-</file>
-
 <file path=ppt/slides/slide35.xml><?xml version="1.0" encoding="utf-8"?>
 <p:sld xmlns:a="http://schemas.openxmlformats.org/drawingml/2006/main" xmlns:r="http://schemas.openxmlformats.org/officeDocument/2006/relationships" xmlns:p="http://schemas.openxmlformats.org/presentationml/2006/main">
   <p:cSld>
@@ -21771,6 +21850,318 @@
             <a:fld id="{CC077DB7-DE37-4EA7-B5C7-4FE1B440C5DB}" type="slidenum">
               <a:rPr lang="en-US" smtClean="0"/>
               <a:t>35</a:t>
+            </a:fld>
+            <a:endParaRPr lang="en-US"/>
+          </a:p>
+        </p:txBody>
+      </p:sp>
+      <p:sp>
+        <p:nvSpPr>
+          <p:cNvPr id="6" name="Title 4"/>
+          <p:cNvSpPr txBox="1">
+            <a:spLocks/>
+          </p:cNvSpPr>
+          <p:nvPr/>
+        </p:nvSpPr>
+        <p:spPr>
+          <a:xfrm>
+            <a:off x="296613" y="839973"/>
+            <a:ext cx="4556741" cy="4444408"/>
+          </a:xfrm>
+          <a:prstGeom prst="rect">
+            <a:avLst/>
+          </a:prstGeom>
+        </p:spPr>
+        <p:txBody>
+          <a:bodyPr vert="horz" lIns="91440" tIns="45720" rIns="91440" bIns="45720" rtlCol="0" anchor="t">
+            <a:noAutofit/>
+          </a:bodyPr>
+          <a:lstStyle>
+            <a:lvl1pPr algn="l" defTabSz="914400" rtl="0" eaLnBrk="1" latinLnBrk="0" hangingPunct="1">
+              <a:spcBef>
+                <a:spcPct val="0"/>
+              </a:spcBef>
+              <a:buNone/>
+              <a:defRPr sz="4000" b="1" kern="1200" baseline="0">
+                <a:solidFill>
+                  <a:srgbClr val="4F2683"/>
+                </a:solidFill>
+                <a:latin typeface="+mj-lt"/>
+                <a:ea typeface="+mj-ea"/>
+                <a:cs typeface="+mj-cs"/>
+              </a:defRPr>
+            </a:lvl1pPr>
+          </a:lstStyle>
+          <a:p>
+            <a:r>
+              <a:rPr lang="en-US" sz="3600" b="0" dirty="0">
+                <a:solidFill>
+                  <a:srgbClr val="C00000"/>
+                </a:solidFill>
+                <a:latin typeface="+mn-lt"/>
+              </a:rPr>
+              <a:t>Boom, now Sporks are CLEARLY not allowed (for no good real-life reason, only one made up for this question). </a:t>
+            </a:r>
+            <a:br>
+              <a:rPr lang="en-US" sz="3600" b="0" dirty="0">
+                <a:solidFill>
+                  <a:srgbClr val="C00000"/>
+                </a:solidFill>
+                <a:latin typeface="+mn-lt"/>
+              </a:rPr>
+            </a:br>
+            <a:r>
+              <a:rPr lang="en-US" sz="3600" b="0" dirty="0">
+                <a:solidFill>
+                  <a:srgbClr val="C00000"/>
+                </a:solidFill>
+                <a:latin typeface="+mn-lt"/>
+              </a:rPr>
+              <a:t>An answer is made 100% wrong.</a:t>
+            </a:r>
+          </a:p>
+          <a:p>
+            <a:endParaRPr lang="en-US" sz="3600" b="0" dirty="0">
+              <a:solidFill>
+                <a:srgbClr val="C00000"/>
+              </a:solidFill>
+              <a:latin typeface="+mn-lt"/>
+            </a:endParaRPr>
+          </a:p>
+          <a:p>
+            <a:r>
+              <a:rPr lang="en-US" sz="3600" b="0" dirty="0">
+                <a:solidFill>
+                  <a:srgbClr val="C00000"/>
+                </a:solidFill>
+                <a:latin typeface="+mn-lt"/>
+              </a:rPr>
+              <a:t>But forks remain a problem…</a:t>
+            </a:r>
+          </a:p>
+        </p:txBody>
+      </p:sp>
+      <p:sp>
+        <p:nvSpPr>
+          <p:cNvPr id="7" name="Title 4"/>
+          <p:cNvSpPr txBox="1">
+            <a:spLocks/>
+          </p:cNvSpPr>
+          <p:nvPr/>
+        </p:nvSpPr>
+        <p:spPr>
+          <a:xfrm>
+            <a:off x="5454502" y="839973"/>
+            <a:ext cx="6453963" cy="4444408"/>
+          </a:xfrm>
+          <a:prstGeom prst="rect">
+            <a:avLst/>
+          </a:prstGeom>
+        </p:spPr>
+        <p:txBody>
+          <a:bodyPr vert="horz" lIns="91440" tIns="45720" rIns="91440" bIns="45720" rtlCol="0" anchor="t">
+            <a:noAutofit/>
+          </a:bodyPr>
+          <a:lstStyle>
+            <a:lvl1pPr algn="l" defTabSz="914400" rtl="0" eaLnBrk="1" latinLnBrk="0" hangingPunct="1">
+              <a:spcBef>
+                <a:spcPct val="0"/>
+              </a:spcBef>
+              <a:buNone/>
+              <a:defRPr sz="4000" b="1" kern="1200" baseline="0">
+                <a:solidFill>
+                  <a:srgbClr val="4F2683"/>
+                </a:solidFill>
+                <a:latin typeface="+mj-lt"/>
+                <a:ea typeface="+mj-ea"/>
+                <a:cs typeface="+mj-cs"/>
+              </a:defRPr>
+            </a:lvl1pPr>
+          </a:lstStyle>
+          <a:p>
+            <a:r>
+              <a:rPr lang="en-US" sz="3600" b="0" dirty="0">
+                <a:solidFill>
+                  <a:schemeClr val="tx1"/>
+                </a:solidFill>
+                <a:latin typeface="+mn-lt"/>
+              </a:rPr>
+              <a:t>For example:</a:t>
+            </a:r>
+          </a:p>
+          <a:p>
+            <a:r>
+              <a:rPr lang="en-US" sz="3600" b="0" dirty="0">
+                <a:solidFill>
+                  <a:schemeClr val="tx1"/>
+                </a:solidFill>
+                <a:latin typeface="+mn-lt"/>
+              </a:rPr>
+              <a:t>You are making a sandwich.</a:t>
+            </a:r>
+          </a:p>
+          <a:p>
+            <a:r>
+              <a:rPr lang="en-US" sz="3200" b="0" dirty="0">
+                <a:solidFill>
+                  <a:schemeClr val="tx1"/>
+                </a:solidFill>
+                <a:latin typeface="+mn-lt"/>
+              </a:rPr>
+              <a:t>You must make the sandwich with peanut butter and cut the </a:t>
+            </a:r>
+            <a:br>
+              <a:rPr lang="en-US" sz="3200" b="0" dirty="0">
+                <a:solidFill>
+                  <a:schemeClr val="tx1"/>
+                </a:solidFill>
+                <a:latin typeface="+mn-lt"/>
+              </a:rPr>
+            </a:br>
+            <a:r>
+              <a:rPr lang="en-US" sz="3200" b="0" dirty="0">
+                <a:solidFill>
+                  <a:schemeClr val="tx1"/>
+                </a:solidFill>
+                <a:latin typeface="+mn-lt"/>
+              </a:rPr>
+              <a:t>sandwich in half using the same utensil. </a:t>
+            </a:r>
+            <a:r>
+              <a:rPr lang="en-US" sz="3200" dirty="0">
+                <a:solidFill>
+                  <a:schemeClr val="tx1"/>
+                </a:solidFill>
+                <a:latin typeface="+mn-lt"/>
+              </a:rPr>
+              <a:t>You do not have access to a hybrid utensil environment.</a:t>
+            </a:r>
+          </a:p>
+          <a:p>
+            <a:r>
+              <a:rPr lang="en-US" sz="3200" b="0" dirty="0">
+                <a:solidFill>
+                  <a:schemeClr val="tx1"/>
+                </a:solidFill>
+                <a:latin typeface="+mn-lt"/>
+              </a:rPr>
+              <a:t>You need to choose a utensil that will spread the peanut butter by using the least amount of administrative effort.</a:t>
+            </a:r>
+          </a:p>
+          <a:p>
+            <a:r>
+              <a:rPr lang="en-US" sz="3200" b="0" dirty="0">
+                <a:solidFill>
+                  <a:schemeClr val="tx1"/>
+                </a:solidFill>
+                <a:latin typeface="+mn-lt"/>
+              </a:rPr>
+              <a:t>Which do you choose?</a:t>
+            </a:r>
+          </a:p>
+          <a:p>
+            <a:endParaRPr lang="en-US" sz="3600" b="0" dirty="0">
+              <a:solidFill>
+                <a:schemeClr val="tx1"/>
+              </a:solidFill>
+              <a:latin typeface="+mn-lt"/>
+            </a:endParaRPr>
+          </a:p>
+          <a:p>
+            <a:endParaRPr lang="en-US" sz="3600" b="0" dirty="0">
+              <a:solidFill>
+                <a:schemeClr val="tx1"/>
+              </a:solidFill>
+              <a:latin typeface="+mn-lt"/>
+            </a:endParaRPr>
+          </a:p>
+          <a:p>
+            <a:endParaRPr lang="en-US" sz="3600" b="0" dirty="0">
+              <a:solidFill>
+                <a:schemeClr val="tx1"/>
+              </a:solidFill>
+              <a:latin typeface="+mn-lt"/>
+            </a:endParaRPr>
+          </a:p>
+        </p:txBody>
+      </p:sp>
+    </p:spTree>
+    <p:extLst>
+      <p:ext uri="{BB962C8B-B14F-4D97-AF65-F5344CB8AC3E}">
+        <p14:creationId xmlns:p14="http://schemas.microsoft.com/office/powerpoint/2010/main" val="1917163484"/>
+      </p:ext>
+    </p:extLst>
+  </p:cSld>
+  <p:clrMapOvr>
+    <a:masterClrMapping/>
+  </p:clrMapOvr>
+</p:sld>
+</file>
+
+<file path=ppt/slides/slide36.xml><?xml version="1.0" encoding="utf-8"?>
+<p:sld xmlns:a="http://schemas.openxmlformats.org/drawingml/2006/main" xmlns:r="http://schemas.openxmlformats.org/officeDocument/2006/relationships" xmlns:p="http://schemas.openxmlformats.org/presentationml/2006/main">
+  <p:cSld>
+    <p:spTree>
+      <p:nvGrpSpPr>
+        <p:cNvPr id="1" name=""/>
+        <p:cNvGrpSpPr/>
+        <p:nvPr/>
+      </p:nvGrpSpPr>
+      <p:grpSpPr>
+        <a:xfrm>
+          <a:off x="0" y="0"/>
+          <a:ext cx="0" cy="0"/>
+          <a:chOff x="0" y="0"/>
+          <a:chExt cx="0" cy="0"/>
+        </a:xfrm>
+      </p:grpSpPr>
+      <p:sp>
+        <p:nvSpPr>
+          <p:cNvPr id="5" name="Title 4"/>
+          <p:cNvSpPr>
+            <a:spLocks noGrp="1"/>
+          </p:cNvSpPr>
+          <p:nvPr>
+            <p:ph type="title"/>
+          </p:nvPr>
+        </p:nvSpPr>
+        <p:spPr/>
+        <p:txBody>
+          <a:bodyPr>
+            <a:normAutofit/>
+          </a:bodyPr>
+          <a:lstStyle/>
+          <a:p>
+            <a:r>
+              <a:rPr lang="en-US" dirty="0"/>
+              <a:t>Writing the Wrong Answers Is Most Difficult</a:t>
+            </a:r>
+          </a:p>
+        </p:txBody>
+      </p:sp>
+      <p:sp>
+        <p:nvSpPr>
+          <p:cNvPr id="4" name="Slide Number Placeholder 3"/>
+          <p:cNvSpPr>
+            <a:spLocks noGrp="1"/>
+          </p:cNvSpPr>
+          <p:nvPr>
+            <p:ph type="sldNum" sz="quarter" idx="4294967295"/>
+          </p:nvPr>
+        </p:nvSpPr>
+        <p:spPr>
+          <a:xfrm>
+            <a:off x="9347200" y="6356350"/>
+            <a:ext cx="2844800" cy="365125"/>
+          </a:xfrm>
+        </p:spPr>
+        <p:txBody>
+          <a:bodyPr/>
+          <a:lstStyle/>
+          <a:p>
+            <a:fld id="{CC077DB7-DE37-4EA7-B5C7-4FE1B440C5DB}" type="slidenum">
+              <a:rPr lang="en-US" smtClean="0"/>
+              <a:t>36</a:t>
             </a:fld>
             <a:endParaRPr lang="en-US"/>
           </a:p>
@@ -22279,7 +22670,7 @@
 </p:sld>
 </file>
 
-<file path=ppt/slides/slide36.xml><?xml version="1.0" encoding="utf-8"?>
+<file path=ppt/slides/slide37.xml><?xml version="1.0" encoding="utf-8"?>
 <p:sld xmlns:a="http://schemas.openxmlformats.org/drawingml/2006/main" xmlns:r="http://schemas.openxmlformats.org/officeDocument/2006/relationships" xmlns:p="http://schemas.openxmlformats.org/presentationml/2006/main">
   <p:cSld>
     <p:spTree>
@@ -22342,7 +22733,7 @@
           <a:p>
             <a:fld id="{CC077DB7-DE37-4EA7-B5C7-4FE1B440C5DB}" type="slidenum">
               <a:rPr lang="en-US" smtClean="0"/>
-              <a:t>36</a:t>
+              <a:t>37</a:t>
             </a:fld>
             <a:endParaRPr lang="en-US"/>
           </a:p>
@@ -22729,7 +23120,7 @@
 </p:sld>
 </file>
 
-<file path=ppt/slides/slide37.xml><?xml version="1.0" encoding="utf-8"?>
+<file path=ppt/slides/slide38.xml><?xml version="1.0" encoding="utf-8"?>
 <p:sld xmlns:a="http://schemas.openxmlformats.org/drawingml/2006/main" xmlns:r="http://schemas.openxmlformats.org/officeDocument/2006/relationships" xmlns:p="http://schemas.openxmlformats.org/presentationml/2006/main">
   <p:cSld>
     <p:spTree>
@@ -22801,7 +23192,7 @@
           <a:p>
             <a:r>
               <a:rPr lang="en-US" sz="3200" dirty="0"/>
-              <a:t>	Sandwich utensils.</a:t>
+              <a:t>	Utensils</a:t>
             </a:r>
           </a:p>
           <a:p>
@@ -23015,7 +23406,7 @@
 </p:sld>
 </file>
 
-<file path=ppt/slides/slide38.xml><?xml version="1.0" encoding="utf-8"?>
+<file path=ppt/slides/slide39.xml><?xml version="1.0" encoding="utf-8"?>
 <p:sld xmlns:a="http://schemas.openxmlformats.org/drawingml/2006/main" xmlns:r="http://schemas.openxmlformats.org/officeDocument/2006/relationships" xmlns:p="http://schemas.openxmlformats.org/presentationml/2006/main">
   <p:cSld>
     <p:spTree>
@@ -23178,7 +23569,166 @@
 </p:sld>
 </file>
 
-<file path=ppt/slides/slide39.xml><?xml version="1.0" encoding="utf-8"?>
+<file path=ppt/slides/slide4.xml><?xml version="1.0" encoding="utf-8"?>
+<p:sld xmlns:a="http://schemas.openxmlformats.org/drawingml/2006/main" xmlns:r="http://schemas.openxmlformats.org/officeDocument/2006/relationships" xmlns:p="http://schemas.openxmlformats.org/presentationml/2006/main">
+  <p:cSld>
+    <p:spTree>
+      <p:nvGrpSpPr>
+        <p:cNvPr id="1" name=""/>
+        <p:cNvGrpSpPr/>
+        <p:nvPr/>
+      </p:nvGrpSpPr>
+      <p:grpSpPr>
+        <a:xfrm>
+          <a:off x="0" y="0"/>
+          <a:ext cx="0" cy="0"/>
+          <a:chOff x="0" y="0"/>
+          <a:chExt cx="0" cy="0"/>
+        </a:xfrm>
+      </p:grpSpPr>
+      <p:sp>
+        <p:nvSpPr>
+          <p:cNvPr id="2" name="Title 1"/>
+          <p:cNvSpPr>
+            <a:spLocks noGrp="1"/>
+          </p:cNvSpPr>
+          <p:nvPr>
+            <p:ph type="title"/>
+          </p:nvPr>
+        </p:nvSpPr>
+        <p:spPr/>
+        <p:txBody>
+          <a:bodyPr/>
+          <a:lstStyle/>
+          <a:p>
+            <a:r>
+              <a:rPr lang="en-US" dirty="0"/>
+              <a:t>Certified Technology Professionals</a:t>
+            </a:r>
+          </a:p>
+        </p:txBody>
+      </p:sp>
+      <p:sp>
+        <p:nvSpPr>
+          <p:cNvPr id="3" name="Content Placeholder 2"/>
+          <p:cNvSpPr>
+            <a:spLocks noGrp="1"/>
+          </p:cNvSpPr>
+          <p:nvPr>
+            <p:ph idx="1"/>
+          </p:nvPr>
+        </p:nvSpPr>
+        <p:spPr/>
+        <p:txBody>
+          <a:bodyPr>
+            <a:normAutofit lnSpcReduction="10000"/>
+          </a:bodyPr>
+          <a:lstStyle/>
+          <a:p>
+            <a:r>
+              <a:rPr lang="en-US" dirty="0"/>
+              <a:t>Certified employees are 17% more productive.</a:t>
+            </a:r>
+          </a:p>
+          <a:p>
+            <a:r>
+              <a:rPr lang="en-US" dirty="0"/>
+              <a:t>Certified reduce unplanned downtime when problems arise by 56%</a:t>
+            </a:r>
+          </a:p>
+          <a:p>
+            <a:r>
+              <a:rPr lang="en-US" dirty="0"/>
+              <a:t>Certified employees are generally more satisfied with their jobs and enjoy tenures that are 15% longer than uncertified employees.</a:t>
+            </a:r>
+          </a:p>
+          <a:p>
+            <a:r>
+              <a:rPr lang="en-US" dirty="0"/>
+              <a:t>72% of employers require IT certifications for certain job openings</a:t>
+            </a:r>
+          </a:p>
+          <a:p>
+            <a:r>
+              <a:rPr lang="en-US" dirty="0"/>
+              <a:t>60% of employers use certifications to confirm subject matter expertise.</a:t>
+            </a:r>
+          </a:p>
+          <a:p>
+            <a:pPr marL="0" indent="0">
+              <a:buNone/>
+            </a:pPr>
+            <a:endParaRPr lang="en-US" dirty="0"/>
+          </a:p>
+          <a:p>
+            <a:pPr marL="0" indent="0">
+              <a:buNone/>
+            </a:pPr>
+            <a:r>
+              <a:rPr lang="en-US" sz="1600" dirty="0"/>
+              <a:t>Source: </a:t>
+            </a:r>
+            <a:br>
+              <a:rPr lang="en-US" sz="1600" dirty="0"/>
+            </a:br>
+            <a:r>
+              <a:rPr lang="en-US" sz="1600" dirty="0"/>
+              <a:t>Microsoft Learning White Paper </a:t>
+            </a:r>
+            <a:r>
+              <a:rPr lang="en-US" sz="1600" dirty="0">
+                <a:hlinkClick r:id="rId2"/>
+              </a:rPr>
+              <a:t>http://download.microsoft.com/download/9/4/B/94B5442E-0494-4B42-A5DC-8742E4254B09/BVW-Microsoft-US40548315.pdf</a:t>
+            </a:r>
+            <a:endParaRPr lang="en-US" sz="1600" dirty="0"/>
+          </a:p>
+          <a:p>
+            <a:pPr marL="0" indent="0">
+              <a:buNone/>
+            </a:pPr>
+            <a:r>
+              <a:rPr lang="en-US" sz="1600" dirty="0"/>
+              <a:t>CompTIA HR Perception of IT Training and Certification Study: 2015</a:t>
+            </a:r>
+          </a:p>
+          <a:p>
+            <a:pPr marL="0" indent="0">
+              <a:buNone/>
+            </a:pPr>
+            <a:r>
+              <a:rPr lang="en-US" sz="1600" dirty="0">
+                <a:hlinkClick r:id="rId3"/>
+              </a:rPr>
+              <a:t>https://certification.comptia.org/docs/default-source/downloadablefiles/hr-perceptions-of-it-training-and-certification.pdf</a:t>
+            </a:r>
+            <a:endParaRPr lang="en-US" sz="1600" dirty="0"/>
+          </a:p>
+          <a:p>
+            <a:pPr marL="0" indent="0">
+              <a:buNone/>
+            </a:pPr>
+            <a:endParaRPr lang="en-US" sz="1600" dirty="0"/>
+          </a:p>
+          <a:p>
+            <a:endParaRPr lang="en-US" dirty="0"/>
+          </a:p>
+        </p:txBody>
+      </p:sp>
+    </p:spTree>
+    <p:extLst>
+      <p:ext uri="{BB962C8B-B14F-4D97-AF65-F5344CB8AC3E}">
+        <p14:creationId xmlns:p14="http://schemas.microsoft.com/office/powerpoint/2010/main" val="3233773377"/>
+      </p:ext>
+    </p:extLst>
+  </p:cSld>
+  <p:clrMapOvr>
+    <a:masterClrMapping/>
+  </p:clrMapOvr>
+</p:sld>
+</file>
+
+<file path=ppt/slides/slide40.xml><?xml version="1.0" encoding="utf-8"?>
 <p:sld xmlns:a="http://schemas.openxmlformats.org/drawingml/2006/main" xmlns:r="http://schemas.openxmlformats.org/officeDocument/2006/relationships" xmlns:p="http://schemas.openxmlformats.org/presentationml/2006/main">
   <p:cSld>
     <p:spTree>
@@ -23443,7 +23993,7 @@
         </p:nvCxnSpPr>
         <p:spPr>
           <a:xfrm flipH="1">
-            <a:off x="6756400" y="2891179"/>
+            <a:off x="6804025" y="2873662"/>
             <a:ext cx="2969731" cy="0"/>
           </a:xfrm>
           <a:prstGeom prst="line">
@@ -24103,166 +24653,7 @@
 </p:sld>
 </file>
 
-<file path=ppt/slides/slide4.xml><?xml version="1.0" encoding="utf-8"?>
-<p:sld xmlns:a="http://schemas.openxmlformats.org/drawingml/2006/main" xmlns:r="http://schemas.openxmlformats.org/officeDocument/2006/relationships" xmlns:p="http://schemas.openxmlformats.org/presentationml/2006/main">
-  <p:cSld>
-    <p:spTree>
-      <p:nvGrpSpPr>
-        <p:cNvPr id="1" name=""/>
-        <p:cNvGrpSpPr/>
-        <p:nvPr/>
-      </p:nvGrpSpPr>
-      <p:grpSpPr>
-        <a:xfrm>
-          <a:off x="0" y="0"/>
-          <a:ext cx="0" cy="0"/>
-          <a:chOff x="0" y="0"/>
-          <a:chExt cx="0" cy="0"/>
-        </a:xfrm>
-      </p:grpSpPr>
-      <p:sp>
-        <p:nvSpPr>
-          <p:cNvPr id="2" name="Title 1"/>
-          <p:cNvSpPr>
-            <a:spLocks noGrp="1"/>
-          </p:cNvSpPr>
-          <p:nvPr>
-            <p:ph type="title"/>
-          </p:nvPr>
-        </p:nvSpPr>
-        <p:spPr/>
-        <p:txBody>
-          <a:bodyPr/>
-          <a:lstStyle/>
-          <a:p>
-            <a:r>
-              <a:rPr lang="en-US" dirty="0"/>
-              <a:t>Certified Technology Professionals</a:t>
-            </a:r>
-          </a:p>
-        </p:txBody>
-      </p:sp>
-      <p:sp>
-        <p:nvSpPr>
-          <p:cNvPr id="3" name="Content Placeholder 2"/>
-          <p:cNvSpPr>
-            <a:spLocks noGrp="1"/>
-          </p:cNvSpPr>
-          <p:nvPr>
-            <p:ph idx="1"/>
-          </p:nvPr>
-        </p:nvSpPr>
-        <p:spPr/>
-        <p:txBody>
-          <a:bodyPr>
-            <a:normAutofit lnSpcReduction="10000"/>
-          </a:bodyPr>
-          <a:lstStyle/>
-          <a:p>
-            <a:r>
-              <a:rPr lang="en-US" dirty="0"/>
-              <a:t>Certified employees are 17% more productive.</a:t>
-            </a:r>
-          </a:p>
-          <a:p>
-            <a:r>
-              <a:rPr lang="en-US" dirty="0"/>
-              <a:t>Certified reduce unplanned downtime when problems arise by 56%</a:t>
-            </a:r>
-          </a:p>
-          <a:p>
-            <a:r>
-              <a:rPr lang="en-US" dirty="0"/>
-              <a:t>Certified employees are generally more satisfied with their jobs and enjoy tenures that are 15% longer than uncertified employees.</a:t>
-            </a:r>
-          </a:p>
-          <a:p>
-            <a:r>
-              <a:rPr lang="en-US" dirty="0"/>
-              <a:t>72% of employers require IT certifications for certain job openings</a:t>
-            </a:r>
-          </a:p>
-          <a:p>
-            <a:r>
-              <a:rPr lang="en-US" dirty="0"/>
-              <a:t>60% of employers use certifications to confirm subject matter expertise.</a:t>
-            </a:r>
-          </a:p>
-          <a:p>
-            <a:pPr marL="0" indent="0">
-              <a:buNone/>
-            </a:pPr>
-            <a:endParaRPr lang="en-US" dirty="0"/>
-          </a:p>
-          <a:p>
-            <a:pPr marL="0" indent="0">
-              <a:buNone/>
-            </a:pPr>
-            <a:r>
-              <a:rPr lang="en-US" sz="1600" dirty="0"/>
-              <a:t>Source: </a:t>
-            </a:r>
-            <a:br>
-              <a:rPr lang="en-US" sz="1600" dirty="0"/>
-            </a:br>
-            <a:r>
-              <a:rPr lang="en-US" sz="1600" dirty="0"/>
-              <a:t>Microsoft Learning White Paper </a:t>
-            </a:r>
-            <a:r>
-              <a:rPr lang="en-US" sz="1600" dirty="0">
-                <a:hlinkClick r:id="rId2"/>
-              </a:rPr>
-              <a:t>http://download.microsoft.com/download/9/4/B/94B5442E-0494-4B42-A5DC-8742E4254B09/BVW-Microsoft-US40548315.pdf</a:t>
-            </a:r>
-            <a:endParaRPr lang="en-US" sz="1600" dirty="0"/>
-          </a:p>
-          <a:p>
-            <a:pPr marL="0" indent="0">
-              <a:buNone/>
-            </a:pPr>
-            <a:r>
-              <a:rPr lang="en-US" sz="1600" dirty="0"/>
-              <a:t>CompTIA HR Perception of IT Training and Certification Study: 2015</a:t>
-            </a:r>
-          </a:p>
-          <a:p>
-            <a:pPr marL="0" indent="0">
-              <a:buNone/>
-            </a:pPr>
-            <a:r>
-              <a:rPr lang="en-US" sz="1600" dirty="0">
-                <a:hlinkClick r:id="rId3"/>
-              </a:rPr>
-              <a:t>https://certification.comptia.org/docs/default-source/downloadablefiles/hr-perceptions-of-it-training-and-certification.pdf</a:t>
-            </a:r>
-            <a:endParaRPr lang="en-US" sz="1600" dirty="0"/>
-          </a:p>
-          <a:p>
-            <a:pPr marL="0" indent="0">
-              <a:buNone/>
-            </a:pPr>
-            <a:endParaRPr lang="en-US" sz="1600" dirty="0"/>
-          </a:p>
-          <a:p>
-            <a:endParaRPr lang="en-US" dirty="0"/>
-          </a:p>
-        </p:txBody>
-      </p:sp>
-    </p:spTree>
-    <p:extLst>
-      <p:ext uri="{BB962C8B-B14F-4D97-AF65-F5344CB8AC3E}">
-        <p14:creationId xmlns:p14="http://schemas.microsoft.com/office/powerpoint/2010/main" val="3233773377"/>
-      </p:ext>
-    </p:extLst>
-  </p:cSld>
-  <p:clrMapOvr>
-    <a:masterClrMapping/>
-  </p:clrMapOvr>
-</p:sld>
-</file>
-
-<file path=ppt/slides/slide40.xml><?xml version="1.0" encoding="utf-8"?>
+<file path=ppt/slides/slide41.xml><?xml version="1.0" encoding="utf-8"?>
 <p:sld xmlns:a="http://schemas.openxmlformats.org/drawingml/2006/main" xmlns:r="http://schemas.openxmlformats.org/officeDocument/2006/relationships" xmlns:p="http://schemas.openxmlformats.org/presentationml/2006/main">
   <p:cSld>
     <p:spTree>
@@ -25008,7 +25399,7 @@
 </p:sld>
 </file>
 
-<file path=ppt/slides/slide41.xml><?xml version="1.0" encoding="utf-8"?>
+<file path=ppt/slides/slide42.xml><?xml version="1.0" encoding="utf-8"?>
 <p:sld xmlns:a="http://schemas.openxmlformats.org/drawingml/2006/main" xmlns:r="http://schemas.openxmlformats.org/officeDocument/2006/relationships" xmlns:p="http://schemas.openxmlformats.org/presentationml/2006/main">
   <p:cSld>
     <p:spTree>
@@ -25928,7 +26319,7 @@
 </p:sld>
 </file>
 
-<file path=ppt/slides/slide42.xml><?xml version="1.0" encoding="utf-8"?>
+<file path=ppt/slides/slide43.xml><?xml version="1.0" encoding="utf-8"?>
 <p:sld xmlns:a="http://schemas.openxmlformats.org/drawingml/2006/main" xmlns:r="http://schemas.openxmlformats.org/officeDocument/2006/relationships" xmlns:p="http://schemas.openxmlformats.org/presentationml/2006/main">
   <p:cSld>
     <p:spTree>
@@ -25998,7 +26389,7 @@
           <a:p>
             <a:r>
               <a:rPr lang="en-US" sz="3200" dirty="0"/>
-              <a:t>The diner has requested a malt whiskey from outside of Tennessee. The malt must not contain corn . </a:t>
+              <a:t>The diner has requested a malt whiskey from outside of Tennessee. The malt must not contain corn. </a:t>
             </a:r>
           </a:p>
           <a:p>
@@ -26308,729 +26699,6 @@
     <p:extLst>
       <p:ext uri="{BB962C8B-B14F-4D97-AF65-F5344CB8AC3E}">
         <p14:creationId xmlns:p14="http://schemas.microsoft.com/office/powerpoint/2010/main" val="3852866341"/>
-      </p:ext>
-    </p:extLst>
-  </p:cSld>
-  <p:clrMapOvr>
-    <a:masterClrMapping/>
-  </p:clrMapOvr>
-  <p:timing>
-    <p:tnLst>
-      <p:par>
-        <p:cTn id="1" dur="indefinite" restart="never" nodeType="tmRoot">
-          <p:childTnLst>
-            <p:seq concurrent="1" nextAc="seek">
-              <p:cTn id="2" dur="indefinite" nodeType="mainSeq">
-                <p:childTnLst>
-                  <p:par>
-                    <p:cTn id="3" fill="hold">
-                      <p:stCondLst>
-                        <p:cond delay="indefinite"/>
-                      </p:stCondLst>
-                      <p:childTnLst>
-                        <p:par>
-                          <p:cTn id="4" fill="hold">
-                            <p:stCondLst>
-                              <p:cond delay="0"/>
-                            </p:stCondLst>
-                            <p:childTnLst>
-                              <p:par>
-                                <p:cTn id="5" presetID="1" presetClass="entr" presetSubtype="0" fill="hold" nodeType="clickEffect">
-                                  <p:stCondLst>
-                                    <p:cond delay="0"/>
-                                  </p:stCondLst>
-                                  <p:childTnLst>
-                                    <p:set>
-                                      <p:cBhvr>
-                                        <p:cTn id="6" dur="1" fill="hold">
-                                          <p:stCondLst>
-                                            <p:cond delay="0"/>
-                                          </p:stCondLst>
-                                        </p:cTn>
-                                        <p:tgtEl>
-                                          <p:spTgt spid="7"/>
-                                        </p:tgtEl>
-                                        <p:attrNameLst>
-                                          <p:attrName>style.visibility</p:attrName>
-                                        </p:attrNameLst>
-                                      </p:cBhvr>
-                                      <p:to>
-                                        <p:strVal val="visible"/>
-                                      </p:to>
-                                    </p:set>
-                                  </p:childTnLst>
-                                </p:cTn>
-                              </p:par>
-                              <p:par>
-                                <p:cTn id="7" presetID="1" presetClass="entr" presetSubtype="0" fill="hold" nodeType="withEffect">
-                                  <p:stCondLst>
-                                    <p:cond delay="0"/>
-                                  </p:stCondLst>
-                                  <p:childTnLst>
-                                    <p:set>
-                                      <p:cBhvr>
-                                        <p:cTn id="8" dur="1" fill="hold">
-                                          <p:stCondLst>
-                                            <p:cond delay="0"/>
-                                          </p:stCondLst>
-                                        </p:cTn>
-                                        <p:tgtEl>
-                                          <p:spTgt spid="15"/>
-                                        </p:tgtEl>
-                                        <p:attrNameLst>
-                                          <p:attrName>style.visibility</p:attrName>
-                                        </p:attrNameLst>
-                                      </p:cBhvr>
-                                      <p:to>
-                                        <p:strVal val="visible"/>
-                                      </p:to>
-                                    </p:set>
-                                  </p:childTnLst>
-                                </p:cTn>
-                              </p:par>
-                            </p:childTnLst>
-                          </p:cTn>
-                        </p:par>
-                      </p:childTnLst>
-                    </p:cTn>
-                  </p:par>
-                  <p:par>
-                    <p:cTn id="9" fill="hold">
-                      <p:stCondLst>
-                        <p:cond delay="indefinite"/>
-                      </p:stCondLst>
-                      <p:childTnLst>
-                        <p:par>
-                          <p:cTn id="10" fill="hold">
-                            <p:stCondLst>
-                              <p:cond delay="0"/>
-                            </p:stCondLst>
-                            <p:childTnLst>
-                              <p:par>
-                                <p:cTn id="11" presetID="1" presetClass="entr" presetSubtype="0" fill="hold" nodeType="clickEffect">
-                                  <p:stCondLst>
-                                    <p:cond delay="0"/>
-                                  </p:stCondLst>
-                                  <p:childTnLst>
-                                    <p:set>
-                                      <p:cBhvr>
-                                        <p:cTn id="12" dur="1" fill="hold">
-                                          <p:stCondLst>
-                                            <p:cond delay="0"/>
-                                          </p:stCondLst>
-                                        </p:cTn>
-                                        <p:tgtEl>
-                                          <p:spTgt spid="5"/>
-                                        </p:tgtEl>
-                                        <p:attrNameLst>
-                                          <p:attrName>style.visibility</p:attrName>
-                                        </p:attrNameLst>
-                                      </p:cBhvr>
-                                      <p:to>
-                                        <p:strVal val="visible"/>
-                                      </p:to>
-                                    </p:set>
-                                  </p:childTnLst>
-                                </p:cTn>
-                              </p:par>
-                              <p:par>
-                                <p:cTn id="13" presetID="1" presetClass="entr" presetSubtype="0" fill="hold" nodeType="withEffect">
-                                  <p:stCondLst>
-                                    <p:cond delay="0"/>
-                                  </p:stCondLst>
-                                  <p:childTnLst>
-                                    <p:set>
-                                      <p:cBhvr>
-                                        <p:cTn id="14" dur="1" fill="hold">
-                                          <p:stCondLst>
-                                            <p:cond delay="0"/>
-                                          </p:stCondLst>
-                                        </p:cTn>
-                                        <p:tgtEl>
-                                          <p:spTgt spid="13"/>
-                                        </p:tgtEl>
-                                        <p:attrNameLst>
-                                          <p:attrName>style.visibility</p:attrName>
-                                        </p:attrNameLst>
-                                      </p:cBhvr>
-                                      <p:to>
-                                        <p:strVal val="visible"/>
-                                      </p:to>
-                                    </p:set>
-                                  </p:childTnLst>
-                                </p:cTn>
-                              </p:par>
-                            </p:childTnLst>
-                          </p:cTn>
-                        </p:par>
-                      </p:childTnLst>
-                    </p:cTn>
-                  </p:par>
-                  <p:par>
-                    <p:cTn id="15" fill="hold">
-                      <p:stCondLst>
-                        <p:cond delay="indefinite"/>
-                      </p:stCondLst>
-                      <p:childTnLst>
-                        <p:par>
-                          <p:cTn id="16" fill="hold">
-                            <p:stCondLst>
-                              <p:cond delay="0"/>
-                            </p:stCondLst>
-                            <p:childTnLst>
-                              <p:par>
-                                <p:cTn id="17" presetID="1" presetClass="entr" presetSubtype="0" fill="hold" nodeType="clickEffect">
-                                  <p:stCondLst>
-                                    <p:cond delay="0"/>
-                                  </p:stCondLst>
-                                  <p:childTnLst>
-                                    <p:set>
-                                      <p:cBhvr>
-                                        <p:cTn id="18" dur="1" fill="hold">
-                                          <p:stCondLst>
-                                            <p:cond delay="0"/>
-                                          </p:stCondLst>
-                                        </p:cTn>
-                                        <p:tgtEl>
-                                          <p:spTgt spid="8"/>
-                                        </p:tgtEl>
-                                        <p:attrNameLst>
-                                          <p:attrName>style.visibility</p:attrName>
-                                        </p:attrNameLst>
-                                      </p:cBhvr>
-                                      <p:to>
-                                        <p:strVal val="visible"/>
-                                      </p:to>
-                                    </p:set>
-                                  </p:childTnLst>
-                                </p:cTn>
-                              </p:par>
-                              <p:par>
-                                <p:cTn id="19" presetID="1" presetClass="entr" presetSubtype="0" fill="hold" nodeType="withEffect">
-                                  <p:stCondLst>
-                                    <p:cond delay="0"/>
-                                  </p:stCondLst>
-                                  <p:childTnLst>
-                                    <p:set>
-                                      <p:cBhvr>
-                                        <p:cTn id="20" dur="1" fill="hold">
-                                          <p:stCondLst>
-                                            <p:cond delay="0"/>
-                                          </p:stCondLst>
-                                        </p:cTn>
-                                        <p:tgtEl>
-                                          <p:spTgt spid="14"/>
-                                        </p:tgtEl>
-                                        <p:attrNameLst>
-                                          <p:attrName>style.visibility</p:attrName>
-                                        </p:attrNameLst>
-                                      </p:cBhvr>
-                                      <p:to>
-                                        <p:strVal val="visible"/>
-                                      </p:to>
-                                    </p:set>
-                                  </p:childTnLst>
-                                </p:cTn>
-                              </p:par>
-                            </p:childTnLst>
-                          </p:cTn>
-                        </p:par>
-                      </p:childTnLst>
-                    </p:cTn>
-                  </p:par>
-                  <p:par>
-                    <p:cTn id="21" fill="hold">
-                      <p:stCondLst>
-                        <p:cond delay="indefinite"/>
-                      </p:stCondLst>
-                      <p:childTnLst>
-                        <p:par>
-                          <p:cTn id="22" fill="hold">
-                            <p:stCondLst>
-                              <p:cond delay="0"/>
-                            </p:stCondLst>
-                            <p:childTnLst>
-                              <p:par>
-                                <p:cTn id="23" presetID="42" presetClass="entr" presetSubtype="0" fill="hold" grpId="0" nodeType="clickEffect">
-                                  <p:stCondLst>
-                                    <p:cond delay="0"/>
-                                  </p:stCondLst>
-                                  <p:childTnLst>
-                                    <p:set>
-                                      <p:cBhvr>
-                                        <p:cTn id="24" dur="1" fill="hold">
-                                          <p:stCondLst>
-                                            <p:cond delay="0"/>
-                                          </p:stCondLst>
-                                        </p:cTn>
-                                        <p:tgtEl>
-                                          <p:spTgt spid="17"/>
-                                        </p:tgtEl>
-                                        <p:attrNameLst>
-                                          <p:attrName>style.visibility</p:attrName>
-                                        </p:attrNameLst>
-                                      </p:cBhvr>
-                                      <p:to>
-                                        <p:strVal val="visible"/>
-                                      </p:to>
-                                    </p:set>
-                                    <p:animEffect transition="in" filter="fade">
-                                      <p:cBhvr>
-                                        <p:cTn id="25" dur="1000"/>
-                                        <p:tgtEl>
-                                          <p:spTgt spid="17"/>
-                                        </p:tgtEl>
-                                      </p:cBhvr>
-                                    </p:animEffect>
-                                    <p:anim calcmode="lin" valueType="num">
-                                      <p:cBhvr>
-                                        <p:cTn id="26" dur="1000" fill="hold"/>
-                                        <p:tgtEl>
-                                          <p:spTgt spid="17"/>
-                                        </p:tgtEl>
-                                        <p:attrNameLst>
-                                          <p:attrName>ppt_x</p:attrName>
-                                        </p:attrNameLst>
-                                      </p:cBhvr>
-                                      <p:tavLst>
-                                        <p:tav tm="0">
-                                          <p:val>
-                                            <p:strVal val="#ppt_x"/>
-                                          </p:val>
-                                        </p:tav>
-                                        <p:tav tm="100000">
-                                          <p:val>
-                                            <p:strVal val="#ppt_x"/>
-                                          </p:val>
-                                        </p:tav>
-                                      </p:tavLst>
-                                    </p:anim>
-                                    <p:anim calcmode="lin" valueType="num">
-                                      <p:cBhvr>
-                                        <p:cTn id="27" dur="1000" fill="hold"/>
-                                        <p:tgtEl>
-                                          <p:spTgt spid="17"/>
-                                        </p:tgtEl>
-                                        <p:attrNameLst>
-                                          <p:attrName>ppt_y</p:attrName>
-                                        </p:attrNameLst>
-                                      </p:cBhvr>
-                                      <p:tavLst>
-                                        <p:tav tm="0">
-                                          <p:val>
-                                            <p:strVal val="#ppt_y+.1"/>
-                                          </p:val>
-                                        </p:tav>
-                                        <p:tav tm="100000">
-                                          <p:val>
-                                            <p:strVal val="#ppt_y"/>
-                                          </p:val>
-                                        </p:tav>
-                                      </p:tavLst>
-                                    </p:anim>
-                                  </p:childTnLst>
-                                </p:cTn>
-                              </p:par>
-                            </p:childTnLst>
-                          </p:cTn>
-                        </p:par>
-                      </p:childTnLst>
-                    </p:cTn>
-                  </p:par>
-                </p:childTnLst>
-              </p:cTn>
-              <p:prevCondLst>
-                <p:cond evt="onPrev" delay="0">
-                  <p:tgtEl>
-                    <p:sldTgt/>
-                  </p:tgtEl>
-                </p:cond>
-              </p:prevCondLst>
-              <p:nextCondLst>
-                <p:cond evt="onNext" delay="0">
-                  <p:tgtEl>
-                    <p:sldTgt/>
-                  </p:tgtEl>
-                </p:cond>
-              </p:nextCondLst>
-            </p:seq>
-          </p:childTnLst>
-        </p:cTn>
-      </p:par>
-    </p:tnLst>
-    <p:bldLst>
-      <p:bldP spid="17" grpId="0" animBg="1"/>
-    </p:bldLst>
-  </p:timing>
-</p:sld>
-</file>
-
-<file path=ppt/slides/slide43.xml><?xml version="1.0" encoding="utf-8"?>
-<p:sld xmlns:a="http://schemas.openxmlformats.org/drawingml/2006/main" xmlns:r="http://schemas.openxmlformats.org/officeDocument/2006/relationships" xmlns:p="http://schemas.openxmlformats.org/presentationml/2006/main">
-  <p:cSld>
-    <p:spTree>
-      <p:nvGrpSpPr>
-        <p:cNvPr id="1" name=""/>
-        <p:cNvGrpSpPr/>
-        <p:nvPr/>
-      </p:nvGrpSpPr>
-      <p:grpSpPr>
-        <a:xfrm>
-          <a:off x="0" y="0"/>
-          <a:ext cx="0" cy="0"/>
-          <a:chOff x="0" y="0"/>
-          <a:chExt cx="0" cy="0"/>
-        </a:xfrm>
-      </p:grpSpPr>
-      <p:sp>
-        <p:nvSpPr>
-          <p:cNvPr id="2" name="Title 1"/>
-          <p:cNvSpPr>
-            <a:spLocks noGrp="1"/>
-          </p:cNvSpPr>
-          <p:nvPr>
-            <p:ph type="title"/>
-          </p:nvPr>
-        </p:nvSpPr>
-        <p:spPr/>
-        <p:txBody>
-          <a:bodyPr/>
-          <a:lstStyle/>
-          <a:p>
-            <a:r>
-              <a:rPr lang="en-US" dirty="0"/>
-              <a:t>Question 5</a:t>
-            </a:r>
-          </a:p>
-        </p:txBody>
-      </p:sp>
-      <p:sp>
-        <p:nvSpPr>
-          <p:cNvPr id="3" name="Content Placeholder 2"/>
-          <p:cNvSpPr>
-            <a:spLocks noGrp="1"/>
-          </p:cNvSpPr>
-          <p:nvPr>
-            <p:ph idx="1"/>
-          </p:nvPr>
-        </p:nvSpPr>
-        <p:spPr/>
-        <p:txBody>
-          <a:bodyPr>
-            <a:normAutofit fontScale="92500" lnSpcReduction="20000"/>
-          </a:bodyPr>
-          <a:lstStyle/>
-          <a:p>
-            <a:r>
-              <a:rPr lang="en-US" sz="3200" dirty="0"/>
-              <a:t>You are the social media director for a cool hip company.</a:t>
-            </a:r>
-          </a:p>
-          <a:p>
-            <a:r>
-              <a:rPr lang="en-US" sz="3200" dirty="0"/>
-              <a:t>Your new marketing campaign much choose a social media platform. </a:t>
-            </a:r>
-          </a:p>
-          <a:p>
-            <a:r>
-              <a:rPr lang="en-US" sz="3200" dirty="0"/>
-              <a:t>The social media platform must be persistent online forever. The grandmother of the CEO must not be aware of the platform.</a:t>
-            </a:r>
-          </a:p>
-          <a:p>
-            <a:r>
-              <a:rPr lang="en-US" sz="3200" dirty="0"/>
-              <a:t>The platform be a social media platform with accelerating growth.</a:t>
-            </a:r>
-          </a:p>
-          <a:p>
-            <a:pPr marL="0" indent="0">
-              <a:buNone/>
-            </a:pPr>
-            <a:endParaRPr lang="en-US" dirty="0"/>
-          </a:p>
-          <a:p>
-            <a:pPr marL="0" indent="0">
-              <a:buNone/>
-            </a:pPr>
-            <a:endParaRPr lang="en-US" dirty="0"/>
-          </a:p>
-          <a:p>
-            <a:r>
-              <a:rPr lang="en-US" dirty="0"/>
-              <a:t>A. 	Facebook</a:t>
-            </a:r>
-          </a:p>
-          <a:p>
-            <a:r>
-              <a:rPr lang="en-US" dirty="0"/>
-              <a:t>B. 	Twitter</a:t>
-            </a:r>
-          </a:p>
-          <a:p>
-            <a:r>
-              <a:rPr lang="en-US" dirty="0"/>
-              <a:t>C. 	Instagram</a:t>
-            </a:r>
-          </a:p>
-          <a:p>
-            <a:r>
-              <a:rPr lang="en-US" dirty="0"/>
-              <a:t>D. 	Snapchat</a:t>
-            </a:r>
-          </a:p>
-          <a:p>
-            <a:endParaRPr lang="en-US" dirty="0"/>
-          </a:p>
-        </p:txBody>
-      </p:sp>
-      <p:cxnSp>
-        <p:nvCxnSpPr>
-          <p:cNvPr id="5" name="Straight Connector 4"/>
-          <p:cNvCxnSpPr/>
-          <p:nvPr/>
-        </p:nvCxnSpPr>
-        <p:spPr>
-          <a:xfrm flipH="1" flipV="1">
-            <a:off x="1578304" y="4377430"/>
-            <a:ext cx="3988778" cy="25380"/>
-          </a:xfrm>
-          <a:prstGeom prst="line">
-            <a:avLst/>
-          </a:prstGeom>
-          <a:ln w="38100"/>
-        </p:spPr>
-        <p:style>
-          <a:lnRef idx="1">
-            <a:schemeClr val="accent2"/>
-          </a:lnRef>
-          <a:fillRef idx="0">
-            <a:schemeClr val="accent2"/>
-          </a:fillRef>
-          <a:effectRef idx="0">
-            <a:schemeClr val="accent2"/>
-          </a:effectRef>
-          <a:fontRef idx="minor">
-            <a:schemeClr val="tx1"/>
-          </a:fontRef>
-        </p:style>
-      </p:cxnSp>
-      <p:cxnSp>
-        <p:nvCxnSpPr>
-          <p:cNvPr id="7" name="Straight Connector 6"/>
-          <p:cNvCxnSpPr/>
-          <p:nvPr/>
-        </p:nvCxnSpPr>
-        <p:spPr>
-          <a:xfrm flipH="1">
-            <a:off x="1528998" y="5624339"/>
-            <a:ext cx="4087390" cy="0"/>
-          </a:xfrm>
-          <a:prstGeom prst="line">
-            <a:avLst/>
-          </a:prstGeom>
-          <a:ln w="38100">
-            <a:solidFill>
-              <a:srgbClr val="FFC000"/>
-            </a:solidFill>
-          </a:ln>
-        </p:spPr>
-        <p:style>
-          <a:lnRef idx="1">
-            <a:schemeClr val="accent2"/>
-          </a:lnRef>
-          <a:fillRef idx="0">
-            <a:schemeClr val="accent2"/>
-          </a:fillRef>
-          <a:effectRef idx="0">
-            <a:schemeClr val="accent2"/>
-          </a:effectRef>
-          <a:fontRef idx="minor">
-            <a:schemeClr val="tx1"/>
-          </a:fontRef>
-        </p:style>
-      </p:cxnSp>
-      <p:cxnSp>
-        <p:nvCxnSpPr>
-          <p:cNvPr id="8" name="Straight Connector 7"/>
-          <p:cNvCxnSpPr/>
-          <p:nvPr/>
-        </p:nvCxnSpPr>
-        <p:spPr>
-          <a:xfrm flipH="1" flipV="1">
-            <a:off x="1578304" y="4781859"/>
-            <a:ext cx="3988778" cy="38478"/>
-          </a:xfrm>
-          <a:prstGeom prst="line">
-            <a:avLst/>
-          </a:prstGeom>
-          <a:ln w="38100">
-            <a:solidFill>
-              <a:srgbClr val="FF0000"/>
-            </a:solidFill>
-          </a:ln>
-        </p:spPr>
-        <p:style>
-          <a:lnRef idx="1">
-            <a:schemeClr val="accent2"/>
-          </a:lnRef>
-          <a:fillRef idx="0">
-            <a:schemeClr val="accent2"/>
-          </a:fillRef>
-          <a:effectRef idx="0">
-            <a:schemeClr val="accent2"/>
-          </a:effectRef>
-          <a:fontRef idx="minor">
-            <a:schemeClr val="tx1"/>
-          </a:fontRef>
-        </p:style>
-      </p:cxnSp>
-      <p:cxnSp>
-        <p:nvCxnSpPr>
-          <p:cNvPr id="13" name="Straight Connector 12"/>
-          <p:cNvCxnSpPr/>
-          <p:nvPr/>
-        </p:nvCxnSpPr>
-        <p:spPr>
-          <a:xfrm flipH="1" flipV="1">
-            <a:off x="867747" y="2876884"/>
-            <a:ext cx="3909528" cy="3945"/>
-          </a:xfrm>
-          <a:prstGeom prst="line">
-            <a:avLst/>
-          </a:prstGeom>
-          <a:ln w="38100"/>
-        </p:spPr>
-        <p:style>
-          <a:lnRef idx="1">
-            <a:schemeClr val="accent2"/>
-          </a:lnRef>
-          <a:fillRef idx="0">
-            <a:schemeClr val="accent2"/>
-          </a:fillRef>
-          <a:effectRef idx="0">
-            <a:schemeClr val="accent2"/>
-          </a:effectRef>
-          <a:fontRef idx="minor">
-            <a:schemeClr val="tx1"/>
-          </a:fontRef>
-        </p:style>
-      </p:cxnSp>
-      <p:cxnSp>
-        <p:nvCxnSpPr>
-          <p:cNvPr id="14" name="Straight Connector 13"/>
-          <p:cNvCxnSpPr/>
-          <p:nvPr/>
-        </p:nvCxnSpPr>
-        <p:spPr>
-          <a:xfrm flipH="1">
-            <a:off x="8034261" y="3350422"/>
-            <a:ext cx="2969731" cy="0"/>
-          </a:xfrm>
-          <a:prstGeom prst="line">
-            <a:avLst/>
-          </a:prstGeom>
-          <a:ln w="38100">
-            <a:solidFill>
-              <a:srgbClr val="FF0000"/>
-            </a:solidFill>
-          </a:ln>
-        </p:spPr>
-        <p:style>
-          <a:lnRef idx="1">
-            <a:schemeClr val="accent2"/>
-          </a:lnRef>
-          <a:fillRef idx="0">
-            <a:schemeClr val="accent2"/>
-          </a:fillRef>
-          <a:effectRef idx="0">
-            <a:schemeClr val="accent2"/>
-          </a:effectRef>
-          <a:fontRef idx="minor">
-            <a:schemeClr val="tx1"/>
-          </a:fontRef>
-        </p:style>
-      </p:cxnSp>
-      <p:cxnSp>
-        <p:nvCxnSpPr>
-          <p:cNvPr id="15" name="Straight Connector 14"/>
-          <p:cNvCxnSpPr/>
-          <p:nvPr/>
-        </p:nvCxnSpPr>
-        <p:spPr>
-          <a:xfrm flipH="1">
-            <a:off x="6379013" y="2547257"/>
-            <a:ext cx="3698048" cy="7613"/>
-          </a:xfrm>
-          <a:prstGeom prst="line">
-            <a:avLst/>
-          </a:prstGeom>
-          <a:ln w="38100">
-            <a:solidFill>
-              <a:srgbClr val="FFC000"/>
-            </a:solidFill>
-          </a:ln>
-        </p:spPr>
-        <p:style>
-          <a:lnRef idx="1">
-            <a:schemeClr val="accent2"/>
-          </a:lnRef>
-          <a:fillRef idx="0">
-            <a:schemeClr val="accent2"/>
-          </a:fillRef>
-          <a:effectRef idx="0">
-            <a:schemeClr val="accent2"/>
-          </a:effectRef>
-          <a:fontRef idx="minor">
-            <a:schemeClr val="tx1"/>
-          </a:fontRef>
-        </p:style>
-      </p:cxnSp>
-      <p:sp>
-        <p:nvSpPr>
-          <p:cNvPr id="17" name="Arrow: Right 16"/>
-          <p:cNvSpPr/>
-          <p:nvPr/>
-        </p:nvSpPr>
-        <p:spPr>
-          <a:xfrm rot="10800000">
-            <a:off x="2972769" y="4987735"/>
-            <a:ext cx="1371600" cy="385483"/>
-          </a:xfrm>
-          <a:prstGeom prst="rightArrow">
-            <a:avLst/>
-          </a:prstGeom>
-        </p:spPr>
-        <p:style>
-          <a:lnRef idx="2">
-            <a:schemeClr val="accent6">
-              <a:shade val="50000"/>
-            </a:schemeClr>
-          </a:lnRef>
-          <a:fillRef idx="1">
-            <a:schemeClr val="accent6"/>
-          </a:fillRef>
-          <a:effectRef idx="0">
-            <a:schemeClr val="accent6"/>
-          </a:effectRef>
-          <a:fontRef idx="minor">
-            <a:schemeClr val="lt1"/>
-          </a:fontRef>
-        </p:style>
-        <p:txBody>
-          <a:bodyPr rtlCol="0" anchor="ctr"/>
-          <a:lstStyle/>
-          <a:p>
-            <a:pPr algn="ctr"/>
-            <a:endParaRPr lang="en-US"/>
-          </a:p>
-        </p:txBody>
-      </p:sp>
-    </p:spTree>
-    <p:extLst>
-      <p:ext uri="{BB962C8B-B14F-4D97-AF65-F5344CB8AC3E}">
-        <p14:creationId xmlns:p14="http://schemas.microsoft.com/office/powerpoint/2010/main" val="27124041"/>
       </p:ext>
     </p:extLst>
   </p:cSld>
@@ -27407,6 +27075,729 @@
       </p:grpSpPr>
       <p:sp>
         <p:nvSpPr>
+          <p:cNvPr id="2" name="Title 1"/>
+          <p:cNvSpPr>
+            <a:spLocks noGrp="1"/>
+          </p:cNvSpPr>
+          <p:nvPr>
+            <p:ph type="title"/>
+          </p:nvPr>
+        </p:nvSpPr>
+        <p:spPr/>
+        <p:txBody>
+          <a:bodyPr/>
+          <a:lstStyle/>
+          <a:p>
+            <a:r>
+              <a:rPr lang="en-US" dirty="0"/>
+              <a:t>Question 5</a:t>
+            </a:r>
+          </a:p>
+        </p:txBody>
+      </p:sp>
+      <p:sp>
+        <p:nvSpPr>
+          <p:cNvPr id="3" name="Content Placeholder 2"/>
+          <p:cNvSpPr>
+            <a:spLocks noGrp="1"/>
+          </p:cNvSpPr>
+          <p:nvPr>
+            <p:ph idx="1"/>
+          </p:nvPr>
+        </p:nvSpPr>
+        <p:spPr/>
+        <p:txBody>
+          <a:bodyPr>
+            <a:normAutofit fontScale="92500" lnSpcReduction="20000"/>
+          </a:bodyPr>
+          <a:lstStyle/>
+          <a:p>
+            <a:r>
+              <a:rPr lang="en-US" sz="3200" dirty="0"/>
+              <a:t>You are the social media director for a cool hip company.</a:t>
+            </a:r>
+          </a:p>
+          <a:p>
+            <a:r>
+              <a:rPr lang="en-US" sz="3200" dirty="0"/>
+              <a:t>Your new marketing campaign much choose a social media platform. </a:t>
+            </a:r>
+          </a:p>
+          <a:p>
+            <a:r>
+              <a:rPr lang="en-US" sz="3200" dirty="0"/>
+              <a:t>The social media platform must be persistent online forever. The grandmother of the CEO must not be aware of the platform.</a:t>
+            </a:r>
+          </a:p>
+          <a:p>
+            <a:r>
+              <a:rPr lang="en-US" sz="3200" dirty="0"/>
+              <a:t>The platform be a social media platform with accelerating growth.</a:t>
+            </a:r>
+          </a:p>
+          <a:p>
+            <a:pPr marL="0" indent="0">
+              <a:buNone/>
+            </a:pPr>
+            <a:endParaRPr lang="en-US" dirty="0"/>
+          </a:p>
+          <a:p>
+            <a:pPr marL="0" indent="0">
+              <a:buNone/>
+            </a:pPr>
+            <a:endParaRPr lang="en-US" dirty="0"/>
+          </a:p>
+          <a:p>
+            <a:r>
+              <a:rPr lang="en-US" dirty="0"/>
+              <a:t>A. 	Facebook</a:t>
+            </a:r>
+          </a:p>
+          <a:p>
+            <a:r>
+              <a:rPr lang="en-US" dirty="0"/>
+              <a:t>B. 	Twitter</a:t>
+            </a:r>
+          </a:p>
+          <a:p>
+            <a:r>
+              <a:rPr lang="en-US" dirty="0"/>
+              <a:t>C. 	Instagram</a:t>
+            </a:r>
+          </a:p>
+          <a:p>
+            <a:r>
+              <a:rPr lang="en-US" dirty="0"/>
+              <a:t>D. 	Snapchat</a:t>
+            </a:r>
+          </a:p>
+          <a:p>
+            <a:endParaRPr lang="en-US" dirty="0"/>
+          </a:p>
+        </p:txBody>
+      </p:sp>
+      <p:cxnSp>
+        <p:nvCxnSpPr>
+          <p:cNvPr id="5" name="Straight Connector 4"/>
+          <p:cNvCxnSpPr/>
+          <p:nvPr/>
+        </p:nvCxnSpPr>
+        <p:spPr>
+          <a:xfrm flipH="1" flipV="1">
+            <a:off x="1578304" y="4377430"/>
+            <a:ext cx="3988778" cy="25380"/>
+          </a:xfrm>
+          <a:prstGeom prst="line">
+            <a:avLst/>
+          </a:prstGeom>
+          <a:ln w="38100"/>
+        </p:spPr>
+        <p:style>
+          <a:lnRef idx="1">
+            <a:schemeClr val="accent2"/>
+          </a:lnRef>
+          <a:fillRef idx="0">
+            <a:schemeClr val="accent2"/>
+          </a:fillRef>
+          <a:effectRef idx="0">
+            <a:schemeClr val="accent2"/>
+          </a:effectRef>
+          <a:fontRef idx="minor">
+            <a:schemeClr val="tx1"/>
+          </a:fontRef>
+        </p:style>
+      </p:cxnSp>
+      <p:cxnSp>
+        <p:nvCxnSpPr>
+          <p:cNvPr id="7" name="Straight Connector 6"/>
+          <p:cNvCxnSpPr/>
+          <p:nvPr/>
+        </p:nvCxnSpPr>
+        <p:spPr>
+          <a:xfrm flipH="1">
+            <a:off x="1528998" y="5624339"/>
+            <a:ext cx="4087390" cy="0"/>
+          </a:xfrm>
+          <a:prstGeom prst="line">
+            <a:avLst/>
+          </a:prstGeom>
+          <a:ln w="38100">
+            <a:solidFill>
+              <a:srgbClr val="FFC000"/>
+            </a:solidFill>
+          </a:ln>
+        </p:spPr>
+        <p:style>
+          <a:lnRef idx="1">
+            <a:schemeClr val="accent2"/>
+          </a:lnRef>
+          <a:fillRef idx="0">
+            <a:schemeClr val="accent2"/>
+          </a:fillRef>
+          <a:effectRef idx="0">
+            <a:schemeClr val="accent2"/>
+          </a:effectRef>
+          <a:fontRef idx="minor">
+            <a:schemeClr val="tx1"/>
+          </a:fontRef>
+        </p:style>
+      </p:cxnSp>
+      <p:cxnSp>
+        <p:nvCxnSpPr>
+          <p:cNvPr id="8" name="Straight Connector 7"/>
+          <p:cNvCxnSpPr/>
+          <p:nvPr/>
+        </p:nvCxnSpPr>
+        <p:spPr>
+          <a:xfrm flipH="1" flipV="1">
+            <a:off x="1578304" y="4781859"/>
+            <a:ext cx="3988778" cy="38478"/>
+          </a:xfrm>
+          <a:prstGeom prst="line">
+            <a:avLst/>
+          </a:prstGeom>
+          <a:ln w="38100">
+            <a:solidFill>
+              <a:srgbClr val="FF0000"/>
+            </a:solidFill>
+          </a:ln>
+        </p:spPr>
+        <p:style>
+          <a:lnRef idx="1">
+            <a:schemeClr val="accent2"/>
+          </a:lnRef>
+          <a:fillRef idx="0">
+            <a:schemeClr val="accent2"/>
+          </a:fillRef>
+          <a:effectRef idx="0">
+            <a:schemeClr val="accent2"/>
+          </a:effectRef>
+          <a:fontRef idx="minor">
+            <a:schemeClr val="tx1"/>
+          </a:fontRef>
+        </p:style>
+      </p:cxnSp>
+      <p:cxnSp>
+        <p:nvCxnSpPr>
+          <p:cNvPr id="13" name="Straight Connector 12"/>
+          <p:cNvCxnSpPr/>
+          <p:nvPr/>
+        </p:nvCxnSpPr>
+        <p:spPr>
+          <a:xfrm flipH="1" flipV="1">
+            <a:off x="867747" y="2876884"/>
+            <a:ext cx="3909528" cy="3945"/>
+          </a:xfrm>
+          <a:prstGeom prst="line">
+            <a:avLst/>
+          </a:prstGeom>
+          <a:ln w="38100"/>
+        </p:spPr>
+        <p:style>
+          <a:lnRef idx="1">
+            <a:schemeClr val="accent2"/>
+          </a:lnRef>
+          <a:fillRef idx="0">
+            <a:schemeClr val="accent2"/>
+          </a:fillRef>
+          <a:effectRef idx="0">
+            <a:schemeClr val="accent2"/>
+          </a:effectRef>
+          <a:fontRef idx="minor">
+            <a:schemeClr val="tx1"/>
+          </a:fontRef>
+        </p:style>
+      </p:cxnSp>
+      <p:cxnSp>
+        <p:nvCxnSpPr>
+          <p:cNvPr id="14" name="Straight Connector 13"/>
+          <p:cNvCxnSpPr/>
+          <p:nvPr/>
+        </p:nvCxnSpPr>
+        <p:spPr>
+          <a:xfrm flipH="1">
+            <a:off x="8034261" y="3350422"/>
+            <a:ext cx="2969731" cy="0"/>
+          </a:xfrm>
+          <a:prstGeom prst="line">
+            <a:avLst/>
+          </a:prstGeom>
+          <a:ln w="38100">
+            <a:solidFill>
+              <a:srgbClr val="FF0000"/>
+            </a:solidFill>
+          </a:ln>
+        </p:spPr>
+        <p:style>
+          <a:lnRef idx="1">
+            <a:schemeClr val="accent2"/>
+          </a:lnRef>
+          <a:fillRef idx="0">
+            <a:schemeClr val="accent2"/>
+          </a:fillRef>
+          <a:effectRef idx="0">
+            <a:schemeClr val="accent2"/>
+          </a:effectRef>
+          <a:fontRef idx="minor">
+            <a:schemeClr val="tx1"/>
+          </a:fontRef>
+        </p:style>
+      </p:cxnSp>
+      <p:cxnSp>
+        <p:nvCxnSpPr>
+          <p:cNvPr id="15" name="Straight Connector 14"/>
+          <p:cNvCxnSpPr/>
+          <p:nvPr/>
+        </p:nvCxnSpPr>
+        <p:spPr>
+          <a:xfrm flipH="1">
+            <a:off x="6379013" y="2547257"/>
+            <a:ext cx="3698048" cy="7613"/>
+          </a:xfrm>
+          <a:prstGeom prst="line">
+            <a:avLst/>
+          </a:prstGeom>
+          <a:ln w="38100">
+            <a:solidFill>
+              <a:srgbClr val="FFC000"/>
+            </a:solidFill>
+          </a:ln>
+        </p:spPr>
+        <p:style>
+          <a:lnRef idx="1">
+            <a:schemeClr val="accent2"/>
+          </a:lnRef>
+          <a:fillRef idx="0">
+            <a:schemeClr val="accent2"/>
+          </a:fillRef>
+          <a:effectRef idx="0">
+            <a:schemeClr val="accent2"/>
+          </a:effectRef>
+          <a:fontRef idx="minor">
+            <a:schemeClr val="tx1"/>
+          </a:fontRef>
+        </p:style>
+      </p:cxnSp>
+      <p:sp>
+        <p:nvSpPr>
+          <p:cNvPr id="17" name="Arrow: Right 16"/>
+          <p:cNvSpPr/>
+          <p:nvPr/>
+        </p:nvSpPr>
+        <p:spPr>
+          <a:xfrm rot="10800000">
+            <a:off x="2972769" y="4987735"/>
+            <a:ext cx="1371600" cy="385483"/>
+          </a:xfrm>
+          <a:prstGeom prst="rightArrow">
+            <a:avLst/>
+          </a:prstGeom>
+        </p:spPr>
+        <p:style>
+          <a:lnRef idx="2">
+            <a:schemeClr val="accent6">
+              <a:shade val="50000"/>
+            </a:schemeClr>
+          </a:lnRef>
+          <a:fillRef idx="1">
+            <a:schemeClr val="accent6"/>
+          </a:fillRef>
+          <a:effectRef idx="0">
+            <a:schemeClr val="accent6"/>
+          </a:effectRef>
+          <a:fontRef idx="minor">
+            <a:schemeClr val="lt1"/>
+          </a:fontRef>
+        </p:style>
+        <p:txBody>
+          <a:bodyPr rtlCol="0" anchor="ctr"/>
+          <a:lstStyle/>
+          <a:p>
+            <a:pPr algn="ctr"/>
+            <a:endParaRPr lang="en-US"/>
+          </a:p>
+        </p:txBody>
+      </p:sp>
+    </p:spTree>
+    <p:extLst>
+      <p:ext uri="{BB962C8B-B14F-4D97-AF65-F5344CB8AC3E}">
+        <p14:creationId xmlns:p14="http://schemas.microsoft.com/office/powerpoint/2010/main" val="27124041"/>
+      </p:ext>
+    </p:extLst>
+  </p:cSld>
+  <p:clrMapOvr>
+    <a:masterClrMapping/>
+  </p:clrMapOvr>
+  <p:timing>
+    <p:tnLst>
+      <p:par>
+        <p:cTn id="1" dur="indefinite" restart="never" nodeType="tmRoot">
+          <p:childTnLst>
+            <p:seq concurrent="1" nextAc="seek">
+              <p:cTn id="2" dur="indefinite" nodeType="mainSeq">
+                <p:childTnLst>
+                  <p:par>
+                    <p:cTn id="3" fill="hold">
+                      <p:stCondLst>
+                        <p:cond delay="indefinite"/>
+                      </p:stCondLst>
+                      <p:childTnLst>
+                        <p:par>
+                          <p:cTn id="4" fill="hold">
+                            <p:stCondLst>
+                              <p:cond delay="0"/>
+                            </p:stCondLst>
+                            <p:childTnLst>
+                              <p:par>
+                                <p:cTn id="5" presetID="1" presetClass="entr" presetSubtype="0" fill="hold" nodeType="clickEffect">
+                                  <p:stCondLst>
+                                    <p:cond delay="0"/>
+                                  </p:stCondLst>
+                                  <p:childTnLst>
+                                    <p:set>
+                                      <p:cBhvr>
+                                        <p:cTn id="6" dur="1" fill="hold">
+                                          <p:stCondLst>
+                                            <p:cond delay="0"/>
+                                          </p:stCondLst>
+                                        </p:cTn>
+                                        <p:tgtEl>
+                                          <p:spTgt spid="7"/>
+                                        </p:tgtEl>
+                                        <p:attrNameLst>
+                                          <p:attrName>style.visibility</p:attrName>
+                                        </p:attrNameLst>
+                                      </p:cBhvr>
+                                      <p:to>
+                                        <p:strVal val="visible"/>
+                                      </p:to>
+                                    </p:set>
+                                  </p:childTnLst>
+                                </p:cTn>
+                              </p:par>
+                              <p:par>
+                                <p:cTn id="7" presetID="1" presetClass="entr" presetSubtype="0" fill="hold" nodeType="withEffect">
+                                  <p:stCondLst>
+                                    <p:cond delay="0"/>
+                                  </p:stCondLst>
+                                  <p:childTnLst>
+                                    <p:set>
+                                      <p:cBhvr>
+                                        <p:cTn id="8" dur="1" fill="hold">
+                                          <p:stCondLst>
+                                            <p:cond delay="0"/>
+                                          </p:stCondLst>
+                                        </p:cTn>
+                                        <p:tgtEl>
+                                          <p:spTgt spid="15"/>
+                                        </p:tgtEl>
+                                        <p:attrNameLst>
+                                          <p:attrName>style.visibility</p:attrName>
+                                        </p:attrNameLst>
+                                      </p:cBhvr>
+                                      <p:to>
+                                        <p:strVal val="visible"/>
+                                      </p:to>
+                                    </p:set>
+                                  </p:childTnLst>
+                                </p:cTn>
+                              </p:par>
+                            </p:childTnLst>
+                          </p:cTn>
+                        </p:par>
+                      </p:childTnLst>
+                    </p:cTn>
+                  </p:par>
+                  <p:par>
+                    <p:cTn id="9" fill="hold">
+                      <p:stCondLst>
+                        <p:cond delay="indefinite"/>
+                      </p:stCondLst>
+                      <p:childTnLst>
+                        <p:par>
+                          <p:cTn id="10" fill="hold">
+                            <p:stCondLst>
+                              <p:cond delay="0"/>
+                            </p:stCondLst>
+                            <p:childTnLst>
+                              <p:par>
+                                <p:cTn id="11" presetID="1" presetClass="entr" presetSubtype="0" fill="hold" nodeType="clickEffect">
+                                  <p:stCondLst>
+                                    <p:cond delay="0"/>
+                                  </p:stCondLst>
+                                  <p:childTnLst>
+                                    <p:set>
+                                      <p:cBhvr>
+                                        <p:cTn id="12" dur="1" fill="hold">
+                                          <p:stCondLst>
+                                            <p:cond delay="0"/>
+                                          </p:stCondLst>
+                                        </p:cTn>
+                                        <p:tgtEl>
+                                          <p:spTgt spid="5"/>
+                                        </p:tgtEl>
+                                        <p:attrNameLst>
+                                          <p:attrName>style.visibility</p:attrName>
+                                        </p:attrNameLst>
+                                      </p:cBhvr>
+                                      <p:to>
+                                        <p:strVal val="visible"/>
+                                      </p:to>
+                                    </p:set>
+                                  </p:childTnLst>
+                                </p:cTn>
+                              </p:par>
+                              <p:par>
+                                <p:cTn id="13" presetID="1" presetClass="entr" presetSubtype="0" fill="hold" nodeType="withEffect">
+                                  <p:stCondLst>
+                                    <p:cond delay="0"/>
+                                  </p:stCondLst>
+                                  <p:childTnLst>
+                                    <p:set>
+                                      <p:cBhvr>
+                                        <p:cTn id="14" dur="1" fill="hold">
+                                          <p:stCondLst>
+                                            <p:cond delay="0"/>
+                                          </p:stCondLst>
+                                        </p:cTn>
+                                        <p:tgtEl>
+                                          <p:spTgt spid="13"/>
+                                        </p:tgtEl>
+                                        <p:attrNameLst>
+                                          <p:attrName>style.visibility</p:attrName>
+                                        </p:attrNameLst>
+                                      </p:cBhvr>
+                                      <p:to>
+                                        <p:strVal val="visible"/>
+                                      </p:to>
+                                    </p:set>
+                                  </p:childTnLst>
+                                </p:cTn>
+                              </p:par>
+                            </p:childTnLst>
+                          </p:cTn>
+                        </p:par>
+                      </p:childTnLst>
+                    </p:cTn>
+                  </p:par>
+                  <p:par>
+                    <p:cTn id="15" fill="hold">
+                      <p:stCondLst>
+                        <p:cond delay="indefinite"/>
+                      </p:stCondLst>
+                      <p:childTnLst>
+                        <p:par>
+                          <p:cTn id="16" fill="hold">
+                            <p:stCondLst>
+                              <p:cond delay="0"/>
+                            </p:stCondLst>
+                            <p:childTnLst>
+                              <p:par>
+                                <p:cTn id="17" presetID="1" presetClass="entr" presetSubtype="0" fill="hold" nodeType="clickEffect">
+                                  <p:stCondLst>
+                                    <p:cond delay="0"/>
+                                  </p:stCondLst>
+                                  <p:childTnLst>
+                                    <p:set>
+                                      <p:cBhvr>
+                                        <p:cTn id="18" dur="1" fill="hold">
+                                          <p:stCondLst>
+                                            <p:cond delay="0"/>
+                                          </p:stCondLst>
+                                        </p:cTn>
+                                        <p:tgtEl>
+                                          <p:spTgt spid="8"/>
+                                        </p:tgtEl>
+                                        <p:attrNameLst>
+                                          <p:attrName>style.visibility</p:attrName>
+                                        </p:attrNameLst>
+                                      </p:cBhvr>
+                                      <p:to>
+                                        <p:strVal val="visible"/>
+                                      </p:to>
+                                    </p:set>
+                                  </p:childTnLst>
+                                </p:cTn>
+                              </p:par>
+                              <p:par>
+                                <p:cTn id="19" presetID="1" presetClass="entr" presetSubtype="0" fill="hold" nodeType="withEffect">
+                                  <p:stCondLst>
+                                    <p:cond delay="0"/>
+                                  </p:stCondLst>
+                                  <p:childTnLst>
+                                    <p:set>
+                                      <p:cBhvr>
+                                        <p:cTn id="20" dur="1" fill="hold">
+                                          <p:stCondLst>
+                                            <p:cond delay="0"/>
+                                          </p:stCondLst>
+                                        </p:cTn>
+                                        <p:tgtEl>
+                                          <p:spTgt spid="14"/>
+                                        </p:tgtEl>
+                                        <p:attrNameLst>
+                                          <p:attrName>style.visibility</p:attrName>
+                                        </p:attrNameLst>
+                                      </p:cBhvr>
+                                      <p:to>
+                                        <p:strVal val="visible"/>
+                                      </p:to>
+                                    </p:set>
+                                  </p:childTnLst>
+                                </p:cTn>
+                              </p:par>
+                            </p:childTnLst>
+                          </p:cTn>
+                        </p:par>
+                      </p:childTnLst>
+                    </p:cTn>
+                  </p:par>
+                  <p:par>
+                    <p:cTn id="21" fill="hold">
+                      <p:stCondLst>
+                        <p:cond delay="indefinite"/>
+                      </p:stCondLst>
+                      <p:childTnLst>
+                        <p:par>
+                          <p:cTn id="22" fill="hold">
+                            <p:stCondLst>
+                              <p:cond delay="0"/>
+                            </p:stCondLst>
+                            <p:childTnLst>
+                              <p:par>
+                                <p:cTn id="23" presetID="42" presetClass="entr" presetSubtype="0" fill="hold" grpId="0" nodeType="clickEffect">
+                                  <p:stCondLst>
+                                    <p:cond delay="0"/>
+                                  </p:stCondLst>
+                                  <p:childTnLst>
+                                    <p:set>
+                                      <p:cBhvr>
+                                        <p:cTn id="24" dur="1" fill="hold">
+                                          <p:stCondLst>
+                                            <p:cond delay="0"/>
+                                          </p:stCondLst>
+                                        </p:cTn>
+                                        <p:tgtEl>
+                                          <p:spTgt spid="17"/>
+                                        </p:tgtEl>
+                                        <p:attrNameLst>
+                                          <p:attrName>style.visibility</p:attrName>
+                                        </p:attrNameLst>
+                                      </p:cBhvr>
+                                      <p:to>
+                                        <p:strVal val="visible"/>
+                                      </p:to>
+                                    </p:set>
+                                    <p:animEffect transition="in" filter="fade">
+                                      <p:cBhvr>
+                                        <p:cTn id="25" dur="1000"/>
+                                        <p:tgtEl>
+                                          <p:spTgt spid="17"/>
+                                        </p:tgtEl>
+                                      </p:cBhvr>
+                                    </p:animEffect>
+                                    <p:anim calcmode="lin" valueType="num">
+                                      <p:cBhvr>
+                                        <p:cTn id="26" dur="1000" fill="hold"/>
+                                        <p:tgtEl>
+                                          <p:spTgt spid="17"/>
+                                        </p:tgtEl>
+                                        <p:attrNameLst>
+                                          <p:attrName>ppt_x</p:attrName>
+                                        </p:attrNameLst>
+                                      </p:cBhvr>
+                                      <p:tavLst>
+                                        <p:tav tm="0">
+                                          <p:val>
+                                            <p:strVal val="#ppt_x"/>
+                                          </p:val>
+                                        </p:tav>
+                                        <p:tav tm="100000">
+                                          <p:val>
+                                            <p:strVal val="#ppt_x"/>
+                                          </p:val>
+                                        </p:tav>
+                                      </p:tavLst>
+                                    </p:anim>
+                                    <p:anim calcmode="lin" valueType="num">
+                                      <p:cBhvr>
+                                        <p:cTn id="27" dur="1000" fill="hold"/>
+                                        <p:tgtEl>
+                                          <p:spTgt spid="17"/>
+                                        </p:tgtEl>
+                                        <p:attrNameLst>
+                                          <p:attrName>ppt_y</p:attrName>
+                                        </p:attrNameLst>
+                                      </p:cBhvr>
+                                      <p:tavLst>
+                                        <p:tav tm="0">
+                                          <p:val>
+                                            <p:strVal val="#ppt_y+.1"/>
+                                          </p:val>
+                                        </p:tav>
+                                        <p:tav tm="100000">
+                                          <p:val>
+                                            <p:strVal val="#ppt_y"/>
+                                          </p:val>
+                                        </p:tav>
+                                      </p:tavLst>
+                                    </p:anim>
+                                  </p:childTnLst>
+                                </p:cTn>
+                              </p:par>
+                            </p:childTnLst>
+                          </p:cTn>
+                        </p:par>
+                      </p:childTnLst>
+                    </p:cTn>
+                  </p:par>
+                </p:childTnLst>
+              </p:cTn>
+              <p:prevCondLst>
+                <p:cond evt="onPrev" delay="0">
+                  <p:tgtEl>
+                    <p:sldTgt/>
+                  </p:tgtEl>
+                </p:cond>
+              </p:prevCondLst>
+              <p:nextCondLst>
+                <p:cond evt="onNext" delay="0">
+                  <p:tgtEl>
+                    <p:sldTgt/>
+                  </p:tgtEl>
+                </p:cond>
+              </p:nextCondLst>
+            </p:seq>
+          </p:childTnLst>
+        </p:cTn>
+      </p:par>
+    </p:tnLst>
+    <p:bldLst>
+      <p:bldP spid="17" grpId="0" animBg="1"/>
+    </p:bldLst>
+  </p:timing>
+</p:sld>
+</file>
+
+<file path=ppt/slides/slide45.xml><?xml version="1.0" encoding="utf-8"?>
+<p:sld xmlns:a="http://schemas.openxmlformats.org/drawingml/2006/main" xmlns:r="http://schemas.openxmlformats.org/officeDocument/2006/relationships" xmlns:p="http://schemas.openxmlformats.org/presentationml/2006/main">
+  <p:cSld>
+    <p:spTree>
+      <p:nvGrpSpPr>
+        <p:cNvPr id="1" name=""/>
+        <p:cNvGrpSpPr/>
+        <p:nvPr/>
+      </p:nvGrpSpPr>
+      <p:grpSpPr>
+        <a:xfrm>
+          <a:off x="0" y="0"/>
+          <a:ext cx="0" cy="0"/>
+          <a:chOff x="0" y="0"/>
+          <a:chExt cx="0" cy="0"/>
+        </a:xfrm>
+      </p:grpSpPr>
+      <p:sp>
+        <p:nvSpPr>
           <p:cNvPr id="5" name="Title 4"/>
           <p:cNvSpPr>
             <a:spLocks noGrp="1"/>
@@ -27451,7 +27842,7 @@
           <a:p>
             <a:fld id="{CC077DB7-DE37-4EA7-B5C7-4FE1B440C5DB}" type="slidenum">
               <a:rPr lang="en-US" smtClean="0"/>
-              <a:t>44</a:t>
+              <a:t>45</a:t>
             </a:fld>
             <a:endParaRPr lang="en-US" dirty="0"/>
           </a:p>
@@ -27696,7 +28087,7 @@
 </p:sld>
 </file>
 
-<file path=ppt/slides/slide45.xml><?xml version="1.0" encoding="utf-8"?>
+<file path=ppt/slides/slide46.xml><?xml version="1.0" encoding="utf-8"?>
 <p:sld xmlns:a="http://schemas.openxmlformats.org/drawingml/2006/main" xmlns:r="http://schemas.openxmlformats.org/officeDocument/2006/relationships" xmlns:p="http://schemas.openxmlformats.org/presentationml/2006/main">
   <p:cSld>
     <p:bg>
@@ -27972,7 +28363,7 @@
 </p:sld>
 </file>
 
-<file path=ppt/slides/slide46.xml><?xml version="1.0" encoding="utf-8"?>
+<file path=ppt/slides/slide47.xml><?xml version="1.0" encoding="utf-8"?>
 <p:sld xmlns:a="http://schemas.openxmlformats.org/drawingml/2006/main" xmlns:r="http://schemas.openxmlformats.org/officeDocument/2006/relationships" xmlns:p="http://schemas.openxmlformats.org/presentationml/2006/main">
   <p:cSld>
     <p:spTree>
@@ -28366,7 +28757,7 @@
 </p:sld>
 </file>
 
-<file path=ppt/slides/slide47.xml><?xml version="1.0" encoding="utf-8"?>
+<file path=ppt/slides/slide48.xml><?xml version="1.0" encoding="utf-8"?>
 <p:sld xmlns:a="http://schemas.openxmlformats.org/drawingml/2006/main" xmlns:r="http://schemas.openxmlformats.org/officeDocument/2006/relationships" xmlns:p="http://schemas.openxmlformats.org/presentationml/2006/main">
   <p:cSld>
     <p:spTree>
@@ -28859,13 +29250,7 @@
       </p:grpSpPr>
       <p:sp>
         <p:nvSpPr>
-          <p:cNvPr id="2" name="Title 1">
-            <a:extLst>
-              <a:ext uri="{FF2B5EF4-FFF2-40B4-BE49-F238E27FC236}">
-                <a16:creationId xmlns:a16="http://schemas.microsoft.com/office/drawing/2014/main" id="{DDEF33D2-C99C-40D1-89F1-A81B1F85D202}"/>
-              </a:ext>
-            </a:extLst>
-          </p:cNvPr>
+          <p:cNvPr id="2" name="Title 1"/>
           <p:cNvSpPr>
             <a:spLocks noGrp="1"/>
           </p:cNvSpPr>
@@ -28880,20 +29265,14 @@
           <a:p>
             <a:r>
               <a:rPr lang="en-US" dirty="0"/>
-              <a:t>Who Should Take Cert Exams</a:t>
-            </a:r>
-          </a:p>
-        </p:txBody>
-      </p:sp>
-      <p:sp>
-        <p:nvSpPr>
-          <p:cNvPr id="3" name="Content Placeholder 2">
-            <a:extLst>
-              <a:ext uri="{FF2B5EF4-FFF2-40B4-BE49-F238E27FC236}">
-                <a16:creationId xmlns:a16="http://schemas.microsoft.com/office/drawing/2014/main" id="{FDC8B2BB-F0F2-481C-8DA0-098CADBB7296}"/>
-              </a:ext>
-            </a:extLst>
-          </p:cNvPr>
+              <a:t>Test-taking insight</a:t>
+            </a:r>
+          </a:p>
+        </p:txBody>
+      </p:sp>
+      <p:sp>
+        <p:nvSpPr>
+          <p:cNvPr id="3" name="Content Placeholder 2"/>
           <p:cNvSpPr>
             <a:spLocks noGrp="1"/>
           </p:cNvSpPr>
@@ -28901,57 +29280,49 @@
             <p:ph idx="1"/>
           </p:nvPr>
         </p:nvSpPr>
-        <p:spPr>
-          <a:xfrm>
-            <a:off x="609600" y="990603"/>
-            <a:ext cx="10972800" cy="5657847"/>
-          </a:xfrm>
-        </p:spPr>
+        <p:spPr/>
         <p:txBody>
           <a:bodyPr>
-            <a:normAutofit lnSpcReduction="10000"/>
+            <a:noAutofit/>
           </a:bodyPr>
           <a:lstStyle/>
           <a:p>
             <a:r>
-              <a:rPr lang="en-US" sz="4000" dirty="0"/>
-              <a:t>The exams I write for Microsoft were designed to test experience, not book knowledge.</a:t>
-            </a:r>
-          </a:p>
-          <a:p>
-            <a:r>
-              <a:rPr lang="en-US" sz="4000" dirty="0"/>
-              <a:t>So asking a kid out of college or an entry-level employee to take a cert exam is not something I advise. It leads to one of three outcomes:</a:t>
-            </a:r>
-          </a:p>
-          <a:p>
-            <a:pPr lvl="1"/>
-            <a:r>
               <a:rPr lang="en-US" sz="3600" dirty="0"/>
-              <a:t>They pass the exam. (Least likely)</a:t>
-            </a:r>
-          </a:p>
-          <a:p>
-            <a:pPr marL="457200" lvl="1" indent="0">
-              <a:buNone/>
-            </a:pPr>
-            <a:r>
+              <a:t>When deciding on what content is tested, SME’s are asked:</a:t>
+            </a:r>
+            <a:br>
               <a:rPr lang="en-US" sz="3600" dirty="0"/>
-              <a:t>More likely:</a:t>
-            </a:r>
-          </a:p>
-          <a:p>
-            <a:pPr lvl="1"/>
+            </a:br>
             <a:r>
               <a:rPr lang="en-US" sz="3600" dirty="0"/>
-              <a:t>They fail the exam, possibly multiple times, resulting in frustration/disillusionment, even career derailment.</a:t>
-            </a:r>
-          </a:p>
-          <a:p>
-            <a:pPr lvl="1"/>
-            <a:r>
+              <a:t>“Is this a skillset that you do regularly?” </a:t>
+            </a:r>
+            <a:br>
               <a:rPr lang="en-US" sz="3600" dirty="0"/>
-              <a:t>They try to cheat on the exam. Outcome dubious at that point.</a:t>
+            </a:br>
+            <a:r>
+              <a:rPr lang="en-US" sz="3600" dirty="0"/>
+              <a:t>or</a:t>
+            </a:r>
+            <a:br>
+              <a:rPr lang="en-US" sz="3600" dirty="0"/>
+            </a:br>
+            <a:r>
+              <a:rPr lang="en-US" sz="3600" dirty="0"/>
+              <a:t>“Is this a skillset you would ask about when hiring?”</a:t>
+            </a:r>
+          </a:p>
+          <a:p>
+            <a:r>
+              <a:rPr lang="en-US" sz="3600" dirty="0"/>
+              <a:t>If a worldwide group of 10 SME’s don’t think a feature is important to ask about, it’s not asked about. </a:t>
+            </a:r>
+          </a:p>
+          <a:p>
+            <a:r>
+              <a:rPr lang="en-US" sz="3600" dirty="0"/>
+              <a:t>New features are very likely to be included on the exam, to certify people who are doing work in the newest version(s) of the products.</a:t>
             </a:r>
           </a:p>
         </p:txBody>
@@ -28959,13 +29330,229 @@
     </p:spTree>
     <p:extLst>
       <p:ext uri="{BB962C8B-B14F-4D97-AF65-F5344CB8AC3E}">
-        <p14:creationId xmlns:p14="http://schemas.microsoft.com/office/powerpoint/2010/main" val="4255154783"/>
+        <p14:creationId xmlns:p14="http://schemas.microsoft.com/office/powerpoint/2010/main" val="3090163752"/>
       </p:ext>
     </p:extLst>
   </p:cSld>
   <p:clrMapOvr>
     <a:masterClrMapping/>
   </p:clrMapOvr>
+  <p:timing>
+    <p:tnLst>
+      <p:par>
+        <p:cTn id="1" dur="indefinite" restart="never" nodeType="tmRoot">
+          <p:childTnLst>
+            <p:seq concurrent="1" nextAc="seek">
+              <p:cTn id="2" dur="indefinite" nodeType="mainSeq">
+                <p:childTnLst>
+                  <p:par>
+                    <p:cTn id="3" fill="hold">
+                      <p:stCondLst>
+                        <p:cond delay="indefinite"/>
+                      </p:stCondLst>
+                      <p:childTnLst>
+                        <p:par>
+                          <p:cTn id="4" fill="hold">
+                            <p:stCondLst>
+                              <p:cond delay="0"/>
+                            </p:stCondLst>
+                            <p:childTnLst>
+                              <p:par>
+                                <p:cTn id="5" presetID="10" presetClass="entr" presetSubtype="0" fill="hold" grpId="0" nodeType="clickEffect">
+                                  <p:stCondLst>
+                                    <p:cond delay="0"/>
+                                  </p:stCondLst>
+                                  <p:childTnLst>
+                                    <p:set>
+                                      <p:cBhvr>
+                                        <p:cTn id="6" dur="1" fill="hold">
+                                          <p:stCondLst>
+                                            <p:cond delay="0"/>
+                                          </p:stCondLst>
+                                        </p:cTn>
+                                        <p:tgtEl>
+                                          <p:spTgt spid="3">
+                                            <p:txEl>
+                                              <p:pRg st="0" end="0"/>
+                                            </p:txEl>
+                                          </p:spTgt>
+                                        </p:tgtEl>
+                                        <p:attrNameLst>
+                                          <p:attrName>style.visibility</p:attrName>
+                                        </p:attrNameLst>
+                                      </p:cBhvr>
+                                      <p:to>
+                                        <p:strVal val="visible"/>
+                                      </p:to>
+                                    </p:set>
+                                    <p:animEffect transition="in" filter="fade">
+                                      <p:cBhvr>
+                                        <p:cTn id="7" dur="500"/>
+                                        <p:tgtEl>
+                                          <p:spTgt spid="3">
+                                            <p:txEl>
+                                              <p:pRg st="0" end="0"/>
+                                            </p:txEl>
+                                          </p:spTgt>
+                                        </p:tgtEl>
+                                      </p:cBhvr>
+                                    </p:animEffect>
+                                  </p:childTnLst>
+                                </p:cTn>
+                              </p:par>
+                            </p:childTnLst>
+                          </p:cTn>
+                        </p:par>
+                      </p:childTnLst>
+                    </p:cTn>
+                  </p:par>
+                  <p:par>
+                    <p:cTn id="8" fill="hold">
+                      <p:stCondLst>
+                        <p:cond delay="indefinite"/>
+                      </p:stCondLst>
+                      <p:childTnLst>
+                        <p:par>
+                          <p:cTn id="9" fill="hold">
+                            <p:stCondLst>
+                              <p:cond delay="0"/>
+                            </p:stCondLst>
+                            <p:childTnLst>
+                              <p:par>
+                                <p:cTn id="10" presetID="10" presetClass="entr" presetSubtype="0" fill="hold" grpId="0" nodeType="clickEffect">
+                                  <p:stCondLst>
+                                    <p:cond delay="0"/>
+                                  </p:stCondLst>
+                                  <p:childTnLst>
+                                    <p:set>
+                                      <p:cBhvr>
+                                        <p:cTn id="11" dur="1" fill="hold">
+                                          <p:stCondLst>
+                                            <p:cond delay="0"/>
+                                          </p:stCondLst>
+                                        </p:cTn>
+                                        <p:tgtEl>
+                                          <p:spTgt spid="3">
+                                            <p:txEl>
+                                              <p:pRg st="1" end="1"/>
+                                            </p:txEl>
+                                          </p:spTgt>
+                                        </p:tgtEl>
+                                        <p:attrNameLst>
+                                          <p:attrName>style.visibility</p:attrName>
+                                        </p:attrNameLst>
+                                      </p:cBhvr>
+                                      <p:to>
+                                        <p:strVal val="visible"/>
+                                      </p:to>
+                                    </p:set>
+                                    <p:animEffect transition="in" filter="fade">
+                                      <p:cBhvr>
+                                        <p:cTn id="12" dur="500"/>
+                                        <p:tgtEl>
+                                          <p:spTgt spid="3">
+                                            <p:txEl>
+                                              <p:pRg st="1" end="1"/>
+                                            </p:txEl>
+                                          </p:spTgt>
+                                        </p:tgtEl>
+                                      </p:cBhvr>
+                                    </p:animEffect>
+                                  </p:childTnLst>
+                                </p:cTn>
+                              </p:par>
+                            </p:childTnLst>
+                          </p:cTn>
+                        </p:par>
+                      </p:childTnLst>
+                    </p:cTn>
+                  </p:par>
+                  <p:par>
+                    <p:cTn id="13" fill="hold">
+                      <p:stCondLst>
+                        <p:cond delay="indefinite"/>
+                      </p:stCondLst>
+                      <p:childTnLst>
+                        <p:par>
+                          <p:cTn id="14" fill="hold">
+                            <p:stCondLst>
+                              <p:cond delay="0"/>
+                            </p:stCondLst>
+                            <p:childTnLst>
+                              <p:par>
+                                <p:cTn id="15" presetID="10" presetClass="entr" presetSubtype="0" fill="hold" grpId="0" nodeType="clickEffect">
+                                  <p:stCondLst>
+                                    <p:cond delay="0"/>
+                                  </p:stCondLst>
+                                  <p:childTnLst>
+                                    <p:set>
+                                      <p:cBhvr>
+                                        <p:cTn id="16" dur="1" fill="hold">
+                                          <p:stCondLst>
+                                            <p:cond delay="0"/>
+                                          </p:stCondLst>
+                                        </p:cTn>
+                                        <p:tgtEl>
+                                          <p:spTgt spid="3">
+                                            <p:txEl>
+                                              <p:pRg st="2" end="2"/>
+                                            </p:txEl>
+                                          </p:spTgt>
+                                        </p:tgtEl>
+                                        <p:attrNameLst>
+                                          <p:attrName>style.visibility</p:attrName>
+                                        </p:attrNameLst>
+                                      </p:cBhvr>
+                                      <p:to>
+                                        <p:strVal val="visible"/>
+                                      </p:to>
+                                    </p:set>
+                                    <p:animEffect transition="in" filter="fade">
+                                      <p:cBhvr>
+                                        <p:cTn id="17" dur="500"/>
+                                        <p:tgtEl>
+                                          <p:spTgt spid="3">
+                                            <p:txEl>
+                                              <p:pRg st="2" end="2"/>
+                                            </p:txEl>
+                                          </p:spTgt>
+                                        </p:tgtEl>
+                                      </p:cBhvr>
+                                    </p:animEffect>
+                                  </p:childTnLst>
+                                </p:cTn>
+                              </p:par>
+                            </p:childTnLst>
+                          </p:cTn>
+                        </p:par>
+                      </p:childTnLst>
+                    </p:cTn>
+                  </p:par>
+                </p:childTnLst>
+              </p:cTn>
+              <p:prevCondLst>
+                <p:cond evt="onPrev" delay="0">
+                  <p:tgtEl>
+                    <p:sldTgt/>
+                  </p:tgtEl>
+                </p:cond>
+              </p:prevCondLst>
+              <p:nextCondLst>
+                <p:cond evt="onNext" delay="0">
+                  <p:tgtEl>
+                    <p:sldTgt/>
+                  </p:tgtEl>
+                </p:cond>
+              </p:nextCondLst>
+            </p:seq>
+          </p:childTnLst>
+        </p:cTn>
+      </p:par>
+    </p:tnLst>
+    <p:bldLst>
+      <p:bldP spid="3" grpId="0" uiExpand="1" build="p"/>
+    </p:bldLst>
+  </p:timing>
 </p:sld>
 </file>
 
@@ -29044,7 +29631,136 @@
           <a:p>
             <a:r>
               <a:rPr lang="en-US" sz="4000" dirty="0"/>
-              <a:t>Why? The exams are highly situational.</a:t>
+              <a:t>Microsoft exams are designed to test experience, not book knowledge.</a:t>
+            </a:r>
+          </a:p>
+          <a:p>
+            <a:r>
+              <a:rPr lang="en-US" sz="4000" dirty="0"/>
+              <a:t>So asking a kid out of college or an entry-level employee to take a cert exam is not something I advise. It leads to one of three outcomes:</a:t>
+            </a:r>
+          </a:p>
+          <a:p>
+            <a:pPr lvl="1"/>
+            <a:r>
+              <a:rPr lang="en-US" sz="3600" dirty="0"/>
+              <a:t>They pass the exam. (Least likely)</a:t>
+            </a:r>
+          </a:p>
+          <a:p>
+            <a:pPr marL="457200" lvl="1" indent="0">
+              <a:buNone/>
+            </a:pPr>
+            <a:r>
+              <a:rPr lang="en-US" sz="3600" dirty="0"/>
+              <a:t>More likely:</a:t>
+            </a:r>
+          </a:p>
+          <a:p>
+            <a:pPr lvl="1"/>
+            <a:r>
+              <a:rPr lang="en-US" sz="3600" dirty="0"/>
+              <a:t>They fail the exam, possibly multiple times, resulting in frustration/disillusionment, even career derailment.</a:t>
+            </a:r>
+          </a:p>
+          <a:p>
+            <a:pPr lvl="1"/>
+            <a:r>
+              <a:rPr lang="en-US" sz="3600" dirty="0"/>
+              <a:t>They try to cheat. Outcomes dubious.</a:t>
+            </a:r>
+          </a:p>
+        </p:txBody>
+      </p:sp>
+    </p:spTree>
+    <p:extLst>
+      <p:ext uri="{BB962C8B-B14F-4D97-AF65-F5344CB8AC3E}">
+        <p14:creationId xmlns:p14="http://schemas.microsoft.com/office/powerpoint/2010/main" val="4255154783"/>
+      </p:ext>
+    </p:extLst>
+  </p:cSld>
+  <p:clrMapOvr>
+    <a:masterClrMapping/>
+  </p:clrMapOvr>
+</p:sld>
+</file>
+
+<file path=ppt/slides/slide7.xml><?xml version="1.0" encoding="utf-8"?>
+<p:sld xmlns:a="http://schemas.openxmlformats.org/drawingml/2006/main" xmlns:r="http://schemas.openxmlformats.org/officeDocument/2006/relationships" xmlns:p="http://schemas.openxmlformats.org/presentationml/2006/main">
+  <p:cSld>
+    <p:spTree>
+      <p:nvGrpSpPr>
+        <p:cNvPr id="1" name=""/>
+        <p:cNvGrpSpPr/>
+        <p:nvPr/>
+      </p:nvGrpSpPr>
+      <p:grpSpPr>
+        <a:xfrm>
+          <a:off x="0" y="0"/>
+          <a:ext cx="0" cy="0"/>
+          <a:chOff x="0" y="0"/>
+          <a:chExt cx="0" cy="0"/>
+        </a:xfrm>
+      </p:grpSpPr>
+      <p:sp>
+        <p:nvSpPr>
+          <p:cNvPr id="2" name="Title 1">
+            <a:extLst>
+              <a:ext uri="{FF2B5EF4-FFF2-40B4-BE49-F238E27FC236}">
+                <a16:creationId xmlns:a16="http://schemas.microsoft.com/office/drawing/2014/main" id="{DDEF33D2-C99C-40D1-89F1-A81B1F85D202}"/>
+              </a:ext>
+            </a:extLst>
+          </p:cNvPr>
+          <p:cNvSpPr>
+            <a:spLocks noGrp="1"/>
+          </p:cNvSpPr>
+          <p:nvPr>
+            <p:ph type="title"/>
+          </p:nvPr>
+        </p:nvSpPr>
+        <p:spPr/>
+        <p:txBody>
+          <a:bodyPr/>
+          <a:lstStyle/>
+          <a:p>
+            <a:r>
+              <a:rPr lang="en-US" dirty="0"/>
+              <a:t>Who Should Take Cert Exams</a:t>
+            </a:r>
+          </a:p>
+        </p:txBody>
+      </p:sp>
+      <p:sp>
+        <p:nvSpPr>
+          <p:cNvPr id="3" name="Content Placeholder 2">
+            <a:extLst>
+              <a:ext uri="{FF2B5EF4-FFF2-40B4-BE49-F238E27FC236}">
+                <a16:creationId xmlns:a16="http://schemas.microsoft.com/office/drawing/2014/main" id="{FDC8B2BB-F0F2-481C-8DA0-098CADBB7296}"/>
+              </a:ext>
+            </a:extLst>
+          </p:cNvPr>
+          <p:cNvSpPr>
+            <a:spLocks noGrp="1"/>
+          </p:cNvSpPr>
+          <p:nvPr>
+            <p:ph idx="1"/>
+          </p:nvPr>
+        </p:nvSpPr>
+        <p:spPr>
+          <a:xfrm>
+            <a:off x="609600" y="990603"/>
+            <a:ext cx="10972800" cy="5657847"/>
+          </a:xfrm>
+        </p:spPr>
+        <p:txBody>
+          <a:bodyPr>
+            <a:normAutofit lnSpcReduction="10000"/>
+          </a:bodyPr>
+          <a:lstStyle/>
+          <a:p>
+            <a:r>
+              <a:rPr lang="en-US" sz="4000" dirty="0"/>
+              <a:t>The exams are highly situational.</a:t>
             </a:r>
           </a:p>
           <a:p>
@@ -29081,7 +29797,7 @@
 </p:sld>
 </file>
 
-<file path=ppt/slides/slide7.xml><?xml version="1.0" encoding="utf-8"?>
+<file path=ppt/slides/slide8.xml><?xml version="1.0" encoding="utf-8"?>
 <p:sld xmlns:a="http://schemas.openxmlformats.org/drawingml/2006/main" xmlns:r="http://schemas.openxmlformats.org/officeDocument/2006/relationships" xmlns:p="http://schemas.openxmlformats.org/presentationml/2006/main">
   <p:cSld>
     <p:spTree>
@@ -29592,132 +30308,6 @@
 </p:sld>
 </file>
 
-<file path=ppt/slides/slide8.xml><?xml version="1.0" encoding="utf-8"?>
-<p:sld xmlns:a="http://schemas.openxmlformats.org/drawingml/2006/main" xmlns:r="http://schemas.openxmlformats.org/officeDocument/2006/relationships" xmlns:p="http://schemas.openxmlformats.org/presentationml/2006/main">
-  <p:cSld>
-    <p:spTree>
-      <p:nvGrpSpPr>
-        <p:cNvPr id="1" name=""/>
-        <p:cNvGrpSpPr/>
-        <p:nvPr/>
-      </p:nvGrpSpPr>
-      <p:grpSpPr>
-        <a:xfrm>
-          <a:off x="0" y="0"/>
-          <a:ext cx="0" cy="0"/>
-          <a:chOff x="0" y="0"/>
-          <a:chExt cx="0" cy="0"/>
-        </a:xfrm>
-      </p:grpSpPr>
-      <p:sp>
-        <p:nvSpPr>
-          <p:cNvPr id="2" name="Title 1"/>
-          <p:cNvSpPr>
-            <a:spLocks noGrp="1"/>
-          </p:cNvSpPr>
-          <p:nvPr>
-            <p:ph type="title"/>
-          </p:nvPr>
-        </p:nvSpPr>
-        <p:spPr/>
-        <p:txBody>
-          <a:bodyPr/>
-          <a:lstStyle/>
-          <a:p>
-            <a:r>
-              <a:rPr lang="en-US" dirty="0"/>
-              <a:t>How to Train an Employee</a:t>
-            </a:r>
-          </a:p>
-        </p:txBody>
-      </p:sp>
-      <p:sp>
-        <p:nvSpPr>
-          <p:cNvPr id="3" name="Content Placeholder 2"/>
-          <p:cNvSpPr>
-            <a:spLocks noGrp="1"/>
-          </p:cNvSpPr>
-          <p:nvPr>
-            <p:ph idx="1"/>
-          </p:nvPr>
-        </p:nvSpPr>
-        <p:spPr>
-          <a:xfrm>
-            <a:off x="600635" y="972674"/>
-            <a:ext cx="10972800" cy="4876801"/>
-          </a:xfrm>
-        </p:spPr>
-        <p:txBody>
-          <a:bodyPr>
-            <a:normAutofit/>
-          </a:bodyPr>
-          <a:lstStyle/>
-          <a:p>
-            <a:r>
-              <a:rPr lang="en-US" sz="4400" dirty="0"/>
-              <a:t>Employers: </a:t>
-            </a:r>
-          </a:p>
-          <a:p>
-            <a:pPr lvl="1"/>
-            <a:r>
-              <a:rPr lang="en-US" sz="3600" dirty="0"/>
-              <a:t>Classroom training is overrated, lengthy, hit-and-miss. </a:t>
-            </a:r>
-          </a:p>
-          <a:p>
-            <a:pPr lvl="1"/>
-            <a:r>
-              <a:rPr lang="en-US" sz="3600" dirty="0"/>
-              <a:t>Travel conferences are expensive, lengthy. </a:t>
-            </a:r>
-          </a:p>
-          <a:p>
-            <a:pPr lvl="2"/>
-            <a:r>
-              <a:rPr lang="en-US" sz="3200" dirty="0"/>
-              <a:t>Require knowledge transfer afterwards.</a:t>
-            </a:r>
-          </a:p>
-          <a:p>
-            <a:pPr lvl="2"/>
-            <a:r>
-              <a:rPr lang="en-US" sz="3200" dirty="0"/>
-              <a:t>Proof of hands-on-lab completion when sending employees off. No hands-on labs? Be skeptical. :/</a:t>
-            </a:r>
-          </a:p>
-          <a:p>
-            <a:pPr lvl="1"/>
-            <a:r>
-              <a:rPr lang="en-US" sz="3600" dirty="0"/>
-              <a:t>Employees should take advantage of the easy free training opportunities to earn expensive paid ones </a:t>
-            </a:r>
-            <a:r>
-              <a:rPr lang="en-US" sz="3200" dirty="0"/>
-              <a:t>(Hint: This. Right. Now.)</a:t>
-            </a:r>
-          </a:p>
-          <a:p>
-            <a:pPr marL="457200" lvl="1" indent="0">
-              <a:buNone/>
-            </a:pPr>
-            <a:endParaRPr lang="en-US" sz="3200" dirty="0"/>
-          </a:p>
-        </p:txBody>
-      </p:sp>
-    </p:spTree>
-    <p:extLst>
-      <p:ext uri="{BB962C8B-B14F-4D97-AF65-F5344CB8AC3E}">
-        <p14:creationId xmlns:p14="http://schemas.microsoft.com/office/powerpoint/2010/main" val="3697046818"/>
-      </p:ext>
-    </p:extLst>
-  </p:cSld>
-  <p:clrMapOvr>
-    <a:masterClrMapping/>
-  </p:clrMapOvr>
-</p:sld>
-</file>
-
 <file path=ppt/slides/slide9.xml><?xml version="1.0" encoding="utf-8"?>
 <p:sld xmlns:a="http://schemas.openxmlformats.org/drawingml/2006/main" xmlns:r="http://schemas.openxmlformats.org/officeDocument/2006/relationships" xmlns:p="http://schemas.openxmlformats.org/presentationml/2006/main">
   <p:cSld>
@@ -29752,7 +30342,7 @@
           <a:p>
             <a:r>
               <a:rPr lang="en-US" dirty="0"/>
-              <a:t>Test-taking insight</a:t>
+              <a:t>How to Train an Employee</a:t>
             </a:r>
           </a:p>
         </p:txBody>
@@ -29767,279 +30357,80 @@
             <p:ph idx="1"/>
           </p:nvPr>
         </p:nvSpPr>
-        <p:spPr/>
+        <p:spPr>
+          <a:xfrm>
+            <a:off x="600635" y="972674"/>
+            <a:ext cx="10972800" cy="4876801"/>
+          </a:xfrm>
+        </p:spPr>
         <p:txBody>
           <a:bodyPr>
-            <a:noAutofit/>
+            <a:normAutofit/>
           </a:bodyPr>
           <a:lstStyle/>
           <a:p>
             <a:r>
+              <a:rPr lang="en-US" sz="4400" dirty="0"/>
+              <a:t>Employers: </a:t>
+            </a:r>
+          </a:p>
+          <a:p>
+            <a:pPr lvl="1"/>
+            <a:r>
               <a:rPr lang="en-US" sz="3600" dirty="0"/>
-              <a:t>When deciding on what content is tested, SME’s are asked:</a:t>
-            </a:r>
-            <a:br>
+              <a:t>Classroom training is overrated, lengthy, hit-and-miss. </a:t>
+            </a:r>
+          </a:p>
+          <a:p>
+            <a:pPr lvl="1"/>
+            <a:r>
               <a:rPr lang="en-US" sz="3600" dirty="0"/>
-            </a:br>
+              <a:t>Travel conferences are expensive, lengthy. </a:t>
+            </a:r>
+          </a:p>
+          <a:p>
+            <a:pPr lvl="2"/>
+            <a:r>
+              <a:rPr lang="en-US" sz="3200" dirty="0"/>
+              <a:t>Require knowledge transfer afterwards.</a:t>
+            </a:r>
+          </a:p>
+          <a:p>
+            <a:pPr lvl="2"/>
+            <a:r>
+              <a:rPr lang="en-US" sz="3200" dirty="0"/>
+              <a:t>Proof of hands-on-lab completion when sending employees off. No hands-on labs? Be skeptical. :/</a:t>
+            </a:r>
+          </a:p>
+          <a:p>
+            <a:pPr lvl="1"/>
             <a:r>
               <a:rPr lang="en-US" sz="3600" dirty="0"/>
-              <a:t>“Is this a skillset that you do regularly?” </a:t>
-            </a:r>
-            <a:br>
-              <a:rPr lang="en-US" sz="3600" dirty="0"/>
-            </a:br>
-            <a:r>
-              <a:rPr lang="en-US" sz="3600" dirty="0"/>
-              <a:t>or</a:t>
-            </a:r>
-            <a:br>
-              <a:rPr lang="en-US" sz="3600" dirty="0"/>
-            </a:br>
-            <a:r>
-              <a:rPr lang="en-US" sz="3600" dirty="0"/>
-              <a:t>“Is this a skillset you would ask about when hiring?”</a:t>
-            </a:r>
-          </a:p>
-          <a:p>
-            <a:r>
-              <a:rPr lang="en-US" sz="3600" dirty="0"/>
-              <a:t>If a worldwide group of 10 SME’s don’t think a feature is important to ask about, it’s not asked about. </a:t>
-            </a:r>
-          </a:p>
-          <a:p>
-            <a:r>
-              <a:rPr lang="en-US" sz="3600" dirty="0"/>
-              <a:t>New features are very likely to be included on the exam, to certify people who are doing work in the newest version(s) of the products.</a:t>
-            </a:r>
+              <a:t>Employees should take advantage of the easy free training opportunities to earn expensive paid ones </a:t>
+            </a:r>
+            <a:r>
+              <a:rPr lang="en-US" sz="3200" dirty="0"/>
+              <a:t>(Hint: This. Right. Now.)</a:t>
+            </a:r>
+          </a:p>
+          <a:p>
+            <a:pPr marL="457200" lvl="1" indent="0">
+              <a:buNone/>
+            </a:pPr>
+            <a:endParaRPr lang="en-US" sz="3200" dirty="0"/>
           </a:p>
         </p:txBody>
       </p:sp>
     </p:spTree>
     <p:extLst>
       <p:ext uri="{BB962C8B-B14F-4D97-AF65-F5344CB8AC3E}">
-        <p14:creationId xmlns:p14="http://schemas.microsoft.com/office/powerpoint/2010/main" val="3090163752"/>
+        <p14:creationId xmlns:p14="http://schemas.microsoft.com/office/powerpoint/2010/main" val="3697046818"/>
       </p:ext>
     </p:extLst>
   </p:cSld>
   <p:clrMapOvr>
     <a:masterClrMapping/>
   </p:clrMapOvr>
-  <p:timing>
-    <p:tnLst>
-      <p:par>
-        <p:cTn id="1" dur="indefinite" restart="never" nodeType="tmRoot">
-          <p:childTnLst>
-            <p:seq concurrent="1" nextAc="seek">
-              <p:cTn id="2" dur="indefinite" nodeType="mainSeq">
-                <p:childTnLst>
-                  <p:par>
-                    <p:cTn id="3" fill="hold">
-                      <p:stCondLst>
-                        <p:cond delay="indefinite"/>
-                      </p:stCondLst>
-                      <p:childTnLst>
-                        <p:par>
-                          <p:cTn id="4" fill="hold">
-                            <p:stCondLst>
-                              <p:cond delay="0"/>
-                            </p:stCondLst>
-                            <p:childTnLst>
-                              <p:par>
-                                <p:cTn id="5" presetID="10" presetClass="entr" presetSubtype="0" fill="hold" grpId="0" nodeType="clickEffect">
-                                  <p:stCondLst>
-                                    <p:cond delay="0"/>
-                                  </p:stCondLst>
-                                  <p:childTnLst>
-                                    <p:set>
-                                      <p:cBhvr>
-                                        <p:cTn id="6" dur="1" fill="hold">
-                                          <p:stCondLst>
-                                            <p:cond delay="0"/>
-                                          </p:stCondLst>
-                                        </p:cTn>
-                                        <p:tgtEl>
-                                          <p:spTgt spid="3">
-                                            <p:txEl>
-                                              <p:pRg st="0" end="0"/>
-                                            </p:txEl>
-                                          </p:spTgt>
-                                        </p:tgtEl>
-                                        <p:attrNameLst>
-                                          <p:attrName>style.visibility</p:attrName>
-                                        </p:attrNameLst>
-                                      </p:cBhvr>
-                                      <p:to>
-                                        <p:strVal val="visible"/>
-                                      </p:to>
-                                    </p:set>
-                                    <p:animEffect transition="in" filter="fade">
-                                      <p:cBhvr>
-                                        <p:cTn id="7" dur="500"/>
-                                        <p:tgtEl>
-                                          <p:spTgt spid="3">
-                                            <p:txEl>
-                                              <p:pRg st="0" end="0"/>
-                                            </p:txEl>
-                                          </p:spTgt>
-                                        </p:tgtEl>
-                                      </p:cBhvr>
-                                    </p:animEffect>
-                                  </p:childTnLst>
-                                </p:cTn>
-                              </p:par>
-                            </p:childTnLst>
-                          </p:cTn>
-                        </p:par>
-                      </p:childTnLst>
-                    </p:cTn>
-                  </p:par>
-                  <p:par>
-                    <p:cTn id="8" fill="hold">
-                      <p:stCondLst>
-                        <p:cond delay="indefinite"/>
-                      </p:stCondLst>
-                      <p:childTnLst>
-                        <p:par>
-                          <p:cTn id="9" fill="hold">
-                            <p:stCondLst>
-                              <p:cond delay="0"/>
-                            </p:stCondLst>
-                            <p:childTnLst>
-                              <p:par>
-                                <p:cTn id="10" presetID="10" presetClass="entr" presetSubtype="0" fill="hold" grpId="0" nodeType="clickEffect">
-                                  <p:stCondLst>
-                                    <p:cond delay="0"/>
-                                  </p:stCondLst>
-                                  <p:childTnLst>
-                                    <p:set>
-                                      <p:cBhvr>
-                                        <p:cTn id="11" dur="1" fill="hold">
-                                          <p:stCondLst>
-                                            <p:cond delay="0"/>
-                                          </p:stCondLst>
-                                        </p:cTn>
-                                        <p:tgtEl>
-                                          <p:spTgt spid="3">
-                                            <p:txEl>
-                                              <p:pRg st="1" end="1"/>
-                                            </p:txEl>
-                                          </p:spTgt>
-                                        </p:tgtEl>
-                                        <p:attrNameLst>
-                                          <p:attrName>style.visibility</p:attrName>
-                                        </p:attrNameLst>
-                                      </p:cBhvr>
-                                      <p:to>
-                                        <p:strVal val="visible"/>
-                                      </p:to>
-                                    </p:set>
-                                    <p:animEffect transition="in" filter="fade">
-                                      <p:cBhvr>
-                                        <p:cTn id="12" dur="500"/>
-                                        <p:tgtEl>
-                                          <p:spTgt spid="3">
-                                            <p:txEl>
-                                              <p:pRg st="1" end="1"/>
-                                            </p:txEl>
-                                          </p:spTgt>
-                                        </p:tgtEl>
-                                      </p:cBhvr>
-                                    </p:animEffect>
-                                  </p:childTnLst>
-                                </p:cTn>
-                              </p:par>
-                            </p:childTnLst>
-                          </p:cTn>
-                        </p:par>
-                      </p:childTnLst>
-                    </p:cTn>
-                  </p:par>
-                  <p:par>
-                    <p:cTn id="13" fill="hold">
-                      <p:stCondLst>
-                        <p:cond delay="indefinite"/>
-                      </p:stCondLst>
-                      <p:childTnLst>
-                        <p:par>
-                          <p:cTn id="14" fill="hold">
-                            <p:stCondLst>
-                              <p:cond delay="0"/>
-                            </p:stCondLst>
-                            <p:childTnLst>
-                              <p:par>
-                                <p:cTn id="15" presetID="10" presetClass="entr" presetSubtype="0" fill="hold" grpId="0" nodeType="clickEffect">
-                                  <p:stCondLst>
-                                    <p:cond delay="0"/>
-                                  </p:stCondLst>
-                                  <p:childTnLst>
-                                    <p:set>
-                                      <p:cBhvr>
-                                        <p:cTn id="16" dur="1" fill="hold">
-                                          <p:stCondLst>
-                                            <p:cond delay="0"/>
-                                          </p:stCondLst>
-                                        </p:cTn>
-                                        <p:tgtEl>
-                                          <p:spTgt spid="3">
-                                            <p:txEl>
-                                              <p:pRg st="2" end="2"/>
-                                            </p:txEl>
-                                          </p:spTgt>
-                                        </p:tgtEl>
-                                        <p:attrNameLst>
-                                          <p:attrName>style.visibility</p:attrName>
-                                        </p:attrNameLst>
-                                      </p:cBhvr>
-                                      <p:to>
-                                        <p:strVal val="visible"/>
-                                      </p:to>
-                                    </p:set>
-                                    <p:animEffect transition="in" filter="fade">
-                                      <p:cBhvr>
-                                        <p:cTn id="17" dur="500"/>
-                                        <p:tgtEl>
-                                          <p:spTgt spid="3">
-                                            <p:txEl>
-                                              <p:pRg st="2" end="2"/>
-                                            </p:txEl>
-                                          </p:spTgt>
-                                        </p:tgtEl>
-                                      </p:cBhvr>
-                                    </p:animEffect>
-                                  </p:childTnLst>
-                                </p:cTn>
-                              </p:par>
-                            </p:childTnLst>
-                          </p:cTn>
-                        </p:par>
-                      </p:childTnLst>
-                    </p:cTn>
-                  </p:par>
-                </p:childTnLst>
-              </p:cTn>
-              <p:prevCondLst>
-                <p:cond evt="onPrev" delay="0">
-                  <p:tgtEl>
-                    <p:sldTgt/>
-                  </p:tgtEl>
-                </p:cond>
-              </p:prevCondLst>
-              <p:nextCondLst>
-                <p:cond evt="onNext" delay="0">
-                  <p:tgtEl>
-                    <p:sldTgt/>
-                  </p:tgtEl>
-                </p:cond>
-              </p:nextCondLst>
-            </p:seq>
-          </p:childTnLst>
-        </p:cTn>
-      </p:par>
-    </p:tnLst>
-    <p:bldLst>
-      <p:bldP spid="3" grpId="0" uiExpand="1" build="p"/>
-    </p:bldLst>
-  </p:timing>
 </p:sld>
 </file>
 
